--- a/時系列データの生成.pptx
+++ b/時系列データの生成.pptx
@@ -9,15 +9,15 @@
     <p:sldId id="256" r:id="rId3"/>
     <p:sldId id="259" r:id="rId4"/>
     <p:sldId id="260" r:id="rId5"/>
-    <p:sldId id="265" r:id="rId6"/>
-    <p:sldId id="266" r:id="rId7"/>
-    <p:sldId id="263" r:id="rId8"/>
-    <p:sldId id="264" r:id="rId9"/>
-    <p:sldId id="267" r:id="rId10"/>
-    <p:sldId id="268" r:id="rId11"/>
-    <p:sldId id="269" r:id="rId12"/>
-    <p:sldId id="262" r:id="rId13"/>
-    <p:sldId id="270" r:id="rId14"/>
+    <p:sldId id="281" r:id="rId6"/>
+    <p:sldId id="265" r:id="rId7"/>
+    <p:sldId id="266" r:id="rId8"/>
+    <p:sldId id="282" r:id="rId9"/>
+    <p:sldId id="263" r:id="rId10"/>
+    <p:sldId id="264" r:id="rId11"/>
+    <p:sldId id="267" r:id="rId12"/>
+    <p:sldId id="270" r:id="rId13"/>
+    <p:sldId id="262" r:id="rId14"/>
     <p:sldId id="272" r:id="rId15"/>
     <p:sldId id="271" r:id="rId16"/>
     <p:sldId id="273" r:id="rId17"/>
@@ -27,8 +27,10 @@
     <p:sldId id="279" r:id="rId21"/>
     <p:sldId id="280" r:id="rId22"/>
     <p:sldId id="278" r:id="rId23"/>
-    <p:sldId id="275" r:id="rId24"/>
-    <p:sldId id="258" r:id="rId25"/>
+    <p:sldId id="285" r:id="rId24"/>
+    <p:sldId id="283" r:id="rId25"/>
+    <p:sldId id="284" r:id="rId26"/>
+    <p:sldId id="258" r:id="rId27"/>
   </p:sldIdLst>
   <p:sldSz cx="12192000" cy="6858000"/>
   <p:notesSz cx="6858000" cy="9144000"/>
@@ -127,13 +129,18 @@
       </a:defRPr>
     </a:lvl9pPr>
   </p:defaultTextStyle>
+  <p:extLst>
+    <p:ext uri="{EFAFB233-063F-42B5-8137-9DF3F51BA10A}">
+      <p15:sldGuideLst xmlns:p15="http://schemas.microsoft.com/office/powerpoint/2012/main"/>
+    </p:ext>
+  </p:extLst>
 </p:presentation>
 </file>
 
 <file path=ppt/revisionInfo.xml><?xml version="1.0" encoding="utf-8"?>
 <p1510:revInfo xmlns:a="http://schemas.openxmlformats.org/drawingml/2006/main" xmlns:r="http://schemas.openxmlformats.org/officeDocument/2006/relationships" xmlns:p1510="http://schemas.microsoft.com/office/powerpoint/2015/10/main">
   <p1510:revLst>
-    <p1510:client id="{2B8733B5-F4FA-48E6-954E-EF0100996BB1}" v="303" dt="2024-06-03T17:22:23.863"/>
+    <p1510:client id="{2B8733B5-F4FA-48E6-954E-EF0100996BB1}" v="471" dt="2024-06-04T17:02:36.450"/>
   </p1510:revLst>
 </p1510:revInfo>
 </file>
@@ -143,7 +150,7 @@
   <pc:docChgLst>
     <pc:chgData name="泰弘 仲山" userId="857b4835f3abfbd8" providerId="LiveId" clId="{2B8733B5-F4FA-48E6-954E-EF0100996BB1}"/>
     <pc:docChg chg="undo custSel addSld delSld modSld sldOrd addMainMaster modMainMaster">
-      <pc:chgData name="泰弘 仲山" userId="857b4835f3abfbd8" providerId="LiveId" clId="{2B8733B5-F4FA-48E6-954E-EF0100996BB1}" dt="2024-06-03T17:24:18.355" v="4392" actId="1076"/>
+      <pc:chgData name="泰弘 仲山" userId="857b4835f3abfbd8" providerId="LiveId" clId="{2B8733B5-F4FA-48E6-954E-EF0100996BB1}" dt="2024-06-04T17:07:19.003" v="6165" actId="1035"/>
       <pc:docMkLst>
         <pc:docMk/>
       </pc:docMkLst>
@@ -192,14 +199,14 @@
           </ac:spMkLst>
         </pc:spChg>
       </pc:sldChg>
-      <pc:sldChg chg="modSp new mod">
-        <pc:chgData name="泰弘 仲山" userId="857b4835f3abfbd8" providerId="LiveId" clId="{2B8733B5-F4FA-48E6-954E-EF0100996BB1}" dt="2024-06-03T17:23:46.213" v="4378" actId="20577"/>
+      <pc:sldChg chg="addSp modSp new mod">
+        <pc:chgData name="泰弘 仲山" userId="857b4835f3abfbd8" providerId="LiveId" clId="{2B8733B5-F4FA-48E6-954E-EF0100996BB1}" dt="2024-06-04T16:57:00.893" v="6151" actId="115"/>
         <pc:sldMkLst>
           <pc:docMk/>
           <pc:sldMk cId="1435461346" sldId="258"/>
         </pc:sldMkLst>
         <pc:spChg chg="mod">
-          <ac:chgData name="泰弘 仲山" userId="857b4835f3abfbd8" providerId="LiveId" clId="{2B8733B5-F4FA-48E6-954E-EF0100996BB1}" dt="2024-06-01T20:14:48.998" v="1488" actId="1076"/>
+          <ac:chgData name="泰弘 仲山" userId="857b4835f3abfbd8" providerId="LiveId" clId="{2B8733B5-F4FA-48E6-954E-EF0100996BB1}" dt="2024-06-04T16:56:58.220" v="6150" actId="115"/>
           <ac:spMkLst>
             <pc:docMk/>
             <pc:sldMk cId="1435461346" sldId="258"/>
@@ -207,16 +214,24 @@
           </ac:spMkLst>
         </pc:spChg>
         <pc:spChg chg="mod">
-          <ac:chgData name="泰弘 仲山" userId="857b4835f3abfbd8" providerId="LiveId" clId="{2B8733B5-F4FA-48E6-954E-EF0100996BB1}" dt="2024-06-03T17:23:46.213" v="4378" actId="20577"/>
+          <ac:chgData name="泰弘 仲山" userId="857b4835f3abfbd8" providerId="LiveId" clId="{2B8733B5-F4FA-48E6-954E-EF0100996BB1}" dt="2024-06-04T16:57:00.893" v="6151" actId="115"/>
           <ac:spMkLst>
             <pc:docMk/>
             <pc:sldMk cId="1435461346" sldId="258"/>
             <ac:spMk id="3" creationId="{4363BC86-9F09-60D6-9DAD-197484D9DC21}"/>
           </ac:spMkLst>
         </pc:spChg>
+        <pc:graphicFrameChg chg="add mod">
+          <ac:chgData name="泰弘 仲山" userId="857b4835f3abfbd8" providerId="LiveId" clId="{2B8733B5-F4FA-48E6-954E-EF0100996BB1}" dt="2024-06-04T16:56:50.512" v="6149" actId="1076"/>
+          <ac:graphicFrameMkLst>
+            <pc:docMk/>
+            <pc:sldMk cId="1435461346" sldId="258"/>
+            <ac:graphicFrameMk id="4" creationId="{B4339C99-B2C5-740B-60FF-DA9A6BA7355A}"/>
+          </ac:graphicFrameMkLst>
+        </pc:graphicFrameChg>
       </pc:sldChg>
       <pc:sldChg chg="modSp new mod">
-        <pc:chgData name="泰弘 仲山" userId="857b4835f3abfbd8" providerId="LiveId" clId="{2B8733B5-F4FA-48E6-954E-EF0100996BB1}" dt="2024-06-03T15:54:04.888" v="3237" actId="20577"/>
+        <pc:chgData name="泰弘 仲山" userId="857b4835f3abfbd8" providerId="LiveId" clId="{2B8733B5-F4FA-48E6-954E-EF0100996BB1}" dt="2024-06-04T15:35:15.386" v="4407" actId="20577"/>
         <pc:sldMkLst>
           <pc:docMk/>
           <pc:sldMk cId="4008117996" sldId="259"/>
@@ -230,7 +245,7 @@
           </ac:spMkLst>
         </pc:spChg>
         <pc:spChg chg="mod">
-          <ac:chgData name="泰弘 仲山" userId="857b4835f3abfbd8" providerId="LiveId" clId="{2B8733B5-F4FA-48E6-954E-EF0100996BB1}" dt="2024-06-03T15:54:04.888" v="3237" actId="20577"/>
+          <ac:chgData name="泰弘 仲山" userId="857b4835f3abfbd8" providerId="LiveId" clId="{2B8733B5-F4FA-48E6-954E-EF0100996BB1}" dt="2024-06-04T15:35:15.386" v="4407" actId="20577"/>
           <ac:spMkLst>
             <pc:docMk/>
             <pc:sldMk cId="4008117996" sldId="259"/>
@@ -239,13 +254,13 @@
         </pc:spChg>
       </pc:sldChg>
       <pc:sldChg chg="modSp new mod">
-        <pc:chgData name="泰弘 仲山" userId="857b4835f3abfbd8" providerId="LiveId" clId="{2B8733B5-F4FA-48E6-954E-EF0100996BB1}" dt="2024-06-03T15:53:26.681" v="3169" actId="20577"/>
+        <pc:chgData name="泰弘 仲山" userId="857b4835f3abfbd8" providerId="LiveId" clId="{2B8733B5-F4FA-48E6-954E-EF0100996BB1}" dt="2024-06-04T16:59:29.058" v="6154" actId="1076"/>
         <pc:sldMkLst>
           <pc:docMk/>
           <pc:sldMk cId="930197285" sldId="260"/>
         </pc:sldMkLst>
         <pc:spChg chg="mod">
-          <ac:chgData name="泰弘 仲山" userId="857b4835f3abfbd8" providerId="LiveId" clId="{2B8733B5-F4FA-48E6-954E-EF0100996BB1}" dt="2024-06-01T20:14:23.049" v="1483" actId="14100"/>
+          <ac:chgData name="泰弘 仲山" userId="857b4835f3abfbd8" providerId="LiveId" clId="{2B8733B5-F4FA-48E6-954E-EF0100996BB1}" dt="2024-06-04T16:59:24.798" v="6153" actId="1076"/>
           <ac:spMkLst>
             <pc:docMk/>
             <pc:sldMk cId="930197285" sldId="260"/>
@@ -253,7 +268,7 @@
           </ac:spMkLst>
         </pc:spChg>
         <pc:spChg chg="mod">
-          <ac:chgData name="泰弘 仲山" userId="857b4835f3abfbd8" providerId="LiveId" clId="{2B8733B5-F4FA-48E6-954E-EF0100996BB1}" dt="2024-06-03T15:53:26.681" v="3169" actId="20577"/>
+          <ac:chgData name="泰弘 仲山" userId="857b4835f3abfbd8" providerId="LiveId" clId="{2B8733B5-F4FA-48E6-954E-EF0100996BB1}" dt="2024-06-04T16:59:29.058" v="6154" actId="1076"/>
           <ac:spMkLst>
             <pc:docMk/>
             <pc:sldMk cId="930197285" sldId="260"/>
@@ -269,13 +284,13 @@
         </pc:sldMkLst>
       </pc:sldChg>
       <pc:sldChg chg="addSp delSp modSp new mod">
-        <pc:chgData name="泰弘 仲山" userId="857b4835f3abfbd8" providerId="LiveId" clId="{2B8733B5-F4FA-48E6-954E-EF0100996BB1}" dt="2024-06-01T21:11:00.050" v="2818" actId="1076"/>
+        <pc:chgData name="泰弘 仲山" userId="857b4835f3abfbd8" providerId="LiveId" clId="{2B8733B5-F4FA-48E6-954E-EF0100996BB1}" dt="2024-06-04T16:21:35.782" v="5449" actId="1076"/>
         <pc:sldMkLst>
           <pc:docMk/>
           <pc:sldMk cId="1533125040" sldId="262"/>
         </pc:sldMkLst>
         <pc:spChg chg="mod">
-          <ac:chgData name="泰弘 仲山" userId="857b4835f3abfbd8" providerId="LiveId" clId="{2B8733B5-F4FA-48E6-954E-EF0100996BB1}" dt="2024-06-01T21:11:00.050" v="2818" actId="1076"/>
+          <ac:chgData name="泰弘 仲山" userId="857b4835f3abfbd8" providerId="LiveId" clId="{2B8733B5-F4FA-48E6-954E-EF0100996BB1}" dt="2024-06-04T15:57:02.251" v="4744" actId="20577"/>
           <ac:spMkLst>
             <pc:docMk/>
             <pc:sldMk cId="1533125040" sldId="262"/>
@@ -291,7 +306,7 @@
           </ac:spMkLst>
         </pc:spChg>
         <pc:spChg chg="add mod">
-          <ac:chgData name="泰弘 仲山" userId="857b4835f3abfbd8" providerId="LiveId" clId="{2B8733B5-F4FA-48E6-954E-EF0100996BB1}" dt="2024-05-31T05:38:20.323" v="1274" actId="20577"/>
+          <ac:chgData name="泰弘 仲山" userId="857b4835f3abfbd8" providerId="LiveId" clId="{2B8733B5-F4FA-48E6-954E-EF0100996BB1}" dt="2024-06-04T16:21:35.782" v="5449" actId="1076"/>
           <ac:spMkLst>
             <pc:docMk/>
             <pc:sldMk cId="1533125040" sldId="262"/>
@@ -299,7 +314,7 @@
           </ac:spMkLst>
         </pc:spChg>
         <pc:graphicFrameChg chg="add mod ord modGraphic">
-          <ac:chgData name="泰弘 仲山" userId="857b4835f3abfbd8" providerId="LiveId" clId="{2B8733B5-F4FA-48E6-954E-EF0100996BB1}" dt="2024-06-01T21:10:39.293" v="2816" actId="20577"/>
+          <ac:chgData name="泰弘 仲山" userId="857b4835f3abfbd8" providerId="LiveId" clId="{2B8733B5-F4FA-48E6-954E-EF0100996BB1}" dt="2024-06-04T15:57:42.571" v="4754" actId="1076"/>
           <ac:graphicFrameMkLst>
             <pc:docMk/>
             <pc:sldMk cId="1533125040" sldId="262"/>
@@ -395,13 +410,13 @@
         </pc:picChg>
       </pc:sldChg>
       <pc:sldChg chg="addSp modSp new mod">
-        <pc:chgData name="泰弘 仲山" userId="857b4835f3abfbd8" providerId="LiveId" clId="{2B8733B5-F4FA-48E6-954E-EF0100996BB1}" dt="2024-06-01T21:00:36.947" v="2527" actId="20577"/>
+        <pc:chgData name="泰弘 仲山" userId="857b4835f3abfbd8" providerId="LiveId" clId="{2B8733B5-F4FA-48E6-954E-EF0100996BB1}" dt="2024-06-04T16:03:11.149" v="4840"/>
         <pc:sldMkLst>
           <pc:docMk/>
           <pc:sldMk cId="1964924838" sldId="264"/>
         </pc:sldMkLst>
         <pc:spChg chg="mod">
-          <ac:chgData name="泰弘 仲山" userId="857b4835f3abfbd8" providerId="LiveId" clId="{2B8733B5-F4FA-48E6-954E-EF0100996BB1}" dt="2024-06-01T21:00:36.947" v="2527" actId="20577"/>
+          <ac:chgData name="泰弘 仲山" userId="857b4835f3abfbd8" providerId="LiveId" clId="{2B8733B5-F4FA-48E6-954E-EF0100996BB1}" dt="2024-06-04T15:56:12.053" v="4709" actId="6549"/>
           <ac:spMkLst>
             <pc:docMk/>
             <pc:sldMk cId="1964924838" sldId="264"/>
@@ -417,7 +432,7 @@
           </ac:spMkLst>
         </pc:spChg>
         <pc:spChg chg="add mod">
-          <ac:chgData name="泰弘 仲山" userId="857b4835f3abfbd8" providerId="LiveId" clId="{2B8733B5-F4FA-48E6-954E-EF0100996BB1}" dt="2024-06-01T20:55:46.256" v="2289" actId="1076"/>
+          <ac:chgData name="泰弘 仲山" userId="857b4835f3abfbd8" providerId="LiveId" clId="{2B8733B5-F4FA-48E6-954E-EF0100996BB1}" dt="2024-06-04T16:03:03.267" v="4839" actId="14100"/>
           <ac:spMkLst>
             <pc:docMk/>
             <pc:sldMk cId="1964924838" sldId="264"/>
@@ -425,7 +440,7 @@
           </ac:spMkLst>
         </pc:spChg>
         <pc:spChg chg="add mod">
-          <ac:chgData name="泰弘 仲山" userId="857b4835f3abfbd8" providerId="LiveId" clId="{2B8733B5-F4FA-48E6-954E-EF0100996BB1}" dt="2024-06-01T20:56:03.344" v="2326" actId="20577"/>
+          <ac:chgData name="泰弘 仲山" userId="857b4835f3abfbd8" providerId="LiveId" clId="{2B8733B5-F4FA-48E6-954E-EF0100996BB1}" dt="2024-06-04T16:03:11.149" v="4840"/>
           <ac:spMkLst>
             <pc:docMk/>
             <pc:sldMk cId="1964924838" sldId="264"/>
@@ -458,7 +473,7 @@
         </pc:picChg>
       </pc:sldChg>
       <pc:sldChg chg="addSp delSp modSp new mod ord">
-        <pc:chgData name="泰弘 仲山" userId="857b4835f3abfbd8" providerId="LiveId" clId="{2B8733B5-F4FA-48E6-954E-EF0100996BB1}" dt="2024-06-03T15:54:52.644" v="3291" actId="20577"/>
+        <pc:chgData name="泰弘 仲山" userId="857b4835f3abfbd8" providerId="LiveId" clId="{2B8733B5-F4FA-48E6-954E-EF0100996BB1}" dt="2024-06-04T15:45:14.733" v="4553" actId="1076"/>
         <pc:sldMkLst>
           <pc:docMk/>
           <pc:sldMk cId="4212749149" sldId="265"/>
@@ -480,7 +495,7 @@
           </ac:spMkLst>
         </pc:spChg>
         <pc:spChg chg="add mod">
-          <ac:chgData name="泰弘 仲山" userId="857b4835f3abfbd8" providerId="LiveId" clId="{2B8733B5-F4FA-48E6-954E-EF0100996BB1}" dt="2024-06-03T15:54:26.997" v="3241" actId="20577"/>
+          <ac:chgData name="泰弘 仲山" userId="857b4835f3abfbd8" providerId="LiveId" clId="{2B8733B5-F4FA-48E6-954E-EF0100996BB1}" dt="2024-06-04T15:45:10.340" v="4552" actId="1076"/>
           <ac:spMkLst>
             <pc:docMk/>
             <pc:sldMk cId="4212749149" sldId="265"/>
@@ -488,7 +503,7 @@
           </ac:spMkLst>
         </pc:spChg>
         <pc:picChg chg="add mod">
-          <ac:chgData name="泰弘 仲山" userId="857b4835f3abfbd8" providerId="LiveId" clId="{2B8733B5-F4FA-48E6-954E-EF0100996BB1}" dt="2024-06-01T20:15:07.741" v="1493" actId="1076"/>
+          <ac:chgData name="泰弘 仲山" userId="857b4835f3abfbd8" providerId="LiveId" clId="{2B8733B5-F4FA-48E6-954E-EF0100996BB1}" dt="2024-06-04T15:45:14.733" v="4553" actId="1076"/>
           <ac:picMkLst>
             <pc:docMk/>
             <pc:sldMk cId="4212749149" sldId="265"/>
@@ -497,7 +512,7 @@
         </pc:picChg>
       </pc:sldChg>
       <pc:sldChg chg="addSp delSp modSp new mod">
-        <pc:chgData name="泰弘 仲山" userId="857b4835f3abfbd8" providerId="LiveId" clId="{2B8733B5-F4FA-48E6-954E-EF0100996BB1}" dt="2024-06-01T20:29:19.707" v="1840" actId="1076"/>
+        <pc:chgData name="泰弘 仲山" userId="857b4835f3abfbd8" providerId="LiveId" clId="{2B8733B5-F4FA-48E6-954E-EF0100996BB1}" dt="2024-06-04T17:02:22.242" v="6156" actId="14100"/>
         <pc:sldMkLst>
           <pc:docMk/>
           <pc:sldMk cId="2193669287" sldId="266"/>
@@ -518,6 +533,14 @@
             <ac:spMk id="3" creationId="{C634ACE2-14E6-AB97-792C-72975317A3E0}"/>
           </ac:spMkLst>
         </pc:spChg>
+        <pc:spChg chg="add mod">
+          <ac:chgData name="泰弘 仲山" userId="857b4835f3abfbd8" providerId="LiveId" clId="{2B8733B5-F4FA-48E6-954E-EF0100996BB1}" dt="2024-06-04T15:49:58.424" v="4619" actId="1076"/>
+          <ac:spMkLst>
+            <pc:docMk/>
+            <pc:sldMk cId="2193669287" sldId="266"/>
+            <ac:spMk id="3" creationId="{F4CD1171-83B4-50B3-A3DF-810305250B1D}"/>
+          </ac:spMkLst>
+        </pc:spChg>
         <pc:spChg chg="add del mod">
           <ac:chgData name="泰弘 仲山" userId="857b4835f3abfbd8" providerId="LiveId" clId="{2B8733B5-F4FA-48E6-954E-EF0100996BB1}" dt="2024-06-01T20:24:40.592" v="1572" actId="478"/>
           <ac:spMkLst>
@@ -527,7 +550,7 @@
           </ac:spMkLst>
         </pc:spChg>
         <pc:spChg chg="add mod">
-          <ac:chgData name="泰弘 仲山" userId="857b4835f3abfbd8" providerId="LiveId" clId="{2B8733B5-F4FA-48E6-954E-EF0100996BB1}" dt="2024-06-01T20:29:19.707" v="1840" actId="1076"/>
+          <ac:chgData name="泰弘 仲山" userId="857b4835f3abfbd8" providerId="LiveId" clId="{2B8733B5-F4FA-48E6-954E-EF0100996BB1}" dt="2024-06-04T15:49:21.375" v="4598" actId="1035"/>
           <ac:spMkLst>
             <pc:docMk/>
             <pc:sldMk cId="2193669287" sldId="266"/>
@@ -535,11 +558,27 @@
           </ac:spMkLst>
         </pc:spChg>
         <pc:spChg chg="add mod">
-          <ac:chgData name="泰弘 仲山" userId="857b4835f3abfbd8" providerId="LiveId" clId="{2B8733B5-F4FA-48E6-954E-EF0100996BB1}" dt="2024-06-01T20:25:51.021" v="1653" actId="1076"/>
+          <ac:chgData name="泰弘 仲山" userId="857b4835f3abfbd8" providerId="LiveId" clId="{2B8733B5-F4FA-48E6-954E-EF0100996BB1}" dt="2024-06-04T17:02:22.242" v="6156" actId="14100"/>
           <ac:spMkLst>
             <pc:docMk/>
             <pc:sldMk cId="2193669287" sldId="266"/>
             <ac:spMk id="6" creationId="{C124F11B-4F39-4012-13BF-52A9B406F7B6}"/>
+          </ac:spMkLst>
+        </pc:spChg>
+        <pc:spChg chg="add mod">
+          <ac:chgData name="泰弘 仲山" userId="857b4835f3abfbd8" providerId="LiveId" clId="{2B8733B5-F4FA-48E6-954E-EF0100996BB1}" dt="2024-06-04T15:50:51.910" v="4672" actId="1076"/>
+          <ac:spMkLst>
+            <pc:docMk/>
+            <pc:sldMk cId="2193669287" sldId="266"/>
+            <ac:spMk id="11" creationId="{7A9D487B-D86F-F600-8846-82313DEBB532}"/>
+          </ac:spMkLst>
+        </pc:spChg>
+        <pc:spChg chg="add mod">
+          <ac:chgData name="泰弘 仲山" userId="857b4835f3abfbd8" providerId="LiveId" clId="{2B8733B5-F4FA-48E6-954E-EF0100996BB1}" dt="2024-06-04T15:52:47.536" v="4690" actId="20577"/>
+          <ac:spMkLst>
+            <pc:docMk/>
+            <pc:sldMk cId="2193669287" sldId="266"/>
+            <ac:spMk id="18" creationId="{10D68DE9-90A6-3899-73C9-23A558371F8A}"/>
           </ac:spMkLst>
         </pc:spChg>
         <pc:picChg chg="add del mod">
@@ -567,7 +606,7 @@
           </ac:picMkLst>
         </pc:picChg>
         <pc:picChg chg="add mod">
-          <ac:chgData name="泰弘 仲山" userId="857b4835f3abfbd8" providerId="LiveId" clId="{2B8733B5-F4FA-48E6-954E-EF0100996BB1}" dt="2024-06-01T20:25:10.650" v="1581" actId="1076"/>
+          <ac:chgData name="泰弘 仲山" userId="857b4835f3abfbd8" providerId="LiveId" clId="{2B8733B5-F4FA-48E6-954E-EF0100996BB1}" dt="2024-06-04T15:45:23.186" v="4555" actId="1076"/>
           <ac:picMkLst>
             <pc:docMk/>
             <pc:sldMk cId="2193669287" sldId="266"/>
@@ -575,13 +614,37 @@
           </ac:picMkLst>
         </pc:picChg>
         <pc:picChg chg="add mod">
-          <ac:chgData name="泰弘 仲山" userId="857b4835f3abfbd8" providerId="LiveId" clId="{2B8733B5-F4FA-48E6-954E-EF0100996BB1}" dt="2024-06-01T20:25:16.999" v="1583" actId="1076"/>
+          <ac:chgData name="泰弘 仲山" userId="857b4835f3abfbd8" providerId="LiveId" clId="{2B8733B5-F4FA-48E6-954E-EF0100996BB1}" dt="2024-06-04T15:45:24.917" v="4556" actId="1076"/>
           <ac:picMkLst>
             <pc:docMk/>
             <pc:sldMk cId="2193669287" sldId="266"/>
             <ac:picMk id="3082" creationId="{E207C2F9-C178-8682-BF50-26476A1B87D2}"/>
           </ac:picMkLst>
         </pc:picChg>
+        <pc:cxnChg chg="add mod">
+          <ac:chgData name="泰弘 仲山" userId="857b4835f3abfbd8" providerId="LiveId" clId="{2B8733B5-F4FA-48E6-954E-EF0100996BB1}" dt="2024-06-04T15:50:03.181" v="4620" actId="14100"/>
+          <ac:cxnSpMkLst>
+            <pc:docMk/>
+            <pc:sldMk cId="2193669287" sldId="266"/>
+            <ac:cxnSpMk id="7" creationId="{FB00AD0A-AA95-1C96-8950-02763B658A0B}"/>
+          </ac:cxnSpMkLst>
+        </pc:cxnChg>
+        <pc:cxnChg chg="add mod">
+          <ac:chgData name="泰弘 仲山" userId="857b4835f3abfbd8" providerId="LiveId" clId="{2B8733B5-F4FA-48E6-954E-EF0100996BB1}" dt="2024-06-04T15:50:58.263" v="4674" actId="14100"/>
+          <ac:cxnSpMkLst>
+            <pc:docMk/>
+            <pc:sldMk cId="2193669287" sldId="266"/>
+            <ac:cxnSpMk id="13" creationId="{41557AB3-D658-57D7-7F1E-DC4F1D131556}"/>
+          </ac:cxnSpMkLst>
+        </pc:cxnChg>
+        <pc:cxnChg chg="add mod">
+          <ac:chgData name="泰弘 仲山" userId="857b4835f3abfbd8" providerId="LiveId" clId="{2B8733B5-F4FA-48E6-954E-EF0100996BB1}" dt="2024-06-04T15:52:55.921" v="4693" actId="14100"/>
+          <ac:cxnSpMkLst>
+            <pc:docMk/>
+            <pc:sldMk cId="2193669287" sldId="266"/>
+            <ac:cxnSpMk id="19" creationId="{65139120-272D-6DC2-B1B8-E405687E46EF}"/>
+          </ac:cxnSpMkLst>
+        </pc:cxnChg>
       </pc:sldChg>
       <pc:sldChg chg="new del">
         <pc:chgData name="泰弘 仲山" userId="857b4835f3abfbd8" providerId="LiveId" clId="{2B8733B5-F4FA-48E6-954E-EF0100996BB1}" dt="2024-06-01T20:16:21.428" v="1536" actId="2696"/>
@@ -591,13 +654,13 @@
         </pc:sldMkLst>
       </pc:sldChg>
       <pc:sldChg chg="addSp delSp modSp new mod">
-        <pc:chgData name="泰弘 仲山" userId="857b4835f3abfbd8" providerId="LiveId" clId="{2B8733B5-F4FA-48E6-954E-EF0100996BB1}" dt="2024-06-01T21:02:35.049" v="2607" actId="1076"/>
+        <pc:chgData name="泰弘 仲山" userId="857b4835f3abfbd8" providerId="LiveId" clId="{2B8733B5-F4FA-48E6-954E-EF0100996BB1}" dt="2024-06-04T17:04:40.262" v="6159" actId="14100"/>
         <pc:sldMkLst>
           <pc:docMk/>
           <pc:sldMk cId="3701654242" sldId="267"/>
         </pc:sldMkLst>
         <pc:spChg chg="mod">
-          <ac:chgData name="泰弘 仲山" userId="857b4835f3abfbd8" providerId="LiveId" clId="{2B8733B5-F4FA-48E6-954E-EF0100996BB1}" dt="2024-06-01T21:00:52.858" v="2541" actId="20577"/>
+          <ac:chgData name="泰弘 仲山" userId="857b4835f3abfbd8" providerId="LiveId" clId="{2B8733B5-F4FA-48E6-954E-EF0100996BB1}" dt="2024-06-04T15:56:21.175" v="4722" actId="20577"/>
           <ac:spMkLst>
             <pc:docMk/>
             <pc:sldMk cId="3701654242" sldId="267"/>
@@ -605,29 +668,69 @@
           </ac:spMkLst>
         </pc:spChg>
         <pc:spChg chg="add del mod">
-          <ac:chgData name="泰弘 仲山" userId="857b4835f3abfbd8" providerId="LiveId" clId="{2B8733B5-F4FA-48E6-954E-EF0100996BB1}" dt="2024-06-01T21:02:02.145" v="2597" actId="20577"/>
+          <ac:chgData name="泰弘 仲山" userId="857b4835f3abfbd8" providerId="LiveId" clId="{2B8733B5-F4FA-48E6-954E-EF0100996BB1}" dt="2024-06-04T17:04:40.262" v="6159" actId="14100"/>
           <ac:spMkLst>
             <pc:docMk/>
             <pc:sldMk cId="3701654242" sldId="267"/>
             <ac:spMk id="3" creationId="{403299DD-96A4-8398-52F9-0F02C0CC086D}"/>
           </ac:spMkLst>
         </pc:spChg>
-        <pc:spChg chg="add mod">
-          <ac:chgData name="泰弘 仲山" userId="857b4835f3abfbd8" providerId="LiveId" clId="{2B8733B5-F4FA-48E6-954E-EF0100996BB1}" dt="2024-06-01T21:02:32.830" v="2606" actId="1076"/>
+        <pc:spChg chg="add del mod">
+          <ac:chgData name="泰弘 仲山" userId="857b4835f3abfbd8" providerId="LiveId" clId="{2B8733B5-F4FA-48E6-954E-EF0100996BB1}" dt="2024-06-04T16:19:55.508" v="5398" actId="478"/>
           <ac:spMkLst>
             <pc:docMk/>
             <pc:sldMk cId="3701654242" sldId="267"/>
             <ac:spMk id="4" creationId="{D89DE2F5-D86D-ED6D-F76D-29946D60E933}"/>
           </ac:spMkLst>
         </pc:spChg>
-        <pc:spChg chg="add mod">
-          <ac:chgData name="泰弘 仲山" userId="857b4835f3abfbd8" providerId="LiveId" clId="{2B8733B5-F4FA-48E6-954E-EF0100996BB1}" dt="2024-06-01T21:02:35.049" v="2607" actId="1076"/>
+        <pc:spChg chg="add del mod">
+          <ac:chgData name="泰弘 仲山" userId="857b4835f3abfbd8" providerId="LiveId" clId="{2B8733B5-F4FA-48E6-954E-EF0100996BB1}" dt="2024-06-04T16:19:48.909" v="5395" actId="478"/>
           <ac:spMkLst>
             <pc:docMk/>
             <pc:sldMk cId="3701654242" sldId="267"/>
             <ac:spMk id="5" creationId="{5D68D7AC-30BC-ED12-4DEA-336AF19EE471}"/>
           </ac:spMkLst>
         </pc:spChg>
+        <pc:spChg chg="add mod">
+          <ac:chgData name="泰弘 仲山" userId="857b4835f3abfbd8" providerId="LiveId" clId="{2B8733B5-F4FA-48E6-954E-EF0100996BB1}" dt="2024-06-04T16:20:32.269" v="5410" actId="1076"/>
+          <ac:spMkLst>
+            <pc:docMk/>
+            <pc:sldMk cId="3701654242" sldId="267"/>
+            <ac:spMk id="8" creationId="{7C248A79-C66C-BA8C-F8A2-9E9F717904A0}"/>
+          </ac:spMkLst>
+        </pc:spChg>
+        <pc:spChg chg="add mod">
+          <ac:chgData name="泰弘 仲山" userId="857b4835f3abfbd8" providerId="LiveId" clId="{2B8733B5-F4FA-48E6-954E-EF0100996BB1}" dt="2024-06-04T16:20:32.269" v="5410" actId="1076"/>
+          <ac:spMkLst>
+            <pc:docMk/>
+            <pc:sldMk cId="3701654242" sldId="267"/>
+            <ac:spMk id="9" creationId="{29DBBEDA-F8EA-EB11-79FD-7EF8D7BC696A}"/>
+          </ac:spMkLst>
+        </pc:spChg>
+        <pc:spChg chg="add mod">
+          <ac:chgData name="泰弘 仲山" userId="857b4835f3abfbd8" providerId="LiveId" clId="{2B8733B5-F4FA-48E6-954E-EF0100996BB1}" dt="2024-06-04T16:20:53.154" v="5421" actId="1076"/>
+          <ac:spMkLst>
+            <pc:docMk/>
+            <pc:sldMk cId="3701654242" sldId="267"/>
+            <ac:spMk id="10" creationId="{8115F4D0-8445-8E72-BEDD-80462B05A057}"/>
+          </ac:spMkLst>
+        </pc:spChg>
+        <pc:picChg chg="add mod">
+          <ac:chgData name="泰弘 仲山" userId="857b4835f3abfbd8" providerId="LiveId" clId="{2B8733B5-F4FA-48E6-954E-EF0100996BB1}" dt="2024-06-04T16:20:43.131" v="5416" actId="14100"/>
+          <ac:picMkLst>
+            <pc:docMk/>
+            <pc:sldMk cId="3701654242" sldId="267"/>
+            <ac:picMk id="6" creationId="{85BCE71E-B27E-43C1-4FEE-C4010AAC7B8B}"/>
+          </ac:picMkLst>
+        </pc:picChg>
+        <pc:picChg chg="add mod">
+          <ac:chgData name="泰弘 仲山" userId="857b4835f3abfbd8" providerId="LiveId" clId="{2B8733B5-F4FA-48E6-954E-EF0100996BB1}" dt="2024-06-04T16:20:49.190" v="5420" actId="1076"/>
+          <ac:picMkLst>
+            <pc:docMk/>
+            <pc:sldMk cId="3701654242" sldId="267"/>
+            <ac:picMk id="7" creationId="{EB0C4735-0B58-BA38-58AB-8FDC435630A5}"/>
+          </ac:picMkLst>
+        </pc:picChg>
         <pc:picChg chg="add mod">
           <ac:chgData name="泰弘 仲山" userId="857b4835f3abfbd8" providerId="LiveId" clId="{2B8733B5-F4FA-48E6-954E-EF0100996BB1}" dt="2024-06-01T21:01:24.576" v="2544"/>
           <ac:picMkLst>
@@ -637,15 +740,15 @@
           </ac:picMkLst>
         </pc:picChg>
         <pc:picChg chg="add mod">
-          <ac:chgData name="泰弘 仲山" userId="857b4835f3abfbd8" providerId="LiveId" clId="{2B8733B5-F4FA-48E6-954E-EF0100996BB1}" dt="2024-06-01T21:01:44.141" v="2553" actId="1076"/>
+          <ac:chgData name="泰弘 仲山" userId="857b4835f3abfbd8" providerId="LiveId" clId="{2B8733B5-F4FA-48E6-954E-EF0100996BB1}" dt="2024-06-04T16:20:40.208" v="5414" actId="1076"/>
           <ac:picMkLst>
             <pc:docMk/>
             <pc:sldMk cId="3701654242" sldId="267"/>
             <ac:picMk id="5124" creationId="{EBF0D6D2-4B2D-0526-9879-84D2AF29E439}"/>
           </ac:picMkLst>
         </pc:picChg>
-        <pc:picChg chg="add mod">
-          <ac:chgData name="泰弘 仲山" userId="857b4835f3abfbd8" providerId="LiveId" clId="{2B8733B5-F4FA-48E6-954E-EF0100996BB1}" dt="2024-06-01T21:01:45.881" v="2554" actId="1076"/>
+        <pc:picChg chg="add del mod">
+          <ac:chgData name="泰弘 仲山" userId="857b4835f3abfbd8" providerId="LiveId" clId="{2B8733B5-F4FA-48E6-954E-EF0100996BB1}" dt="2024-06-04T16:19:46.473" v="5394" actId="478"/>
           <ac:picMkLst>
             <pc:docMk/>
             <pc:sldMk cId="3701654242" sldId="267"/>
@@ -653,14 +756,14 @@
           </ac:picMkLst>
         </pc:picChg>
       </pc:sldChg>
-      <pc:sldChg chg="addSp modSp new mod">
-        <pc:chgData name="泰弘 仲山" userId="857b4835f3abfbd8" providerId="LiveId" clId="{2B8733B5-F4FA-48E6-954E-EF0100996BB1}" dt="2024-06-01T21:04:46.109" v="2786" actId="20577"/>
+      <pc:sldChg chg="addSp modSp new del mod">
+        <pc:chgData name="泰弘 仲山" userId="857b4835f3abfbd8" providerId="LiveId" clId="{2B8733B5-F4FA-48E6-954E-EF0100996BB1}" dt="2024-06-04T16:20:56.871" v="5422" actId="47"/>
         <pc:sldMkLst>
           <pc:docMk/>
           <pc:sldMk cId="3016165639" sldId="268"/>
         </pc:sldMkLst>
         <pc:spChg chg="mod">
-          <ac:chgData name="泰弘 仲山" userId="857b4835f3abfbd8" providerId="LiveId" clId="{2B8733B5-F4FA-48E6-954E-EF0100996BB1}" dt="2024-06-01T21:03:54.938" v="2665" actId="20577"/>
+          <ac:chgData name="泰弘 仲山" userId="857b4835f3abfbd8" providerId="LiveId" clId="{2B8733B5-F4FA-48E6-954E-EF0100996BB1}" dt="2024-06-04T15:56:06.378" v="4708" actId="20577"/>
           <ac:spMkLst>
             <pc:docMk/>
             <pc:sldMk cId="3016165639" sldId="268"/>
@@ -708,14 +811,14 @@
           </ac:picMkLst>
         </pc:picChg>
       </pc:sldChg>
-      <pc:sldChg chg="addSp modSp new mod">
-        <pc:chgData name="泰弘 仲山" userId="857b4835f3abfbd8" providerId="LiveId" clId="{2B8733B5-F4FA-48E6-954E-EF0100996BB1}" dt="2024-06-01T21:04:59.687" v="2799" actId="20577"/>
+      <pc:sldChg chg="addSp modSp new del mod">
+        <pc:chgData name="泰弘 仲山" userId="857b4835f3abfbd8" providerId="LiveId" clId="{2B8733B5-F4FA-48E6-954E-EF0100996BB1}" dt="2024-06-04T16:20:59.300" v="5423" actId="47"/>
         <pc:sldMkLst>
           <pc:docMk/>
           <pc:sldMk cId="3957592569" sldId="269"/>
         </pc:sldMkLst>
         <pc:spChg chg="mod">
-          <ac:chgData name="泰弘 仲山" userId="857b4835f3abfbd8" providerId="LiveId" clId="{2B8733B5-F4FA-48E6-954E-EF0100996BB1}" dt="2024-06-01T21:04:08.253" v="2699" actId="20577"/>
+          <ac:chgData name="泰弘 仲山" userId="857b4835f3abfbd8" providerId="LiveId" clId="{2B8733B5-F4FA-48E6-954E-EF0100996BB1}" dt="2024-06-04T15:56:27.466" v="4725" actId="20577"/>
           <ac:spMkLst>
             <pc:docMk/>
             <pc:sldMk cId="3957592569" sldId="269"/>
@@ -763,8 +866,8 @@
           </ac:picMkLst>
         </pc:picChg>
       </pc:sldChg>
-      <pc:sldChg chg="addSp delSp modSp new mod">
-        <pc:chgData name="泰弘 仲山" userId="857b4835f3abfbd8" providerId="LiveId" clId="{2B8733B5-F4FA-48E6-954E-EF0100996BB1}" dt="2024-06-03T16:27:51.855" v="3520" actId="1076"/>
+      <pc:sldChg chg="addSp delSp modSp new mod ord">
+        <pc:chgData name="泰弘 仲山" userId="857b4835f3abfbd8" providerId="LiveId" clId="{2B8733B5-F4FA-48E6-954E-EF0100996BB1}" dt="2024-06-04T16:02:42.781" v="4824" actId="20577"/>
         <pc:sldMkLst>
           <pc:docMk/>
           <pc:sldMk cId="3070633986" sldId="270"/>
@@ -777,6 +880,14 @@
             <ac:spMk id="2" creationId="{B6C6D4A8-B53B-41BB-AD5B-1F765D20746B}"/>
           </ac:spMkLst>
         </pc:spChg>
+        <pc:spChg chg="add mod">
+          <ac:chgData name="泰弘 仲山" userId="857b4835f3abfbd8" providerId="LiveId" clId="{2B8733B5-F4FA-48E6-954E-EF0100996BB1}" dt="2024-06-04T16:02:42.781" v="4824" actId="20577"/>
+          <ac:spMkLst>
+            <pc:docMk/>
+            <pc:sldMk cId="3070633986" sldId="270"/>
+            <ac:spMk id="3" creationId="{39402E0F-240D-4A5A-C25D-6F95367F08ED}"/>
+          </ac:spMkLst>
+        </pc:spChg>
         <pc:spChg chg="del">
           <ac:chgData name="泰弘 仲山" userId="857b4835f3abfbd8" providerId="LiveId" clId="{2B8733B5-F4FA-48E6-954E-EF0100996BB1}" dt="2024-06-03T16:10:32.018" v="3300" actId="478"/>
           <ac:spMkLst>
@@ -794,7 +905,7 @@
           </ac:spMkLst>
         </pc:spChg>
         <pc:picChg chg="add mod">
-          <ac:chgData name="泰弘 仲山" userId="857b4835f3abfbd8" providerId="LiveId" clId="{2B8733B5-F4FA-48E6-954E-EF0100996BB1}" dt="2024-06-03T16:10:18.149" v="3298" actId="1076"/>
+          <ac:chgData name="泰弘 仲山" userId="857b4835f3abfbd8" providerId="LiveId" clId="{2B8733B5-F4FA-48E6-954E-EF0100996BB1}" dt="2024-06-04T16:02:30.515" v="4792" actId="1076"/>
           <ac:picMkLst>
             <pc:docMk/>
             <pc:sldMk cId="3070633986" sldId="270"/>
@@ -803,13 +914,13 @@
         </pc:picChg>
       </pc:sldChg>
       <pc:sldChg chg="addSp delSp modSp new mod">
-        <pc:chgData name="泰弘 仲山" userId="857b4835f3abfbd8" providerId="LiveId" clId="{2B8733B5-F4FA-48E6-954E-EF0100996BB1}" dt="2024-06-03T16:28:43.408" v="3615" actId="20577"/>
+        <pc:chgData name="泰弘 仲山" userId="857b4835f3abfbd8" providerId="LiveId" clId="{2B8733B5-F4FA-48E6-954E-EF0100996BB1}" dt="2024-06-04T16:04:28.607" v="4921"/>
         <pc:sldMkLst>
           <pc:docMk/>
           <pc:sldMk cId="1998329923" sldId="271"/>
         </pc:sldMkLst>
         <pc:spChg chg="mod">
-          <ac:chgData name="泰弘 仲山" userId="857b4835f3abfbd8" providerId="LiveId" clId="{2B8733B5-F4FA-48E6-954E-EF0100996BB1}" dt="2024-06-03T16:25:28.060" v="3382" actId="20577"/>
+          <ac:chgData name="泰弘 仲山" userId="857b4835f3abfbd8" providerId="LiveId" clId="{2B8733B5-F4FA-48E6-954E-EF0100996BB1}" dt="2024-06-04T16:04:28.607" v="4921"/>
           <ac:spMkLst>
             <pc:docMk/>
             <pc:sldMk cId="1998329923" sldId="271"/>
@@ -882,13 +993,21 @@
         </pc:picChg>
       </pc:sldChg>
       <pc:sldChg chg="addSp delSp modSp add mod">
-        <pc:chgData name="泰弘 仲山" userId="857b4835f3abfbd8" providerId="LiveId" clId="{2B8733B5-F4FA-48E6-954E-EF0100996BB1}" dt="2024-06-03T16:43:54.288" v="3711" actId="1076"/>
+        <pc:chgData name="泰弘 仲山" userId="857b4835f3abfbd8" providerId="LiveId" clId="{2B8733B5-F4FA-48E6-954E-EF0100996BB1}" dt="2024-06-04T16:21:44.510" v="5451" actId="14100"/>
         <pc:sldMkLst>
           <pc:docMk/>
           <pc:sldMk cId="2474729036" sldId="272"/>
         </pc:sldMkLst>
         <pc:spChg chg="mod">
-          <ac:chgData name="泰弘 仲山" userId="857b4835f3abfbd8" providerId="LiveId" clId="{2B8733B5-F4FA-48E6-954E-EF0100996BB1}" dt="2024-06-03T16:20:30.753" v="3368" actId="20577"/>
+          <ac:chgData name="泰弘 仲山" userId="857b4835f3abfbd8" providerId="LiveId" clId="{2B8733B5-F4FA-48E6-954E-EF0100996BB1}" dt="2024-06-04T16:03:42.749" v="4854" actId="14100"/>
+          <ac:spMkLst>
+            <pc:docMk/>
+            <pc:sldMk cId="2474729036" sldId="272"/>
+            <ac:spMk id="2" creationId="{8320C909-53D7-C686-3E91-264F2D204302}"/>
+          </ac:spMkLst>
+        </pc:spChg>
+        <pc:spChg chg="mod">
+          <ac:chgData name="泰弘 仲山" userId="857b4835f3abfbd8" providerId="LiveId" clId="{2B8733B5-F4FA-48E6-954E-EF0100996BB1}" dt="2024-06-04T16:04:54.763" v="4988" actId="1076"/>
           <ac:spMkLst>
             <pc:docMk/>
             <pc:sldMk cId="2474729036" sldId="272"/>
@@ -896,11 +1015,27 @@
           </ac:spMkLst>
         </pc:spChg>
         <pc:spChg chg="mod">
-          <ac:chgData name="泰弘 仲山" userId="857b4835f3abfbd8" providerId="LiveId" clId="{2B8733B5-F4FA-48E6-954E-EF0100996BB1}" dt="2024-06-03T16:21:51.055" v="3369" actId="14100"/>
+          <ac:chgData name="泰弘 仲山" userId="857b4835f3abfbd8" providerId="LiveId" clId="{2B8733B5-F4FA-48E6-954E-EF0100996BB1}" dt="2024-06-04T16:03:15.030" v="4841"/>
           <ac:spMkLst>
             <pc:docMk/>
             <pc:sldMk cId="2474729036" sldId="272"/>
             <ac:spMk id="4" creationId="{10F9D30E-C292-DDDC-7E0E-47067EA45F93}"/>
+          </ac:spMkLst>
+        </pc:spChg>
+        <pc:spChg chg="mod">
+          <ac:chgData name="泰弘 仲山" userId="857b4835f3abfbd8" providerId="LiveId" clId="{2B8733B5-F4FA-48E6-954E-EF0100996BB1}" dt="2024-06-04T16:03:17.341" v="4842"/>
+          <ac:spMkLst>
+            <pc:docMk/>
+            <pc:sldMk cId="2474729036" sldId="272"/>
+            <ac:spMk id="5" creationId="{BED865CF-5575-E9B2-5C59-9EC3CCB09918}"/>
+          </ac:spMkLst>
+        </pc:spChg>
+        <pc:spChg chg="add mod">
+          <ac:chgData name="泰弘 仲山" userId="857b4835f3abfbd8" providerId="LiveId" clId="{2B8733B5-F4FA-48E6-954E-EF0100996BB1}" dt="2024-06-04T15:58:41.209" v="4757" actId="767"/>
+          <ac:spMkLst>
+            <pc:docMk/>
+            <pc:sldMk cId="2474729036" sldId="272"/>
+            <ac:spMk id="6" creationId="{CD1D05EB-E53A-35FC-C525-54B60CE41C3F}"/>
           </ac:spMkLst>
         </pc:spChg>
         <pc:spChg chg="add del">
@@ -911,6 +1046,14 @@
             <ac:spMk id="7" creationId="{E203F74B-AE77-967D-3B05-953114AEDC7A}"/>
           </ac:spMkLst>
         </pc:spChg>
+        <pc:picChg chg="add mod">
+          <ac:chgData name="泰弘 仲山" userId="857b4835f3abfbd8" providerId="LiveId" clId="{2B8733B5-F4FA-48E6-954E-EF0100996BB1}" dt="2024-06-04T16:21:44.510" v="5451" actId="14100"/>
+          <ac:picMkLst>
+            <pc:docMk/>
+            <pc:sldMk cId="2474729036" sldId="272"/>
+            <ac:picMk id="2050" creationId="{EE70D9F2-00B6-9443-F575-A939ADBCF859}"/>
+          </ac:picMkLst>
+        </pc:picChg>
         <pc:picChg chg="del">
           <ac:chgData name="泰弘 仲山" userId="857b4835f3abfbd8" providerId="LiveId" clId="{2B8733B5-F4FA-48E6-954E-EF0100996BB1}" dt="2024-06-03T16:10:47.932" v="3303" actId="478"/>
           <ac:picMkLst>
@@ -959,8 +1102,8 @@
             <ac:picMk id="8198" creationId="{3CCD49B6-216F-1146-F0C5-FBED854BAAD3}"/>
           </ac:picMkLst>
         </pc:picChg>
-        <pc:picChg chg="add mod">
-          <ac:chgData name="泰弘 仲山" userId="857b4835f3abfbd8" providerId="LiveId" clId="{2B8733B5-F4FA-48E6-954E-EF0100996BB1}" dt="2024-06-03T16:43:54.288" v="3711" actId="1076"/>
+        <pc:picChg chg="add del mod">
+          <ac:chgData name="泰弘 仲山" userId="857b4835f3abfbd8" providerId="LiveId" clId="{2B8733B5-F4FA-48E6-954E-EF0100996BB1}" dt="2024-06-04T16:01:39.792" v="4784" actId="478"/>
           <ac:picMkLst>
             <pc:docMk/>
             <pc:sldMk cId="2474729036" sldId="272"/>
@@ -969,7 +1112,7 @@
         </pc:picChg>
       </pc:sldChg>
       <pc:sldChg chg="addSp delSp modSp new mod">
-        <pc:chgData name="泰弘 仲山" userId="857b4835f3abfbd8" providerId="LiveId" clId="{2B8733B5-F4FA-48E6-954E-EF0100996BB1}" dt="2024-06-03T16:31:20.498" v="3635"/>
+        <pc:chgData name="泰弘 仲山" userId="857b4835f3abfbd8" providerId="LiveId" clId="{2B8733B5-F4FA-48E6-954E-EF0100996BB1}" dt="2024-06-04T17:07:19.003" v="6165" actId="1035"/>
         <pc:sldMkLst>
           <pc:docMk/>
           <pc:sldMk cId="2297364614" sldId="273"/>
@@ -982,6 +1125,14 @@
             <ac:spMk id="2" creationId="{731A2AF0-CBF6-1918-1ACE-B211FD839F43}"/>
           </ac:spMkLst>
         </pc:spChg>
+        <pc:spChg chg="add mod">
+          <ac:chgData name="泰弘 仲山" userId="857b4835f3abfbd8" providerId="LiveId" clId="{2B8733B5-F4FA-48E6-954E-EF0100996BB1}" dt="2024-06-04T16:22:28.465" v="5471" actId="14100"/>
+          <ac:spMkLst>
+            <pc:docMk/>
+            <pc:sldMk cId="2297364614" sldId="273"/>
+            <ac:spMk id="3" creationId="{0DE71900-B6CF-A382-CE83-906859B99015}"/>
+          </ac:spMkLst>
+        </pc:spChg>
         <pc:spChg chg="del">
           <ac:chgData name="泰弘 仲山" userId="857b4835f3abfbd8" providerId="LiveId" clId="{2B8733B5-F4FA-48E6-954E-EF0100996BB1}" dt="2024-06-03T16:31:06.622" v="3632" actId="478"/>
           <ac:spMkLst>
@@ -991,7 +1142,7 @@
           </ac:spMkLst>
         </pc:spChg>
         <pc:spChg chg="add mod">
-          <ac:chgData name="泰弘 仲山" userId="857b4835f3abfbd8" providerId="LiveId" clId="{2B8733B5-F4FA-48E6-954E-EF0100996BB1}" dt="2024-06-03T16:31:20.498" v="3635"/>
+          <ac:chgData name="泰弘 仲山" userId="857b4835f3abfbd8" providerId="LiveId" clId="{2B8733B5-F4FA-48E6-954E-EF0100996BB1}" dt="2024-06-04T17:07:19.003" v="6165" actId="1035"/>
           <ac:spMkLst>
             <pc:docMk/>
             <pc:sldMk cId="2297364614" sldId="273"/>
@@ -999,7 +1150,7 @@
           </ac:spMkLst>
         </pc:spChg>
         <pc:picChg chg="add mod">
-          <ac:chgData name="泰弘 仲山" userId="857b4835f3abfbd8" providerId="LiveId" clId="{2B8733B5-F4FA-48E6-954E-EF0100996BB1}" dt="2024-06-03T16:31:15.258" v="3634" actId="1076"/>
+          <ac:chgData name="泰弘 仲山" userId="857b4835f3abfbd8" providerId="LiveId" clId="{2B8733B5-F4FA-48E6-954E-EF0100996BB1}" dt="2024-06-04T16:05:16.814" v="4992" actId="1076"/>
           <ac:picMkLst>
             <pc:docMk/>
             <pc:sldMk cId="2297364614" sldId="273"/>
@@ -1008,7 +1159,7 @@
         </pc:picChg>
       </pc:sldChg>
       <pc:sldChg chg="addSp delSp modSp add mod">
-        <pc:chgData name="泰弘 仲山" userId="857b4835f3abfbd8" providerId="LiveId" clId="{2B8733B5-F4FA-48E6-954E-EF0100996BB1}" dt="2024-06-03T17:17:06.131" v="4033" actId="1076"/>
+        <pc:chgData name="泰弘 仲山" userId="857b4835f3abfbd8" providerId="LiveId" clId="{2B8733B5-F4FA-48E6-954E-EF0100996BB1}" dt="2024-06-04T16:16:08.592" v="5234" actId="20577"/>
         <pc:sldMkLst>
           <pc:docMk/>
           <pc:sldMk cId="3088735980" sldId="274"/>
@@ -1021,6 +1172,22 @@
             <ac:spMk id="2" creationId="{731A2AF0-CBF6-1918-1ACE-B211FD839F43}"/>
           </ac:spMkLst>
         </pc:spChg>
+        <pc:spChg chg="add mod">
+          <ac:chgData name="泰弘 仲山" userId="857b4835f3abfbd8" providerId="LiveId" clId="{2B8733B5-F4FA-48E6-954E-EF0100996BB1}" dt="2024-06-04T16:16:08.592" v="5234" actId="20577"/>
+          <ac:spMkLst>
+            <pc:docMk/>
+            <pc:sldMk cId="3088735980" sldId="274"/>
+            <ac:spMk id="3" creationId="{9BD03213-14F3-F375-D4EE-4D020F5A43ED}"/>
+          </ac:spMkLst>
+        </pc:spChg>
+        <pc:spChg chg="mod">
+          <ac:chgData name="泰弘 仲山" userId="857b4835f3abfbd8" providerId="LiveId" clId="{2B8733B5-F4FA-48E6-954E-EF0100996BB1}" dt="2024-06-04T16:14:41.126" v="5194" actId="1076"/>
+          <ac:spMkLst>
+            <pc:docMk/>
+            <pc:sldMk cId="3088735980" sldId="274"/>
+            <ac:spMk id="4" creationId="{1DD51096-5A3D-5DA2-313A-06421EB0D321}"/>
+          </ac:spMkLst>
+        </pc:spChg>
         <pc:picChg chg="del">
           <ac:chgData name="泰弘 仲山" userId="857b4835f3abfbd8" providerId="LiveId" clId="{2B8733B5-F4FA-48E6-954E-EF0100996BB1}" dt="2024-06-03T16:31:28.621" v="3637" actId="478"/>
           <ac:picMkLst>
@@ -1038,7 +1205,7 @@
           </ac:picMkLst>
         </pc:picChg>
         <pc:picChg chg="add mod">
-          <ac:chgData name="泰弘 仲山" userId="857b4835f3abfbd8" providerId="LiveId" clId="{2B8733B5-F4FA-48E6-954E-EF0100996BB1}" dt="2024-06-03T17:17:06.131" v="4033" actId="1076"/>
+          <ac:chgData name="泰弘 仲山" userId="857b4835f3abfbd8" providerId="LiveId" clId="{2B8733B5-F4FA-48E6-954E-EF0100996BB1}" dt="2024-06-04T16:14:48.486" v="5197" actId="1076"/>
           <ac:picMkLst>
             <pc:docMk/>
             <pc:sldMk cId="3088735980" sldId="274"/>
@@ -1046,8 +1213,8 @@
           </ac:picMkLst>
         </pc:picChg>
       </pc:sldChg>
-      <pc:sldChg chg="addSp delSp modSp new mod">
-        <pc:chgData name="泰弘 仲山" userId="857b4835f3abfbd8" providerId="LiveId" clId="{2B8733B5-F4FA-48E6-954E-EF0100996BB1}" dt="2024-06-03T17:24:18.355" v="4392" actId="1076"/>
+      <pc:sldChg chg="addSp delSp modSp new del mod">
+        <pc:chgData name="泰弘 仲山" userId="857b4835f3abfbd8" providerId="LiveId" clId="{2B8733B5-F4FA-48E6-954E-EF0100996BB1}" dt="2024-06-04T16:56:17.933" v="6142" actId="2696"/>
         <pc:sldMkLst>
           <pc:docMk/>
           <pc:sldMk cId="1984776337" sldId="275"/>
@@ -1069,7 +1236,7 @@
           </ac:spMkLst>
         </pc:spChg>
         <pc:graphicFrameChg chg="add mod ord modGraphic">
-          <ac:chgData name="泰弘 仲山" userId="857b4835f3abfbd8" providerId="LiveId" clId="{2B8733B5-F4FA-48E6-954E-EF0100996BB1}" dt="2024-06-03T17:24:18.355" v="4392" actId="1076"/>
+          <ac:chgData name="泰弘 仲山" userId="857b4835f3abfbd8" providerId="LiveId" clId="{2B8733B5-F4FA-48E6-954E-EF0100996BB1}" dt="2024-06-04T16:24:24.351" v="5488" actId="20577"/>
           <ac:graphicFrameMkLst>
             <pc:docMk/>
             <pc:sldMk cId="1984776337" sldId="275"/>
@@ -1078,17 +1245,41 @@
         </pc:graphicFrameChg>
       </pc:sldChg>
       <pc:sldChg chg="addSp delSp modSp add mod">
-        <pc:chgData name="泰弘 仲山" userId="857b4835f3abfbd8" providerId="LiveId" clId="{2B8733B5-F4FA-48E6-954E-EF0100996BB1}" dt="2024-06-03T16:46:53.537" v="3796" actId="1076"/>
+        <pc:chgData name="泰弘 仲山" userId="857b4835f3abfbd8" providerId="LiveId" clId="{2B8733B5-F4FA-48E6-954E-EF0100996BB1}" dt="2024-06-04T16:14:20.638" v="5190" actId="20577"/>
         <pc:sldMkLst>
           <pc:docMk/>
           <pc:sldMk cId="3600177384" sldId="276"/>
         </pc:sldMkLst>
         <pc:spChg chg="mod">
-          <ac:chgData name="泰弘 仲山" userId="857b4835f3abfbd8" providerId="LiveId" clId="{2B8733B5-F4FA-48E6-954E-EF0100996BB1}" dt="2024-06-03T16:45:33.663" v="3788" actId="20577"/>
+          <ac:chgData name="泰弘 仲山" userId="857b4835f3abfbd8" providerId="LiveId" clId="{2B8733B5-F4FA-48E6-954E-EF0100996BB1}" dt="2024-06-04T16:06:56.619" v="5027"/>
+          <ac:spMkLst>
+            <pc:docMk/>
+            <pc:sldMk cId="3600177384" sldId="276"/>
+            <ac:spMk id="2" creationId="{8320C909-53D7-C686-3E91-264F2D204302}"/>
+          </ac:spMkLst>
+        </pc:spChg>
+        <pc:spChg chg="mod">
+          <ac:chgData name="泰弘 仲山" userId="857b4835f3abfbd8" providerId="LiveId" clId="{2B8733B5-F4FA-48E6-954E-EF0100996BB1}" dt="2024-06-04T16:14:20.638" v="5190" actId="20577"/>
           <ac:spMkLst>
             <pc:docMk/>
             <pc:sldMk cId="3600177384" sldId="276"/>
             <ac:spMk id="3" creationId="{01850D5B-2528-1043-EB54-A914A8EA1F17}"/>
+          </ac:spMkLst>
+        </pc:spChg>
+        <pc:spChg chg="mod">
+          <ac:chgData name="泰弘 仲山" userId="857b4835f3abfbd8" providerId="LiveId" clId="{2B8733B5-F4FA-48E6-954E-EF0100996BB1}" dt="2024-06-04T16:14:08.005" v="5151" actId="1035"/>
+          <ac:spMkLst>
+            <pc:docMk/>
+            <pc:sldMk cId="3600177384" sldId="276"/>
+            <ac:spMk id="4" creationId="{10F9D30E-C292-DDDC-7E0E-47067EA45F93}"/>
+          </ac:spMkLst>
+        </pc:spChg>
+        <pc:spChg chg="mod">
+          <ac:chgData name="泰弘 仲山" userId="857b4835f3abfbd8" providerId="LiveId" clId="{2B8733B5-F4FA-48E6-954E-EF0100996BB1}" dt="2024-06-04T16:14:08.005" v="5151" actId="1035"/>
+          <ac:spMkLst>
+            <pc:docMk/>
+            <pc:sldMk cId="3600177384" sldId="276"/>
+            <ac:spMk id="5" creationId="{BED865CF-5575-E9B2-5C59-9EC3CCB09918}"/>
           </ac:spMkLst>
         </pc:spChg>
         <pc:picChg chg="del">
@@ -1140,7 +1331,7 @@
           </ac:picMkLst>
         </pc:picChg>
         <pc:picChg chg="add mod">
-          <ac:chgData name="泰弘 仲山" userId="857b4835f3abfbd8" providerId="LiveId" clId="{2B8733B5-F4FA-48E6-954E-EF0100996BB1}" dt="2024-06-03T16:46:28.532" v="3791" actId="1076"/>
+          <ac:chgData name="泰弘 仲山" userId="857b4835f3abfbd8" providerId="LiveId" clId="{2B8733B5-F4FA-48E6-954E-EF0100996BB1}" dt="2024-06-04T16:14:08.005" v="5151" actId="1035"/>
           <ac:picMkLst>
             <pc:docMk/>
             <pc:sldMk cId="3600177384" sldId="276"/>
@@ -1165,13 +1356,13 @@
         </pc:picChg>
       </pc:sldChg>
       <pc:sldChg chg="addSp delSp modSp new mod">
-        <pc:chgData name="泰弘 仲山" userId="857b4835f3abfbd8" providerId="LiveId" clId="{2B8733B5-F4FA-48E6-954E-EF0100996BB1}" dt="2024-06-03T16:49:51.903" v="4018"/>
+        <pc:chgData name="泰弘 仲山" userId="857b4835f3abfbd8" providerId="LiveId" clId="{2B8733B5-F4FA-48E6-954E-EF0100996BB1}" dt="2024-06-04T16:14:32.116" v="5193" actId="20577"/>
         <pc:sldMkLst>
           <pc:docMk/>
           <pc:sldMk cId="2363432968" sldId="277"/>
         </pc:sldMkLst>
         <pc:spChg chg="mod">
-          <ac:chgData name="泰弘 仲山" userId="857b4835f3abfbd8" providerId="LiveId" clId="{2B8733B5-F4FA-48E6-954E-EF0100996BB1}" dt="2024-06-03T16:49:51.903" v="4018"/>
+          <ac:chgData name="泰弘 仲山" userId="857b4835f3abfbd8" providerId="LiveId" clId="{2B8733B5-F4FA-48E6-954E-EF0100996BB1}" dt="2024-06-04T16:14:32.116" v="5193" actId="20577"/>
           <ac:spMkLst>
             <pc:docMk/>
             <pc:sldMk cId="2363432968" sldId="277"/>
@@ -1244,7 +1435,7 @@
         </pc:picChg>
       </pc:sldChg>
       <pc:sldChg chg="addSp delSp modSp new mod">
-        <pc:chgData name="泰弘 仲山" userId="857b4835f3abfbd8" providerId="LiveId" clId="{2B8733B5-F4FA-48E6-954E-EF0100996BB1}" dt="2024-06-03T17:23:18.610" v="4328" actId="20577"/>
+        <pc:chgData name="泰弘 仲山" userId="857b4835f3abfbd8" providerId="LiveId" clId="{2B8733B5-F4FA-48E6-954E-EF0100996BB1}" dt="2024-06-04T16:46:04.334" v="5775" actId="14100"/>
         <pc:sldMkLst>
           <pc:docMk/>
           <pc:sldMk cId="828070994" sldId="278"/>
@@ -1266,15 +1457,31 @@
           </ac:spMkLst>
         </pc:spChg>
         <pc:spChg chg="add mod">
-          <ac:chgData name="泰弘 仲山" userId="857b4835f3abfbd8" providerId="LiveId" clId="{2B8733B5-F4FA-48E6-954E-EF0100996BB1}" dt="2024-06-03T17:23:10.704" v="4301" actId="14100"/>
+          <ac:chgData name="泰弘 仲山" userId="857b4835f3abfbd8" providerId="LiveId" clId="{2B8733B5-F4FA-48E6-954E-EF0100996BB1}" dt="2024-06-04T16:46:01.551" v="5773" actId="1076"/>
           <ac:spMkLst>
             <pc:docMk/>
             <pc:sldMk cId="828070994" sldId="278"/>
             <ac:spMk id="5" creationId="{97D0F1AE-D8C5-C874-0976-23B2810DF824}"/>
           </ac:spMkLst>
         </pc:spChg>
+        <pc:spChg chg="add del mod">
+          <ac:chgData name="泰弘 仲山" userId="857b4835f3abfbd8" providerId="LiveId" clId="{2B8733B5-F4FA-48E6-954E-EF0100996BB1}" dt="2024-06-04T16:45:52.033" v="5769" actId="478"/>
+          <ac:spMkLst>
+            <pc:docMk/>
+            <pc:sldMk cId="828070994" sldId="278"/>
+            <ac:spMk id="6" creationId="{8966030A-7256-7646-345E-4BE18470027F}"/>
+          </ac:spMkLst>
+        </pc:spChg>
+        <pc:graphicFrameChg chg="add del mod modGraphic">
+          <ac:chgData name="泰弘 仲山" userId="857b4835f3abfbd8" providerId="LiveId" clId="{2B8733B5-F4FA-48E6-954E-EF0100996BB1}" dt="2024-06-04T16:45:55.033" v="5770" actId="478"/>
+          <ac:graphicFrameMkLst>
+            <pc:docMk/>
+            <pc:sldMk cId="828070994" sldId="278"/>
+            <ac:graphicFrameMk id="3" creationId="{E60BBAC6-CB8B-C801-845E-286833C31063}"/>
+          </ac:graphicFrameMkLst>
+        </pc:graphicFrameChg>
         <pc:picChg chg="add mod">
-          <ac:chgData name="泰弘 仲山" userId="857b4835f3abfbd8" providerId="LiveId" clId="{2B8733B5-F4FA-48E6-954E-EF0100996BB1}" dt="2024-06-03T17:22:19.269" v="4155" actId="1076"/>
+          <ac:chgData name="泰弘 仲山" userId="857b4835f3abfbd8" providerId="LiveId" clId="{2B8733B5-F4FA-48E6-954E-EF0100996BB1}" dt="2024-06-04T16:46:04.334" v="5775" actId="14100"/>
           <ac:picMkLst>
             <pc:docMk/>
             <pc:sldMk cId="828070994" sldId="278"/>
@@ -1282,7 +1489,7 @@
           </ac:picMkLst>
         </pc:picChg>
         <pc:picChg chg="add mod">
-          <ac:chgData name="泰弘 仲山" userId="857b4835f3abfbd8" providerId="LiveId" clId="{2B8733B5-F4FA-48E6-954E-EF0100996BB1}" dt="2024-06-03T17:03:13.293" v="4030" actId="1076"/>
+          <ac:chgData name="泰弘 仲山" userId="857b4835f3abfbd8" providerId="LiveId" clId="{2B8733B5-F4FA-48E6-954E-EF0100996BB1}" dt="2024-06-04T16:43:42.243" v="5639" actId="1076"/>
           <ac:picMkLst>
             <pc:docMk/>
             <pc:sldMk cId="828070994" sldId="278"/>
@@ -1291,12 +1498,20 @@
         </pc:picChg>
       </pc:sldChg>
       <pc:sldChg chg="addSp delSp modSp add mod">
-        <pc:chgData name="泰弘 仲山" userId="857b4835f3abfbd8" providerId="LiveId" clId="{2B8733B5-F4FA-48E6-954E-EF0100996BB1}" dt="2024-06-03T17:22:09.840" v="4153" actId="20577"/>
+        <pc:chgData name="泰弘 仲山" userId="857b4835f3abfbd8" providerId="LiveId" clId="{2B8733B5-F4FA-48E6-954E-EF0100996BB1}" dt="2024-06-04T16:16:47.183" v="5273" actId="20577"/>
         <pc:sldMkLst>
           <pc:docMk/>
           <pc:sldMk cId="420217508" sldId="279"/>
         </pc:sldMkLst>
         <pc:spChg chg="mod">
+          <ac:chgData name="泰弘 仲山" userId="857b4835f3abfbd8" providerId="LiveId" clId="{2B8733B5-F4FA-48E6-954E-EF0100996BB1}" dt="2024-06-04T16:16:29.742" v="5237" actId="20577"/>
+          <ac:spMkLst>
+            <pc:docMk/>
+            <pc:sldMk cId="420217508" sldId="279"/>
+            <ac:spMk id="2" creationId="{8320C909-53D7-C686-3E91-264F2D204302}"/>
+          </ac:spMkLst>
+        </pc:spChg>
+        <pc:spChg chg="mod">
           <ac:chgData name="泰弘 仲山" userId="857b4835f3abfbd8" providerId="LiveId" clId="{2B8733B5-F4FA-48E6-954E-EF0100996BB1}" dt="2024-06-03T17:22:09.840" v="4153" actId="20577"/>
           <ac:spMkLst>
             <pc:docMk/>
@@ -1305,11 +1520,19 @@
           </ac:spMkLst>
         </pc:spChg>
         <pc:spChg chg="mod">
-          <ac:chgData name="泰弘 仲山" userId="857b4835f3abfbd8" providerId="LiveId" clId="{2B8733B5-F4FA-48E6-954E-EF0100996BB1}" dt="2024-06-03T17:19:11.672" v="4053" actId="1076"/>
+          <ac:chgData name="泰弘 仲山" userId="857b4835f3abfbd8" providerId="LiveId" clId="{2B8733B5-F4FA-48E6-954E-EF0100996BB1}" dt="2024-06-04T16:16:39.635" v="5258" actId="20577"/>
           <ac:spMkLst>
             <pc:docMk/>
             <pc:sldMk cId="420217508" sldId="279"/>
             <ac:spMk id="4" creationId="{10F9D30E-C292-DDDC-7E0E-47067EA45F93}"/>
+          </ac:spMkLst>
+        </pc:spChg>
+        <pc:spChg chg="mod">
+          <ac:chgData name="泰弘 仲山" userId="857b4835f3abfbd8" providerId="LiveId" clId="{2B8733B5-F4FA-48E6-954E-EF0100996BB1}" dt="2024-06-04T16:16:47.183" v="5273" actId="20577"/>
+          <ac:spMkLst>
+            <pc:docMk/>
+            <pc:sldMk cId="420217508" sldId="279"/>
+            <ac:spMk id="5" creationId="{BED865CF-5575-E9B2-5C59-9EC3CCB09918}"/>
           </ac:spMkLst>
         </pc:spChg>
         <pc:picChg chg="add mod">
@@ -1369,12 +1592,28 @@
           </ac:picMkLst>
         </pc:picChg>
       </pc:sldChg>
-      <pc:sldChg chg="addSp delSp modSp add">
-        <pc:chgData name="泰弘 仲山" userId="857b4835f3abfbd8" providerId="LiveId" clId="{2B8733B5-F4FA-48E6-954E-EF0100996BB1}" dt="2024-06-03T17:21:38.512" v="4101" actId="1076"/>
+      <pc:sldChg chg="addSp delSp modSp add mod">
+        <pc:chgData name="泰弘 仲山" userId="857b4835f3abfbd8" providerId="LiveId" clId="{2B8733B5-F4FA-48E6-954E-EF0100996BB1}" dt="2024-06-04T16:37:27.604" v="5573" actId="14100"/>
         <pc:sldMkLst>
           <pc:docMk/>
           <pc:sldMk cId="2657692945" sldId="280"/>
         </pc:sldMkLst>
+        <pc:spChg chg="mod">
+          <ac:chgData name="泰弘 仲山" userId="857b4835f3abfbd8" providerId="LiveId" clId="{2B8733B5-F4FA-48E6-954E-EF0100996BB1}" dt="2024-06-04T16:17:12.279" v="5274"/>
+          <ac:spMkLst>
+            <pc:docMk/>
+            <pc:sldMk cId="2657692945" sldId="280"/>
+            <ac:spMk id="2" creationId="{60CBA281-8532-0CFA-AE6B-6F197CC4259B}"/>
+          </ac:spMkLst>
+        </pc:spChg>
+        <pc:spChg chg="mod">
+          <ac:chgData name="泰弘 仲山" userId="857b4835f3abfbd8" providerId="LiveId" clId="{2B8733B5-F4FA-48E6-954E-EF0100996BB1}" dt="2024-06-04T16:37:27.604" v="5573" actId="14100"/>
+          <ac:spMkLst>
+            <pc:docMk/>
+            <pc:sldMk cId="2657692945" sldId="280"/>
+            <ac:spMk id="4" creationId="{5FA232E5-26A0-1B8C-B354-35C4B136E332}"/>
+          </ac:spMkLst>
+        </pc:spChg>
         <pc:picChg chg="del">
           <ac:chgData name="泰弘 仲山" userId="857b4835f3abfbd8" providerId="LiveId" clId="{2B8733B5-F4FA-48E6-954E-EF0100996BB1}" dt="2024-06-03T17:21:00.913" v="4057" actId="478"/>
           <ac:picMkLst>
@@ -1423,6 +1662,288 @@
             <ac:picMk id="17414" creationId="{1A18D3B3-2F66-6A7E-CB59-628B2FAAE7ED}"/>
           </ac:picMkLst>
         </pc:picChg>
+      </pc:sldChg>
+      <pc:sldChg chg="addSp delSp modSp add mod">
+        <pc:chgData name="泰弘 仲山" userId="857b4835f3abfbd8" providerId="LiveId" clId="{2B8733B5-F4FA-48E6-954E-EF0100996BB1}" dt="2024-06-04T15:45:01.131" v="4549" actId="1076"/>
+        <pc:sldMkLst>
+          <pc:docMk/>
+          <pc:sldMk cId="2186268134" sldId="281"/>
+        </pc:sldMkLst>
+        <pc:spChg chg="mod">
+          <ac:chgData name="泰弘 仲山" userId="857b4835f3abfbd8" providerId="LiveId" clId="{2B8733B5-F4FA-48E6-954E-EF0100996BB1}" dt="2024-06-04T15:44:05.817" v="4511" actId="6549"/>
+          <ac:spMkLst>
+            <pc:docMk/>
+            <pc:sldMk cId="2186268134" sldId="281"/>
+            <ac:spMk id="2" creationId="{EF5AE442-EB78-756E-ABA2-6E6BE9706635}"/>
+          </ac:spMkLst>
+        </pc:spChg>
+        <pc:spChg chg="mod">
+          <ac:chgData name="泰弘 仲山" userId="857b4835f3abfbd8" providerId="LiveId" clId="{2B8733B5-F4FA-48E6-954E-EF0100996BB1}" dt="2024-06-04T15:45:01.131" v="4549" actId="1076"/>
+          <ac:spMkLst>
+            <pc:docMk/>
+            <pc:sldMk cId="2186268134" sldId="281"/>
+            <ac:spMk id="4" creationId="{828D2467-2794-592A-5AF5-718578364077}"/>
+          </ac:spMkLst>
+        </pc:spChg>
+        <pc:picChg chg="add mod">
+          <ac:chgData name="泰弘 仲山" userId="857b4835f3abfbd8" providerId="LiveId" clId="{2B8733B5-F4FA-48E6-954E-EF0100996BB1}" dt="2024-06-04T15:44:57.581" v="4548" actId="1076"/>
+          <ac:picMkLst>
+            <pc:docMk/>
+            <pc:sldMk cId="2186268134" sldId="281"/>
+            <ac:picMk id="1026" creationId="{4C9750D3-11EF-BD58-511C-5AD170A10AF9}"/>
+          </ac:picMkLst>
+        </pc:picChg>
+        <pc:picChg chg="del">
+          <ac:chgData name="泰弘 仲山" userId="857b4835f3abfbd8" providerId="LiveId" clId="{2B8733B5-F4FA-48E6-954E-EF0100996BB1}" dt="2024-06-04T15:42:39.863" v="4510" actId="478"/>
+          <ac:picMkLst>
+            <pc:docMk/>
+            <pc:sldMk cId="2186268134" sldId="281"/>
+            <ac:picMk id="2050" creationId="{ECC67877-5007-1567-2A92-FD35134E937A}"/>
+          </ac:picMkLst>
+        </pc:picChg>
+      </pc:sldChg>
+      <pc:sldChg chg="addSp delSp modSp add mod">
+        <pc:chgData name="泰弘 仲山" userId="857b4835f3abfbd8" providerId="LiveId" clId="{2B8733B5-F4FA-48E6-954E-EF0100996BB1}" dt="2024-06-04T17:02:36.450" v="6157" actId="14100"/>
+        <pc:sldMkLst>
+          <pc:docMk/>
+          <pc:sldMk cId="3911352148" sldId="282"/>
+        </pc:sldMkLst>
+        <pc:spChg chg="mod">
+          <ac:chgData name="泰弘 仲山" userId="857b4835f3abfbd8" providerId="LiveId" clId="{2B8733B5-F4FA-48E6-954E-EF0100996BB1}" dt="2024-06-04T16:18:09.498" v="5287" actId="20577"/>
+          <ac:spMkLst>
+            <pc:docMk/>
+            <pc:sldMk cId="3911352148" sldId="282"/>
+            <ac:spMk id="2" creationId="{0047E1AA-F39F-0B48-36E7-E69E9B653F97}"/>
+          </ac:spMkLst>
+        </pc:spChg>
+        <pc:spChg chg="mod">
+          <ac:chgData name="泰弘 仲山" userId="857b4835f3abfbd8" providerId="LiveId" clId="{2B8733B5-F4FA-48E6-954E-EF0100996BB1}" dt="2024-06-04T16:19:22.512" v="5367" actId="1036"/>
+          <ac:spMkLst>
+            <pc:docMk/>
+            <pc:sldMk cId="3911352148" sldId="282"/>
+            <ac:spMk id="5" creationId="{D5F1A3C1-F57E-5910-7051-AD4B14FCDF21}"/>
+          </ac:spMkLst>
+        </pc:spChg>
+        <pc:spChg chg="mod">
+          <ac:chgData name="泰弘 仲山" userId="857b4835f3abfbd8" providerId="LiveId" clId="{2B8733B5-F4FA-48E6-954E-EF0100996BB1}" dt="2024-06-04T16:19:22.512" v="5367" actId="1036"/>
+          <ac:spMkLst>
+            <pc:docMk/>
+            <pc:sldMk cId="3911352148" sldId="282"/>
+            <ac:spMk id="6" creationId="{7F49B9D9-EE20-1F5F-D8C6-2BE13EC9C623}"/>
+          </ac:spMkLst>
+        </pc:spChg>
+        <pc:spChg chg="mod">
+          <ac:chgData name="泰弘 仲山" userId="857b4835f3abfbd8" providerId="LiveId" clId="{2B8733B5-F4FA-48E6-954E-EF0100996BB1}" dt="2024-06-04T16:19:22.512" v="5367" actId="1036"/>
+          <ac:spMkLst>
+            <pc:docMk/>
+            <pc:sldMk cId="3911352148" sldId="282"/>
+            <ac:spMk id="7" creationId="{6C369B20-D9A2-30D8-E536-0EF3B2F98EC2}"/>
+          </ac:spMkLst>
+        </pc:spChg>
+        <pc:spChg chg="mod">
+          <ac:chgData name="泰弘 仲山" userId="857b4835f3abfbd8" providerId="LiveId" clId="{2B8733B5-F4FA-48E6-954E-EF0100996BB1}" dt="2024-06-04T16:19:39.265" v="5393" actId="27636"/>
+          <ac:spMkLst>
+            <pc:docMk/>
+            <pc:sldMk cId="3911352148" sldId="282"/>
+            <ac:spMk id="8" creationId="{7C06F70E-54AE-0FDE-1F0F-16476EA5C472}"/>
+          </ac:spMkLst>
+        </pc:spChg>
+        <pc:picChg chg="add mod">
+          <ac:chgData name="泰弘 仲山" userId="857b4835f3abfbd8" providerId="LiveId" clId="{2B8733B5-F4FA-48E6-954E-EF0100996BB1}" dt="2024-06-04T17:02:36.450" v="6157" actId="14100"/>
+          <ac:picMkLst>
+            <pc:docMk/>
+            <pc:sldMk cId="3911352148" sldId="282"/>
+            <ac:picMk id="3" creationId="{5F0E1253-0ADF-7DA2-CCEC-492D2D44F63C}"/>
+          </ac:picMkLst>
+        </pc:picChg>
+        <pc:picChg chg="del">
+          <ac:chgData name="泰弘 仲山" userId="857b4835f3abfbd8" providerId="LiveId" clId="{2B8733B5-F4FA-48E6-954E-EF0100996BB1}" dt="2024-06-04T16:17:45.906" v="5278" actId="478"/>
+          <ac:picMkLst>
+            <pc:docMk/>
+            <pc:sldMk cId="3911352148" sldId="282"/>
+            <ac:picMk id="4" creationId="{C5A79648-5759-A6F9-1BBA-7940FA792B3C}"/>
+          </ac:picMkLst>
+        </pc:picChg>
+        <pc:picChg chg="add mod">
+          <ac:chgData name="泰弘 仲山" userId="857b4835f3abfbd8" providerId="LiveId" clId="{2B8733B5-F4FA-48E6-954E-EF0100996BB1}" dt="2024-06-04T16:19:22.512" v="5367" actId="1036"/>
+          <ac:picMkLst>
+            <pc:docMk/>
+            <pc:sldMk cId="3911352148" sldId="282"/>
+            <ac:picMk id="9" creationId="{F9E842DB-390A-2D9D-DE67-6EA87FF9B959}"/>
+          </ac:picMkLst>
+        </pc:picChg>
+        <pc:picChg chg="add mod">
+          <ac:chgData name="泰弘 仲山" userId="857b4835f3abfbd8" providerId="LiveId" clId="{2B8733B5-F4FA-48E6-954E-EF0100996BB1}" dt="2024-06-04T16:19:22.512" v="5367" actId="1036"/>
+          <ac:picMkLst>
+            <pc:docMk/>
+            <pc:sldMk cId="3911352148" sldId="282"/>
+            <ac:picMk id="10" creationId="{F3DF532C-4AE1-07AE-43A2-B4E8206D9F48}"/>
+          </ac:picMkLst>
+        </pc:picChg>
+        <pc:picChg chg="del">
+          <ac:chgData name="泰弘 仲山" userId="857b4835f3abfbd8" providerId="LiveId" clId="{2B8733B5-F4FA-48E6-954E-EF0100996BB1}" dt="2024-06-04T16:17:42.401" v="5276" actId="478"/>
+          <ac:picMkLst>
+            <pc:docMk/>
+            <pc:sldMk cId="3911352148" sldId="282"/>
+            <ac:picMk id="10242" creationId="{58D95B88-A466-8CFA-2508-E8B15498C5F4}"/>
+          </ac:picMkLst>
+        </pc:picChg>
+        <pc:picChg chg="del">
+          <ac:chgData name="泰弘 仲山" userId="857b4835f3abfbd8" providerId="LiveId" clId="{2B8733B5-F4FA-48E6-954E-EF0100996BB1}" dt="2024-06-04T16:17:44.300" v="5277" actId="478"/>
+          <ac:picMkLst>
+            <pc:docMk/>
+            <pc:sldMk cId="3911352148" sldId="282"/>
+            <ac:picMk id="10244" creationId="{478281D1-671C-CB21-770F-302465B5B1F9}"/>
+          </ac:picMkLst>
+        </pc:picChg>
+      </pc:sldChg>
+      <pc:sldChg chg="new del">
+        <pc:chgData name="泰弘 仲山" userId="857b4835f3abfbd8" providerId="LiveId" clId="{2B8733B5-F4FA-48E6-954E-EF0100996BB1}" dt="2024-06-04T16:26:47.745" v="5490" actId="47"/>
+        <pc:sldMkLst>
+          <pc:docMk/>
+          <pc:sldMk cId="2040889409" sldId="283"/>
+        </pc:sldMkLst>
+      </pc:sldChg>
+      <pc:sldChg chg="addSp delSp modSp new mod">
+        <pc:chgData name="泰弘 仲山" userId="857b4835f3abfbd8" providerId="LiveId" clId="{2B8733B5-F4FA-48E6-954E-EF0100996BB1}" dt="2024-06-04T16:44:37.050" v="5692" actId="20577"/>
+        <pc:sldMkLst>
+          <pc:docMk/>
+          <pc:sldMk cId="2287798328" sldId="283"/>
+        </pc:sldMkLst>
+        <pc:spChg chg="del mod">
+          <ac:chgData name="泰弘 仲山" userId="857b4835f3abfbd8" providerId="LiveId" clId="{2B8733B5-F4FA-48E6-954E-EF0100996BB1}" dt="2024-06-04T16:27:35.958" v="5496" actId="478"/>
+          <ac:spMkLst>
+            <pc:docMk/>
+            <pc:sldMk cId="2287798328" sldId="283"/>
+            <ac:spMk id="2" creationId="{CF7DD474-01DC-89FE-FA2A-E9D99815188D}"/>
+          </ac:spMkLst>
+        </pc:spChg>
+        <pc:spChg chg="add mod">
+          <ac:chgData name="泰弘 仲山" userId="857b4835f3abfbd8" providerId="LiveId" clId="{2B8733B5-F4FA-48E6-954E-EF0100996BB1}" dt="2024-06-04T16:44:05.449" v="5643"/>
+          <ac:spMkLst>
+            <pc:docMk/>
+            <pc:sldMk cId="2287798328" sldId="283"/>
+            <ac:spMk id="3" creationId="{8319D6F1-E3AA-5BFA-9E0F-BAD03B7F5BE2}"/>
+          </ac:spMkLst>
+        </pc:spChg>
+        <pc:spChg chg="add mod">
+          <ac:chgData name="泰弘 仲山" userId="857b4835f3abfbd8" providerId="LiveId" clId="{2B8733B5-F4FA-48E6-954E-EF0100996BB1}" dt="2024-06-04T16:44:22.586" v="5658" actId="14100"/>
+          <ac:spMkLst>
+            <pc:docMk/>
+            <pc:sldMk cId="2287798328" sldId="283"/>
+            <ac:spMk id="4" creationId="{E8D01939-C814-D500-813E-F4A7CD4D71BD}"/>
+          </ac:spMkLst>
+        </pc:spChg>
+        <pc:spChg chg="add mod">
+          <ac:chgData name="泰弘 仲山" userId="857b4835f3abfbd8" providerId="LiveId" clId="{2B8733B5-F4FA-48E6-954E-EF0100996BB1}" dt="2024-06-04T16:44:37.050" v="5692" actId="20577"/>
+          <ac:spMkLst>
+            <pc:docMk/>
+            <pc:sldMk cId="2287798328" sldId="283"/>
+            <ac:spMk id="5" creationId="{70BE5864-F103-21EB-59A8-5072D9F9DBE7}"/>
+          </ac:spMkLst>
+        </pc:spChg>
+        <pc:picChg chg="add del">
+          <ac:chgData name="泰弘 仲山" userId="857b4835f3abfbd8" providerId="LiveId" clId="{2B8733B5-F4FA-48E6-954E-EF0100996BB1}" dt="2024-06-04T16:27:35.958" v="5496" actId="478"/>
+          <ac:picMkLst>
+            <pc:docMk/>
+            <pc:sldMk cId="2287798328" sldId="283"/>
+            <ac:picMk id="3074" creationId="{9AD97016-581A-73BD-B3B2-0A037BE03FA8}"/>
+          </ac:picMkLst>
+        </pc:picChg>
+        <pc:picChg chg="add mod">
+          <ac:chgData name="泰弘 仲山" userId="857b4835f3abfbd8" providerId="LiveId" clId="{2B8733B5-F4FA-48E6-954E-EF0100996BB1}" dt="2024-06-04T16:43:54.979" v="5641" actId="1076"/>
+          <ac:picMkLst>
+            <pc:docMk/>
+            <pc:sldMk cId="2287798328" sldId="283"/>
+            <ac:picMk id="3076" creationId="{4D7E6344-3D09-F653-F978-6F82E4AEB44B}"/>
+          </ac:picMkLst>
+        </pc:picChg>
+        <pc:picChg chg="add mod">
+          <ac:chgData name="泰弘 仲山" userId="857b4835f3abfbd8" providerId="LiveId" clId="{2B8733B5-F4FA-48E6-954E-EF0100996BB1}" dt="2024-06-04T16:43:57.958" v="5642" actId="1076"/>
+          <ac:picMkLst>
+            <pc:docMk/>
+            <pc:sldMk cId="2287798328" sldId="283"/>
+            <ac:picMk id="3078" creationId="{5B582FBC-0A8F-159F-FF1A-7D1F3D004615}"/>
+          </ac:picMkLst>
+        </pc:picChg>
+      </pc:sldChg>
+      <pc:sldChg chg="addSp delSp modSp new mod">
+        <pc:chgData name="泰弘 仲山" userId="857b4835f3abfbd8" providerId="LiveId" clId="{2B8733B5-F4FA-48E6-954E-EF0100996BB1}" dt="2024-06-04T16:53:33.611" v="6006" actId="1076"/>
+        <pc:sldMkLst>
+          <pc:docMk/>
+          <pc:sldMk cId="3277995823" sldId="284"/>
+        </pc:sldMkLst>
+        <pc:spChg chg="del">
+          <ac:chgData name="泰弘 仲山" userId="857b4835f3abfbd8" providerId="LiveId" clId="{2B8733B5-F4FA-48E6-954E-EF0100996BB1}" dt="2024-06-04T16:44:45.264" v="5694" actId="478"/>
+          <ac:spMkLst>
+            <pc:docMk/>
+            <pc:sldMk cId="3277995823" sldId="284"/>
+            <ac:spMk id="2" creationId="{929BA109-EDAE-9C26-F868-7D71DE0887ED}"/>
+          </ac:spMkLst>
+        </pc:spChg>
+        <pc:spChg chg="add mod">
+          <ac:chgData name="泰弘 仲山" userId="857b4835f3abfbd8" providerId="LiveId" clId="{2B8733B5-F4FA-48E6-954E-EF0100996BB1}" dt="2024-06-04T16:45:19.572" v="5764" actId="1076"/>
+          <ac:spMkLst>
+            <pc:docMk/>
+            <pc:sldMk cId="3277995823" sldId="284"/>
+            <ac:spMk id="3" creationId="{CDB94706-E382-2372-8C63-0F178AE85A01}"/>
+          </ac:spMkLst>
+        </pc:spChg>
+        <pc:picChg chg="add mod">
+          <ac:chgData name="泰弘 仲山" userId="857b4835f3abfbd8" providerId="LiveId" clId="{2B8733B5-F4FA-48E6-954E-EF0100996BB1}" dt="2024-06-04T16:53:33.611" v="6006" actId="1076"/>
+          <ac:picMkLst>
+            <pc:docMk/>
+            <pc:sldMk cId="3277995823" sldId="284"/>
+            <ac:picMk id="5122" creationId="{D3306D67-E442-40C3-6E80-5C0ECF4F0B36}"/>
+          </ac:picMkLst>
+        </pc:picChg>
+      </pc:sldChg>
+      <pc:sldChg chg="addSp modSp new mod">
+        <pc:chgData name="泰弘 仲山" userId="857b4835f3abfbd8" providerId="LiveId" clId="{2B8733B5-F4FA-48E6-954E-EF0100996BB1}" dt="2024-06-04T16:57:23.056" v="6152" actId="1076"/>
+        <pc:sldMkLst>
+          <pc:docMk/>
+          <pc:sldMk cId="783450776" sldId="285"/>
+        </pc:sldMkLst>
+        <pc:spChg chg="mod">
+          <ac:chgData name="泰弘 仲山" userId="857b4835f3abfbd8" providerId="LiveId" clId="{2B8733B5-F4FA-48E6-954E-EF0100996BB1}" dt="2024-06-04T16:53:16.572" v="6005" actId="20577"/>
+          <ac:spMkLst>
+            <pc:docMk/>
+            <pc:sldMk cId="783450776" sldId="285"/>
+            <ac:spMk id="2" creationId="{7EA9ED98-4C73-4D62-4F25-FDA03D5F9ACB}"/>
+          </ac:spMkLst>
+        </pc:spChg>
+        <pc:spChg chg="add mod">
+          <ac:chgData name="泰弘 仲山" userId="857b4835f3abfbd8" providerId="LiveId" clId="{2B8733B5-F4FA-48E6-954E-EF0100996BB1}" dt="2024-06-04T16:52:47.128" v="5941" actId="1076"/>
+          <ac:spMkLst>
+            <pc:docMk/>
+            <pc:sldMk cId="783450776" sldId="285"/>
+            <ac:spMk id="4" creationId="{88D1E2D3-3D2E-8A1F-EBCC-6529B57144B6}"/>
+          </ac:spMkLst>
+        </pc:spChg>
+        <pc:spChg chg="add mod">
+          <ac:chgData name="泰弘 仲山" userId="857b4835f3abfbd8" providerId="LiveId" clId="{2B8733B5-F4FA-48E6-954E-EF0100996BB1}" dt="2024-06-04T16:57:23.056" v="6152" actId="1076"/>
+          <ac:spMkLst>
+            <pc:docMk/>
+            <pc:sldMk cId="783450776" sldId="285"/>
+            <ac:spMk id="6" creationId="{2B688642-6DF0-53BF-EBB4-93358A5E98AA}"/>
+          </ac:spMkLst>
+        </pc:spChg>
+        <pc:graphicFrameChg chg="add mod">
+          <ac:chgData name="泰弘 仲山" userId="857b4835f3abfbd8" providerId="LiveId" clId="{2B8733B5-F4FA-48E6-954E-EF0100996BB1}" dt="2024-06-04T16:52:43.828" v="5940" actId="1076"/>
+          <ac:graphicFrameMkLst>
+            <pc:docMk/>
+            <pc:sldMk cId="783450776" sldId="285"/>
+            <ac:graphicFrameMk id="3" creationId="{2E999C6C-EB43-0C51-B35E-AFB88B637773}"/>
+          </ac:graphicFrameMkLst>
+        </pc:graphicFrameChg>
+        <pc:graphicFrameChg chg="add mod modGraphic">
+          <ac:chgData name="泰弘 仲山" userId="857b4835f3abfbd8" providerId="LiveId" clId="{2B8733B5-F4FA-48E6-954E-EF0100996BB1}" dt="2024-06-04T16:52:52.249" v="5942" actId="1076"/>
+          <ac:graphicFrameMkLst>
+            <pc:docMk/>
+            <pc:sldMk cId="783450776" sldId="285"/>
+            <ac:graphicFrameMk id="5" creationId="{15C0D0D3-26F5-186D-6672-E910E310DF3A}"/>
+          </ac:graphicFrameMkLst>
+        </pc:graphicFrameChg>
       </pc:sldChg>
       <pc:sldMasterChg chg="addSldLayout">
         <pc:chgData name="泰弘 仲山" userId="857b4835f3abfbd8" providerId="LiveId" clId="{2B8733B5-F4FA-48E6-954E-EF0100996BB1}" dt="2024-05-30T23:40:29.374" v="0" actId="680"/>
@@ -1915,7 +2436,7 @@
           <a:p>
             <a:fld id="{65D9FF69-25D4-4677-88A0-8A6E25AD24DF}" type="datetimeFigureOut">
               <a:rPr kumimoji="1" lang="ja-JP" altLang="en-US" smtClean="0"/>
-              <a:t>2024/5/31</a:t>
+              <a:t>2024/6/5</a:t>
             </a:fld>
             <a:endParaRPr kumimoji="1" lang="ja-JP" altLang="en-US"/>
           </a:p>
@@ -2145,7 +2666,7 @@
           <a:p>
             <a:fld id="{65D9FF69-25D4-4677-88A0-8A6E25AD24DF}" type="datetimeFigureOut">
               <a:rPr kumimoji="1" lang="ja-JP" altLang="en-US" smtClean="0"/>
-              <a:t>2024/5/31</a:t>
+              <a:t>2024/6/5</a:t>
             </a:fld>
             <a:endParaRPr kumimoji="1" lang="ja-JP" altLang="en-US"/>
           </a:p>
@@ -2385,7 +2906,7 @@
           <a:p>
             <a:fld id="{65D9FF69-25D4-4677-88A0-8A6E25AD24DF}" type="datetimeFigureOut">
               <a:rPr kumimoji="1" lang="ja-JP" altLang="en-US" smtClean="0"/>
-              <a:t>2024/5/31</a:t>
+              <a:t>2024/6/5</a:t>
             </a:fld>
             <a:endParaRPr kumimoji="1" lang="ja-JP" altLang="en-US"/>
           </a:p>
@@ -2605,7 +3126,7 @@
           <a:p>
             <a:fld id="{65D9FF69-25D4-4677-88A0-8A6E25AD24DF}" type="datetimeFigureOut">
               <a:rPr kumimoji="1" lang="ja-JP" altLang="en-US" smtClean="0"/>
-              <a:t>2024/5/31</a:t>
+              <a:t>2024/6/5</a:t>
             </a:fld>
             <a:endParaRPr kumimoji="1" lang="ja-JP" altLang="en-US"/>
           </a:p>
@@ -2851,7 +3372,7 @@
           <a:p>
             <a:fld id="{65D9FF69-25D4-4677-88A0-8A6E25AD24DF}" type="datetimeFigureOut">
               <a:rPr kumimoji="1" lang="ja-JP" altLang="en-US" smtClean="0"/>
-              <a:t>2024/5/31</a:t>
+              <a:t>2024/6/5</a:t>
             </a:fld>
             <a:endParaRPr kumimoji="1" lang="ja-JP" altLang="en-US"/>
           </a:p>
@@ -3126,7 +3647,7 @@
           <a:p>
             <a:fld id="{65D9FF69-25D4-4677-88A0-8A6E25AD24DF}" type="datetimeFigureOut">
               <a:rPr kumimoji="1" lang="ja-JP" altLang="en-US" smtClean="0"/>
-              <a:t>2024/5/31</a:t>
+              <a:t>2024/6/5</a:t>
             </a:fld>
             <a:endParaRPr kumimoji="1" lang="ja-JP" altLang="en-US"/>
           </a:p>
@@ -3455,7 +3976,7 @@
           <a:p>
             <a:fld id="{65D9FF69-25D4-4677-88A0-8A6E25AD24DF}" type="datetimeFigureOut">
               <a:rPr kumimoji="1" lang="ja-JP" altLang="en-US" smtClean="0"/>
-              <a:t>2024/5/31</a:t>
+              <a:t>2024/6/5</a:t>
             </a:fld>
             <a:endParaRPr kumimoji="1" lang="ja-JP" altLang="en-US"/>
           </a:p>
@@ -3931,7 +4452,7 @@
           <a:p>
             <a:fld id="{65D9FF69-25D4-4677-88A0-8A6E25AD24DF}" type="datetimeFigureOut">
               <a:rPr kumimoji="1" lang="ja-JP" altLang="en-US" smtClean="0"/>
-              <a:t>2024/5/31</a:t>
+              <a:t>2024/6/5</a:t>
             </a:fld>
             <a:endParaRPr kumimoji="1" lang="ja-JP" altLang="en-US"/>
           </a:p>
@@ -4072,7 +4593,7 @@
           <a:p>
             <a:fld id="{65D9FF69-25D4-4677-88A0-8A6E25AD24DF}" type="datetimeFigureOut">
               <a:rPr kumimoji="1" lang="ja-JP" altLang="en-US" smtClean="0"/>
-              <a:t>2024/5/31</a:t>
+              <a:t>2024/6/5</a:t>
             </a:fld>
             <a:endParaRPr kumimoji="1" lang="ja-JP" altLang="en-US"/>
           </a:p>
@@ -4185,7 +4706,7 @@
           <a:p>
             <a:fld id="{65D9FF69-25D4-4677-88A0-8A6E25AD24DF}" type="datetimeFigureOut">
               <a:rPr kumimoji="1" lang="ja-JP" altLang="en-US" smtClean="0"/>
-              <a:t>2024/5/31</a:t>
+              <a:t>2024/6/5</a:t>
             </a:fld>
             <a:endParaRPr kumimoji="1" lang="ja-JP" altLang="en-US"/>
           </a:p>
@@ -4528,7 +5049,7 @@
           <a:p>
             <a:fld id="{65D9FF69-25D4-4677-88A0-8A6E25AD24DF}" type="datetimeFigureOut">
               <a:rPr kumimoji="1" lang="ja-JP" altLang="en-US" smtClean="0"/>
-              <a:t>2024/5/31</a:t>
+              <a:t>2024/6/5</a:t>
             </a:fld>
             <a:endParaRPr kumimoji="1" lang="ja-JP" altLang="en-US"/>
           </a:p>
@@ -5117,7 +5638,7 @@
           <a:p>
             <a:fld id="{65D9FF69-25D4-4677-88A0-8A6E25AD24DF}" type="datetimeFigureOut">
               <a:rPr kumimoji="1" lang="ja-JP" altLang="en-US" smtClean="0"/>
-              <a:t>2024/5/31</a:t>
+              <a:t>2024/6/5</a:t>
             </a:fld>
             <a:endParaRPr kumimoji="1" lang="ja-JP" altLang="en-US"/>
           </a:p>
@@ -5637,7 +6158,7 @@
           <p:cNvPr id="2" name="タイトル 1">
             <a:extLst>
               <a:ext uri="{FF2B5EF4-FFF2-40B4-BE49-F238E27FC236}">
-                <a16:creationId xmlns:a16="http://schemas.microsoft.com/office/drawing/2014/main" id="{2FA1A546-3B47-902C-DDE6-A46212B6D59C}"/>
+                <a16:creationId xmlns:a16="http://schemas.microsoft.com/office/drawing/2014/main" id="{92E5476B-6FC9-33A0-C227-AE9C4732FE23}"/>
               </a:ext>
             </a:extLst>
           </p:cNvPr>
@@ -5655,7 +6176,7 @@
           <a:p>
             <a:r>
               <a:rPr kumimoji="1" lang="ja-JP" altLang="en-US" dirty="0"/>
-              <a:t>自己相関（リターンの２乗）</a:t>
+              <a:t>①リターンの自己相関</a:t>
             </a:r>
           </a:p>
         </p:txBody>
@@ -5665,7 +6186,7 @@
           <p:cNvPr id="3" name="コンテンツ プレースホルダー 2">
             <a:extLst>
               <a:ext uri="{FF2B5EF4-FFF2-40B4-BE49-F238E27FC236}">
-                <a16:creationId xmlns:a16="http://schemas.microsoft.com/office/drawing/2014/main" id="{341CEDFB-354C-67EC-A1B0-96F47559E214}"/>
+                <a16:creationId xmlns:a16="http://schemas.microsoft.com/office/drawing/2014/main" id="{403299DD-96A4-8398-52F9-0F02C0CC086D}"/>
               </a:ext>
             </a:extLst>
           </p:cNvPr>
@@ -5678,8 +6199,8 @@
         </p:nvSpPr>
         <p:spPr>
           <a:xfrm>
-            <a:off x="145472" y="1132897"/>
-            <a:ext cx="11723253" cy="636909"/>
+            <a:off x="145474" y="1124830"/>
+            <a:ext cx="11612417" cy="518923"/>
           </a:xfrm>
         </p:spPr>
         <p:txBody>
@@ -5687,18 +6208,22 @@
           <a:lstStyle/>
           <a:p>
             <a:r>
+              <a:rPr lang="ja-JP" altLang="en-US" dirty="0"/>
+              <a:t>リターンの絶対値や２乗の自己相関</a:t>
+            </a:r>
+            <a:r>
               <a:rPr kumimoji="1" lang="ja-JP" altLang="en-US" dirty="0"/>
-              <a:t>リターンの２乗の自己相関の性質は大きく異なる</a:t>
+              <a:t>は再現できない</a:t>
             </a:r>
           </a:p>
         </p:txBody>
       </p:sp>
       <p:pic>
         <p:nvPicPr>
-          <p:cNvPr id="7170" name="Picture 2">
-            <a:extLst>
-              <a:ext uri="{FF2B5EF4-FFF2-40B4-BE49-F238E27FC236}">
-                <a16:creationId xmlns:a16="http://schemas.microsoft.com/office/drawing/2014/main" id="{118AD907-27A3-15EE-05FA-92E027FF9106}"/>
+          <p:cNvPr id="5124" name="Picture 4">
+            <a:extLst>
+              <a:ext uri="{FF2B5EF4-FFF2-40B4-BE49-F238E27FC236}">
+                <a16:creationId xmlns:a16="http://schemas.microsoft.com/office/drawing/2014/main" id="{EBF0D6D2-4B2D-0526-9879-84D2AF29E439}"/>
               </a:ext>
             </a:extLst>
           </p:cNvPr>
@@ -5722,8 +6247,8 @@
         </p:blipFill>
         <p:spPr bwMode="auto">
           <a:xfrm>
-            <a:off x="323275" y="2245289"/>
-            <a:ext cx="5591175" cy="4333875"/>
+            <a:off x="145472" y="2707577"/>
+            <a:ext cx="3896370" cy="3020185"/>
           </a:xfrm>
           <a:prstGeom prst="rect">
             <a:avLst/>
@@ -5742,10 +6267,10 @@
       </p:pic>
       <p:pic>
         <p:nvPicPr>
-          <p:cNvPr id="7172" name="Picture 4">
-            <a:extLst>
-              <a:ext uri="{FF2B5EF4-FFF2-40B4-BE49-F238E27FC236}">
-                <a16:creationId xmlns:a16="http://schemas.microsoft.com/office/drawing/2014/main" id="{AED09121-5273-995B-993B-889CDF206356}"/>
+          <p:cNvPr id="6" name="Picture 2">
+            <a:extLst>
+              <a:ext uri="{FF2B5EF4-FFF2-40B4-BE49-F238E27FC236}">
+                <a16:creationId xmlns:a16="http://schemas.microsoft.com/office/drawing/2014/main" id="{85BCE71E-B27E-43C1-4FEE-C4010AAC7B8B}"/>
               </a:ext>
             </a:extLst>
           </p:cNvPr>
@@ -5769,8 +6294,55 @@
         </p:blipFill>
         <p:spPr bwMode="auto">
           <a:xfrm>
-            <a:off x="6277550" y="2245289"/>
-            <a:ext cx="5591175" cy="4333875"/>
+            <a:off x="4115763" y="2640331"/>
+            <a:ext cx="3983125" cy="3087431"/>
+          </a:xfrm>
+          <a:prstGeom prst="rect">
+            <a:avLst/>
+          </a:prstGeom>
+          <a:noFill/>
+          <a:extLst>
+            <a:ext uri="{909E8E84-426E-40DD-AFC4-6F175D3DCCD1}">
+              <a14:hiddenFill xmlns:a14="http://schemas.microsoft.com/office/drawing/2010/main">
+                <a:solidFill>
+                  <a:srgbClr val="FFFFFF"/>
+                </a:solidFill>
+              </a14:hiddenFill>
+            </a:ext>
+          </a:extLst>
+        </p:spPr>
+      </p:pic>
+      <p:pic>
+        <p:nvPicPr>
+          <p:cNvPr id="7" name="Picture 2">
+            <a:extLst>
+              <a:ext uri="{FF2B5EF4-FFF2-40B4-BE49-F238E27FC236}">
+                <a16:creationId xmlns:a16="http://schemas.microsoft.com/office/drawing/2014/main" id="{EB0C4735-0B58-BA38-58AB-8FDC435630A5}"/>
+              </a:ext>
+            </a:extLst>
+          </p:cNvPr>
+          <p:cNvPicPr>
+            <a:picLocks noChangeAspect="1" noChangeArrowheads="1"/>
+          </p:cNvPicPr>
+          <p:nvPr/>
+        </p:nvPicPr>
+        <p:blipFill>
+          <a:blip r:embed="rId4">
+            <a:extLst>
+              <a:ext uri="{28A0092B-C50C-407E-A947-70E740481C1C}">
+                <a14:useLocalDpi xmlns:a14="http://schemas.microsoft.com/office/drawing/2010/main" val="0"/>
+              </a:ext>
+            </a:extLst>
+          </a:blip>
+          <a:srcRect/>
+          <a:stretch>
+            <a:fillRect/>
+          </a:stretch>
+        </p:blipFill>
+        <p:spPr bwMode="auto">
+          <a:xfrm>
+            <a:off x="8109490" y="2640331"/>
+            <a:ext cx="3983125" cy="3087431"/>
           </a:xfrm>
           <a:prstGeom prst="rect">
             <a:avLst/>
@@ -5789,10 +6361,10 @@
       </p:pic>
       <p:sp>
         <p:nvSpPr>
-          <p:cNvPr id="4" name="テキスト ボックス 3">
-            <a:extLst>
-              <a:ext uri="{FF2B5EF4-FFF2-40B4-BE49-F238E27FC236}">
-                <a16:creationId xmlns:a16="http://schemas.microsoft.com/office/drawing/2014/main" id="{DF1A26EE-2948-2D82-116A-6B36D6839495}"/>
+          <p:cNvPr id="8" name="テキスト ボックス 7">
+            <a:extLst>
+              <a:ext uri="{FF2B5EF4-FFF2-40B4-BE49-F238E27FC236}">
+                <a16:creationId xmlns:a16="http://schemas.microsoft.com/office/drawing/2014/main" id="{7C248A79-C66C-BA8C-F8A2-9E9F717904A0}"/>
               </a:ext>
             </a:extLst>
           </p:cNvPr>
@@ -5801,7 +6373,43 @@
         </p:nvSpPr>
         <p:spPr>
           <a:xfrm>
-            <a:off x="1553495" y="1872103"/>
+            <a:off x="358286" y="2270999"/>
+            <a:ext cx="3293037" cy="369332"/>
+          </a:xfrm>
+          <a:prstGeom prst="rect">
+            <a:avLst/>
+          </a:prstGeom>
+          <a:noFill/>
+        </p:spPr>
+        <p:txBody>
+          <a:bodyPr wrap="square" rtlCol="0">
+            <a:spAutoFit/>
+          </a:bodyPr>
+          <a:lstStyle/>
+          <a:p>
+            <a:pPr algn="ctr"/>
+            <a:r>
+              <a:rPr kumimoji="1" lang="ja-JP" altLang="en-US" dirty="0"/>
+              <a:t>リターンの自己相関</a:t>
+            </a:r>
+          </a:p>
+        </p:txBody>
+      </p:sp>
+      <p:sp>
+        <p:nvSpPr>
+          <p:cNvPr id="9" name="テキスト ボックス 8">
+            <a:extLst>
+              <a:ext uri="{FF2B5EF4-FFF2-40B4-BE49-F238E27FC236}">
+                <a16:creationId xmlns:a16="http://schemas.microsoft.com/office/drawing/2014/main" id="{29DBBEDA-F8EA-EB11-79FD-7EF8D7BC696A}"/>
+              </a:ext>
+            </a:extLst>
+          </p:cNvPr>
+          <p:cNvSpPr txBox="1"/>
+          <p:nvPr/>
+        </p:nvSpPr>
+        <p:spPr>
+          <a:xfrm>
+            <a:off x="4368305" y="2267025"/>
             <a:ext cx="3588775" cy="369332"/>
           </a:xfrm>
           <a:prstGeom prst="rect">
@@ -5818,17 +6426,17 @@
             <a:pPr algn="ctr"/>
             <a:r>
               <a:rPr kumimoji="1" lang="ja-JP" altLang="en-US" dirty="0"/>
-              <a:t>正規乱数で発生させたリターン</a:t>
+              <a:t>リターンの絶対値の自己相関</a:t>
             </a:r>
           </a:p>
         </p:txBody>
       </p:sp>
       <p:sp>
         <p:nvSpPr>
-          <p:cNvPr id="5" name="テキスト ボックス 4">
-            <a:extLst>
-              <a:ext uri="{FF2B5EF4-FFF2-40B4-BE49-F238E27FC236}">
-                <a16:creationId xmlns:a16="http://schemas.microsoft.com/office/drawing/2014/main" id="{C93B3780-C219-784C-E553-6560E7A80E18}"/>
+          <p:cNvPr id="10" name="テキスト ボックス 9">
+            <a:extLst>
+              <a:ext uri="{FF2B5EF4-FFF2-40B4-BE49-F238E27FC236}">
+                <a16:creationId xmlns:a16="http://schemas.microsoft.com/office/drawing/2014/main" id="{8115F4D0-8445-8E72-BEDD-80462B05A057}"/>
               </a:ext>
             </a:extLst>
           </p:cNvPr>
@@ -5837,8 +6445,8 @@
         </p:nvSpPr>
         <p:spPr>
           <a:xfrm>
-            <a:off x="8016500" y="1872103"/>
-            <a:ext cx="2445022" cy="369332"/>
+            <a:off x="8351430" y="2267025"/>
+            <a:ext cx="3588775" cy="369332"/>
           </a:xfrm>
           <a:prstGeom prst="rect">
             <a:avLst/>
@@ -5853,12 +6461,8 @@
           <a:p>
             <a:pPr algn="ctr"/>
             <a:r>
-              <a:rPr lang="ja-JP" altLang="en-US" dirty="0"/>
-              <a:t>実際の</a:t>
-            </a:r>
-            <a:r>
               <a:rPr kumimoji="1" lang="ja-JP" altLang="en-US" dirty="0"/>
-              <a:t>リターン</a:t>
+              <a:t>リターンの２乗の自己相関</a:t>
             </a:r>
           </a:p>
         </p:txBody>
@@ -5866,7 +6470,7 @@
     </p:spTree>
     <p:extLst>
       <p:ext uri="{BB962C8B-B14F-4D97-AF65-F5344CB8AC3E}">
-        <p14:creationId xmlns:p14="http://schemas.microsoft.com/office/powerpoint/2010/main" val="3957592569"/>
+        <p14:creationId xmlns:p14="http://schemas.microsoft.com/office/powerpoint/2010/main" val="3701654242"/>
       </p:ext>
     </p:extLst>
   </p:cSld>
@@ -5898,441 +6502,6 @@
           <p:cNvPr id="2" name="タイトル 1">
             <a:extLst>
               <a:ext uri="{FF2B5EF4-FFF2-40B4-BE49-F238E27FC236}">
-                <a16:creationId xmlns:a16="http://schemas.microsoft.com/office/drawing/2014/main" id="{7417D7A5-586C-07D1-74B0-805063E43836}"/>
-              </a:ext>
-            </a:extLst>
-          </p:cNvPr>
-          <p:cNvSpPr>
-            <a:spLocks noGrp="1"/>
-          </p:cNvSpPr>
-          <p:nvPr>
-            <p:ph type="title"/>
-          </p:nvPr>
-        </p:nvSpPr>
-        <p:spPr>
-          <a:xfrm>
-            <a:off x="108155" y="129309"/>
-            <a:ext cx="10515600" cy="886691"/>
-          </a:xfrm>
-        </p:spPr>
-        <p:txBody>
-          <a:bodyPr/>
-          <a:lstStyle/>
-          <a:p>
-            <a:r>
-              <a:rPr lang="ja-JP" altLang="en-US" dirty="0"/>
-              <a:t>安定</a:t>
-            </a:r>
-            <a:r>
-              <a:rPr kumimoji="1" lang="ja-JP" altLang="en-US" dirty="0"/>
-              <a:t>分布</a:t>
-            </a:r>
-          </a:p>
-        </p:txBody>
-      </p:sp>
-      <p:graphicFrame>
-        <p:nvGraphicFramePr>
-          <p:cNvPr id="4" name="コンテンツ プレースホルダー 3">
-            <a:extLst>
-              <a:ext uri="{FF2B5EF4-FFF2-40B4-BE49-F238E27FC236}">
-                <a16:creationId xmlns:a16="http://schemas.microsoft.com/office/drawing/2014/main" id="{52571103-7714-4AFF-7618-942EFE6D2116}"/>
-              </a:ext>
-            </a:extLst>
-          </p:cNvPr>
-          <p:cNvGraphicFramePr>
-            <a:graphicFrameLocks noGrp="1"/>
-          </p:cNvGraphicFramePr>
-          <p:nvPr>
-            <p:ph idx="1"/>
-            <p:extLst>
-              <p:ext uri="{D42A27DB-BD31-4B8C-83A1-F6EECF244321}">
-                <p14:modId xmlns:p14="http://schemas.microsoft.com/office/powerpoint/2010/main" val="2489451090"/>
-              </p:ext>
-            </p:extLst>
-          </p:nvPr>
-        </p:nvGraphicFramePr>
-        <p:xfrm>
-          <a:off x="838200" y="2230120"/>
-          <a:ext cx="10468351" cy="1854200"/>
-        </p:xfrm>
-        <a:graphic>
-          <a:graphicData uri="http://schemas.openxmlformats.org/drawingml/2006/table">
-            <a:tbl>
-              <a:tblPr firstRow="1" bandRow="1">
-                <a:tableStyleId>{5C22544A-7EE6-4342-B048-85BDC9FD1C3A}</a:tableStyleId>
-              </a:tblPr>
-              <a:tblGrid>
-                <a:gridCol w="1390968">
-                  <a:extLst>
-                    <a:ext uri="{9D8B030D-6E8A-4147-A177-3AD203B41FA5}">
-                      <a16:colId xmlns:a16="http://schemas.microsoft.com/office/drawing/2014/main" val="1973084016"/>
-                    </a:ext>
-                  </a:extLst>
-                </a:gridCol>
-                <a:gridCol w="7064693">
-                  <a:extLst>
-                    <a:ext uri="{9D8B030D-6E8A-4147-A177-3AD203B41FA5}">
-                      <a16:colId xmlns:a16="http://schemas.microsoft.com/office/drawing/2014/main" val="3310996438"/>
-                    </a:ext>
-                  </a:extLst>
-                </a:gridCol>
-                <a:gridCol w="2012690">
-                  <a:extLst>
-                    <a:ext uri="{9D8B030D-6E8A-4147-A177-3AD203B41FA5}">
-                      <a16:colId xmlns:a16="http://schemas.microsoft.com/office/drawing/2014/main" val="2781371058"/>
-                    </a:ext>
-                  </a:extLst>
-                </a:gridCol>
-              </a:tblGrid>
-              <a:tr h="370840">
-                <a:tc>
-                  <a:txBody>
-                    <a:bodyPr/>
-                    <a:lstStyle/>
-                    <a:p>
-                      <a:r>
-                        <a:rPr kumimoji="1" lang="ja-JP" altLang="en-US" sz="1400" dirty="0"/>
-                        <a:t>パラメータ</a:t>
-                      </a:r>
-                    </a:p>
-                  </a:txBody>
-                  <a:tcPr/>
-                </a:tc>
-                <a:tc>
-                  <a:txBody>
-                    <a:bodyPr/>
-                    <a:lstStyle/>
-                    <a:p>
-                      <a:r>
-                        <a:rPr kumimoji="1" lang="ja-JP" altLang="en-US" sz="1400" dirty="0"/>
-                        <a:t>概要</a:t>
-                      </a:r>
-                    </a:p>
-                  </a:txBody>
-                  <a:tcPr/>
-                </a:tc>
-                <a:tc>
-                  <a:txBody>
-                    <a:bodyPr/>
-                    <a:lstStyle/>
-                    <a:p>
-                      <a:r>
-                        <a:rPr kumimoji="1" lang="ja-JP" altLang="en-US" sz="1400" dirty="0"/>
-                        <a:t>正規分布の場合</a:t>
-                      </a:r>
-                    </a:p>
-                  </a:txBody>
-                  <a:tcPr/>
-                </a:tc>
-                <a:extLst>
-                  <a:ext uri="{0D108BD9-81ED-4DB2-BD59-A6C34878D82A}">
-                    <a16:rowId xmlns:a16="http://schemas.microsoft.com/office/drawing/2014/main" val="1634034848"/>
-                  </a:ext>
-                </a:extLst>
-              </a:tr>
-              <a:tr h="370840">
-                <a:tc>
-                  <a:txBody>
-                    <a:bodyPr/>
-                    <a:lstStyle/>
-                    <a:p>
-                      <a:pPr algn="ctr"/>
-                      <a:r>
-                        <a:rPr kumimoji="1" lang="en-US" altLang="ja-JP" dirty="0"/>
-                        <a:t>α</a:t>
-                      </a:r>
-                      <a:endParaRPr kumimoji="1" lang="ja-JP" altLang="en-US" dirty="0"/>
-                    </a:p>
-                  </a:txBody>
-                  <a:tcPr/>
-                </a:tc>
-                <a:tc>
-                  <a:txBody>
-                    <a:bodyPr/>
-                    <a:lstStyle/>
-                    <a:p>
-                      <a:r>
-                        <a:rPr kumimoji="1" lang="ja-JP" altLang="en-US" sz="1400" dirty="0"/>
-                        <a:t>安定性指数。分布の形状を決定するパラメータ。</a:t>
-                      </a:r>
-                      <a:r>
-                        <a:rPr kumimoji="1" lang="en-US" altLang="ja-JP" sz="1400" dirty="0"/>
-                        <a:t>0 &lt; α ≤ 2 </a:t>
-                      </a:r>
-                      <a:r>
-                        <a:rPr kumimoji="1" lang="ja-JP" altLang="en-US" sz="1400" dirty="0"/>
-                        <a:t>の範囲を取る。</a:t>
-                      </a:r>
-                    </a:p>
-                  </a:txBody>
-                  <a:tcPr/>
-                </a:tc>
-                <a:tc>
-                  <a:txBody>
-                    <a:bodyPr/>
-                    <a:lstStyle/>
-                    <a:p>
-                      <a:r>
-                        <a:rPr kumimoji="1" lang="en-US" altLang="ja-JP" sz="1600" dirty="0"/>
-                        <a:t>2</a:t>
-                      </a:r>
-                      <a:endParaRPr kumimoji="1" lang="ja-JP" altLang="en-US" sz="1600" dirty="0"/>
-                    </a:p>
-                  </a:txBody>
-                  <a:tcPr/>
-                </a:tc>
-                <a:extLst>
-                  <a:ext uri="{0D108BD9-81ED-4DB2-BD59-A6C34878D82A}">
-                    <a16:rowId xmlns:a16="http://schemas.microsoft.com/office/drawing/2014/main" val="1090838928"/>
-                  </a:ext>
-                </a:extLst>
-              </a:tr>
-              <a:tr h="370840">
-                <a:tc>
-                  <a:txBody>
-                    <a:bodyPr/>
-                    <a:lstStyle/>
-                    <a:p>
-                      <a:pPr algn="ctr"/>
-                      <a:r>
-                        <a:rPr kumimoji="1" lang="en-US" altLang="ja-JP" dirty="0"/>
-                        <a:t>β</a:t>
-                      </a:r>
-                      <a:endParaRPr kumimoji="1" lang="ja-JP" altLang="en-US" dirty="0"/>
-                    </a:p>
-                  </a:txBody>
-                  <a:tcPr/>
-                </a:tc>
-                <a:tc>
-                  <a:txBody>
-                    <a:bodyPr/>
-                    <a:lstStyle/>
-                    <a:p>
-                      <a:r>
-                        <a:rPr kumimoji="1" lang="ja-JP" altLang="en-US" sz="1400" dirty="0"/>
-                        <a:t>歪度パラメータ。分布の対称性を決定するパラメータで、</a:t>
-                      </a:r>
-                      <a:r>
-                        <a:rPr kumimoji="1" lang="en-US" altLang="ja-JP" sz="1400" dirty="0"/>
-                        <a:t>-1 ≤ β ≤ 1 </a:t>
-                      </a:r>
-                      <a:r>
-                        <a:rPr kumimoji="1" lang="ja-JP" altLang="en-US" sz="1400" dirty="0"/>
-                        <a:t>の範囲を取る。</a:t>
-                      </a:r>
-                    </a:p>
-                  </a:txBody>
-                  <a:tcPr/>
-                </a:tc>
-                <a:tc>
-                  <a:txBody>
-                    <a:bodyPr/>
-                    <a:lstStyle/>
-                    <a:p>
-                      <a:r>
-                        <a:rPr kumimoji="1" lang="ja-JP" altLang="en-US" sz="1600" dirty="0"/>
-                        <a:t>関係ない</a:t>
-                      </a:r>
-                    </a:p>
-                  </a:txBody>
-                  <a:tcPr/>
-                </a:tc>
-                <a:extLst>
-                  <a:ext uri="{0D108BD9-81ED-4DB2-BD59-A6C34878D82A}">
-                    <a16:rowId xmlns:a16="http://schemas.microsoft.com/office/drawing/2014/main" val="1559008052"/>
-                  </a:ext>
-                </a:extLst>
-              </a:tr>
-              <a:tr h="370840">
-                <a:tc>
-                  <a:txBody>
-                    <a:bodyPr/>
-                    <a:lstStyle/>
-                    <a:p>
-                      <a:pPr algn="ctr"/>
-                      <a:r>
-                        <a:rPr kumimoji="1" lang="en-US" altLang="ja-JP" dirty="0"/>
-                        <a:t>γ</a:t>
-                      </a:r>
-                      <a:endParaRPr kumimoji="1" lang="ja-JP" altLang="en-US" dirty="0"/>
-                    </a:p>
-                  </a:txBody>
-                  <a:tcPr/>
-                </a:tc>
-                <a:tc>
-                  <a:txBody>
-                    <a:bodyPr/>
-                    <a:lstStyle/>
-                    <a:p>
-                      <a:r>
-                        <a:rPr kumimoji="1" lang="ja-JP" altLang="en-US" sz="1400" dirty="0"/>
-                        <a:t>スケールパラメータ。分布の広がりを決定するパラメータ。</a:t>
-                      </a:r>
-                      <a:r>
-                        <a:rPr kumimoji="1" lang="en-US" altLang="ja-JP" sz="1400" dirty="0"/>
-                        <a:t>γ &gt; 0 </a:t>
-                      </a:r>
-                      <a:endParaRPr kumimoji="1" lang="ja-JP" altLang="en-US" sz="1400" dirty="0"/>
-                    </a:p>
-                  </a:txBody>
-                  <a:tcPr/>
-                </a:tc>
-                <a:tc>
-                  <a:txBody>
-                    <a:bodyPr/>
-                    <a:lstStyle/>
-                    <a:p>
-                      <a:r>
-                        <a:rPr kumimoji="1" lang="ja-JP" altLang="en-US" sz="1600" dirty="0"/>
-                        <a:t>標準偏差</a:t>
-                      </a:r>
-                    </a:p>
-                  </a:txBody>
-                  <a:tcPr/>
-                </a:tc>
-                <a:extLst>
-                  <a:ext uri="{0D108BD9-81ED-4DB2-BD59-A6C34878D82A}">
-                    <a16:rowId xmlns:a16="http://schemas.microsoft.com/office/drawing/2014/main" val="2811657290"/>
-                  </a:ext>
-                </a:extLst>
-              </a:tr>
-              <a:tr h="370840">
-                <a:tc>
-                  <a:txBody>
-                    <a:bodyPr/>
-                    <a:lstStyle/>
-                    <a:p>
-                      <a:pPr algn="ctr"/>
-                      <a:r>
-                        <a:rPr kumimoji="1" lang="en-US" altLang="ja-JP" dirty="0"/>
-                        <a:t>δ</a:t>
-                      </a:r>
-                      <a:endParaRPr kumimoji="1" lang="ja-JP" altLang="en-US" dirty="0"/>
-                    </a:p>
-                  </a:txBody>
-                  <a:tcPr/>
-                </a:tc>
-                <a:tc>
-                  <a:txBody>
-                    <a:bodyPr/>
-                    <a:lstStyle/>
-                    <a:p>
-                      <a:r>
-                        <a:rPr kumimoji="1" lang="ja-JP" altLang="en-US" sz="1400" dirty="0"/>
-                        <a:t>位置パラメータ。分布の中心を決定するパラメータ。</a:t>
-                      </a:r>
-                    </a:p>
-                  </a:txBody>
-                  <a:tcPr/>
-                </a:tc>
-                <a:tc>
-                  <a:txBody>
-                    <a:bodyPr/>
-                    <a:lstStyle/>
-                    <a:p>
-                      <a:r>
-                        <a:rPr kumimoji="1" lang="ja-JP" altLang="en-US" sz="1600" dirty="0"/>
-                        <a:t>平均値</a:t>
-                      </a:r>
-                    </a:p>
-                  </a:txBody>
-                  <a:tcPr/>
-                </a:tc>
-                <a:extLst>
-                  <a:ext uri="{0D108BD9-81ED-4DB2-BD59-A6C34878D82A}">
-                    <a16:rowId xmlns:a16="http://schemas.microsoft.com/office/drawing/2014/main" val="1223409595"/>
-                  </a:ext>
-                </a:extLst>
-              </a:tr>
-            </a:tbl>
-          </a:graphicData>
-        </a:graphic>
-      </p:graphicFrame>
-      <p:sp>
-        <p:nvSpPr>
-          <p:cNvPr id="5" name="テキスト ボックス 4">
-            <a:extLst>
-              <a:ext uri="{FF2B5EF4-FFF2-40B4-BE49-F238E27FC236}">
-                <a16:creationId xmlns:a16="http://schemas.microsoft.com/office/drawing/2014/main" id="{914B3288-88E5-3B35-B5FC-C4EB7891BFE5}"/>
-              </a:ext>
-            </a:extLst>
-          </p:cNvPr>
-          <p:cNvSpPr txBox="1"/>
-          <p:nvPr/>
-        </p:nvSpPr>
-        <p:spPr>
-          <a:xfrm>
-            <a:off x="757382" y="1016000"/>
-            <a:ext cx="10123054" cy="646331"/>
-          </a:xfrm>
-          <a:prstGeom prst="rect">
-            <a:avLst/>
-          </a:prstGeom>
-          <a:noFill/>
-        </p:spPr>
-        <p:txBody>
-          <a:bodyPr wrap="square" rtlCol="0">
-            <a:spAutoFit/>
-          </a:bodyPr>
-          <a:lstStyle/>
-          <a:p>
-            <a:pPr marL="285750" indent="-285750">
-              <a:buFont typeface="Arial" panose="020B0604020202020204" pitchFamily="34" charset="0"/>
-              <a:buChar char="•"/>
-            </a:pPr>
-            <a:r>
-              <a:rPr kumimoji="1" lang="ja-JP" altLang="en-US" dirty="0"/>
-              <a:t>非対称性やファットテール性を表現できる分布</a:t>
-            </a:r>
-            <a:endParaRPr kumimoji="1" lang="en-US" altLang="ja-JP" dirty="0"/>
-          </a:p>
-          <a:p>
-            <a:pPr marL="285750" indent="-285750">
-              <a:buFont typeface="Arial" panose="020B0604020202020204" pitchFamily="34" charset="0"/>
-              <a:buChar char="•"/>
-            </a:pPr>
-            <a:r>
-              <a:rPr kumimoji="1" lang="ja-JP" altLang="en-US" dirty="0"/>
-              <a:t>正規分布</a:t>
-            </a:r>
-          </a:p>
-        </p:txBody>
-      </p:sp>
-    </p:spTree>
-    <p:extLst>
-      <p:ext uri="{BB962C8B-B14F-4D97-AF65-F5344CB8AC3E}">
-        <p14:creationId xmlns:p14="http://schemas.microsoft.com/office/powerpoint/2010/main" val="1533125040"/>
-      </p:ext>
-    </p:extLst>
-  </p:cSld>
-  <p:clrMapOvr>
-    <a:masterClrMapping/>
-  </p:clrMapOvr>
-</p:sld>
-</file>
-
-<file path=ppt/slides/slide12.xml><?xml version="1.0" encoding="utf-8"?>
-<p:sld xmlns:a="http://schemas.openxmlformats.org/drawingml/2006/main" xmlns:r="http://schemas.openxmlformats.org/officeDocument/2006/relationships" xmlns:p="http://schemas.openxmlformats.org/presentationml/2006/main">
-  <p:cSld>
-    <p:spTree>
-      <p:nvGrpSpPr>
-        <p:cNvPr id="1" name=""/>
-        <p:cNvGrpSpPr/>
-        <p:nvPr/>
-      </p:nvGrpSpPr>
-      <p:grpSpPr>
-        <a:xfrm>
-          <a:off x="0" y="0"/>
-          <a:ext cx="0" cy="0"/>
-          <a:chOff x="0" y="0"/>
-          <a:chExt cx="0" cy="0"/>
-        </a:xfrm>
-      </p:grpSpPr>
-      <p:sp>
-        <p:nvSpPr>
-          <p:cNvPr id="2" name="タイトル 1">
-            <a:extLst>
-              <a:ext uri="{FF2B5EF4-FFF2-40B4-BE49-F238E27FC236}">
                 <a16:creationId xmlns:a16="http://schemas.microsoft.com/office/drawing/2014/main" id="{B6C6D4A8-B53B-41BB-AD5B-1F765D20746B}"/>
               </a:ext>
             </a:extLst>
@@ -6382,7 +6551,7 @@
         </p:blipFill>
         <p:spPr>
           <a:xfrm>
-            <a:off x="629265" y="1829983"/>
+            <a:off x="629263" y="2110838"/>
             <a:ext cx="10461523" cy="3454885"/>
           </a:xfrm>
           <a:prstGeom prst="rect">
@@ -6592,10 +6761,498 @@
           </a:p>
         </p:txBody>
       </p:sp>
+      <p:sp>
+        <p:nvSpPr>
+          <p:cNvPr id="3" name="テキスト ボックス 2">
+            <a:extLst>
+              <a:ext uri="{FF2B5EF4-FFF2-40B4-BE49-F238E27FC236}">
+                <a16:creationId xmlns:a16="http://schemas.microsoft.com/office/drawing/2014/main" id="{39402E0F-240D-4A5A-C25D-6F95367F08ED}"/>
+              </a:ext>
+            </a:extLst>
+          </p:cNvPr>
+          <p:cNvSpPr txBox="1"/>
+          <p:nvPr/>
+        </p:nvSpPr>
+        <p:spPr>
+          <a:xfrm>
+            <a:off x="501444" y="1172531"/>
+            <a:ext cx="10331246" cy="707886"/>
+          </a:xfrm>
+          <a:prstGeom prst="rect">
+            <a:avLst/>
+          </a:prstGeom>
+          <a:noFill/>
+        </p:spPr>
+        <p:txBody>
+          <a:bodyPr wrap="square" rtlCol="0">
+            <a:spAutoFit/>
+          </a:bodyPr>
+          <a:lstStyle/>
+          <a:p>
+            <a:r>
+              <a:rPr kumimoji="1" lang="ja-JP" altLang="en-US" sz="2000" dirty="0"/>
+              <a:t>図：実際のリターンからある長さ</a:t>
+            </a:r>
+            <a:r>
+              <a:rPr kumimoji="1" lang="en-US" altLang="ja-JP" sz="2000" dirty="0"/>
+              <a:t>1,000</a:t>
+            </a:r>
+            <a:r>
+              <a:rPr kumimoji="1" lang="ja-JP" altLang="en-US" sz="2000" dirty="0"/>
+              <a:t>のリターンを抜き出したものと、安定分布で発生させたリターン（どちらもスタートを</a:t>
+            </a:r>
+            <a:r>
+              <a:rPr kumimoji="1" lang="en-US" altLang="ja-JP" sz="2000" dirty="0"/>
+              <a:t>100</a:t>
+            </a:r>
+            <a:r>
+              <a:rPr kumimoji="1" lang="ja-JP" altLang="en-US" sz="2000" dirty="0"/>
+              <a:t>として累積リターンに変換）</a:t>
+            </a:r>
+          </a:p>
+        </p:txBody>
+      </p:sp>
     </p:spTree>
     <p:extLst>
       <p:ext uri="{BB962C8B-B14F-4D97-AF65-F5344CB8AC3E}">
         <p14:creationId xmlns:p14="http://schemas.microsoft.com/office/powerpoint/2010/main" val="3070633986"/>
+      </p:ext>
+    </p:extLst>
+  </p:cSld>
+  <p:clrMapOvr>
+    <a:masterClrMapping/>
+  </p:clrMapOvr>
+</p:sld>
+</file>
+
+<file path=ppt/slides/slide12.xml><?xml version="1.0" encoding="utf-8"?>
+<p:sld xmlns:a="http://schemas.openxmlformats.org/drawingml/2006/main" xmlns:r="http://schemas.openxmlformats.org/officeDocument/2006/relationships" xmlns:p="http://schemas.openxmlformats.org/presentationml/2006/main">
+  <p:cSld>
+    <p:spTree>
+      <p:nvGrpSpPr>
+        <p:cNvPr id="1" name=""/>
+        <p:cNvGrpSpPr/>
+        <p:nvPr/>
+      </p:nvGrpSpPr>
+      <p:grpSpPr>
+        <a:xfrm>
+          <a:off x="0" y="0"/>
+          <a:ext cx="0" cy="0"/>
+          <a:chOff x="0" y="0"/>
+          <a:chExt cx="0" cy="0"/>
+        </a:xfrm>
+      </p:grpSpPr>
+      <p:sp>
+        <p:nvSpPr>
+          <p:cNvPr id="2" name="タイトル 1">
+            <a:extLst>
+              <a:ext uri="{FF2B5EF4-FFF2-40B4-BE49-F238E27FC236}">
+                <a16:creationId xmlns:a16="http://schemas.microsoft.com/office/drawing/2014/main" id="{7417D7A5-586C-07D1-74B0-805063E43836}"/>
+              </a:ext>
+            </a:extLst>
+          </p:cNvPr>
+          <p:cNvSpPr>
+            <a:spLocks noGrp="1"/>
+          </p:cNvSpPr>
+          <p:nvPr>
+            <p:ph type="title"/>
+          </p:nvPr>
+        </p:nvSpPr>
+        <p:spPr>
+          <a:xfrm>
+            <a:off x="108155" y="129309"/>
+            <a:ext cx="10515600" cy="886691"/>
+          </a:xfrm>
+        </p:spPr>
+        <p:txBody>
+          <a:bodyPr/>
+          <a:lstStyle/>
+          <a:p>
+            <a:r>
+              <a:rPr lang="en-US" altLang="ja-JP" dirty="0"/>
+              <a:t>(</a:t>
+            </a:r>
+            <a:r>
+              <a:rPr lang="ja-JP" altLang="en-US" dirty="0"/>
+              <a:t>参考</a:t>
+            </a:r>
+            <a:r>
+              <a:rPr lang="en-US" altLang="ja-JP" dirty="0"/>
+              <a:t>)</a:t>
+            </a:r>
+            <a:r>
+              <a:rPr lang="ja-JP" altLang="en-US" dirty="0"/>
+              <a:t>安定</a:t>
+            </a:r>
+            <a:r>
+              <a:rPr kumimoji="1" lang="ja-JP" altLang="en-US" dirty="0"/>
+              <a:t>分布</a:t>
+            </a:r>
+          </a:p>
+        </p:txBody>
+      </p:sp>
+      <p:graphicFrame>
+        <p:nvGraphicFramePr>
+          <p:cNvPr id="4" name="コンテンツ プレースホルダー 3">
+            <a:extLst>
+              <a:ext uri="{FF2B5EF4-FFF2-40B4-BE49-F238E27FC236}">
+                <a16:creationId xmlns:a16="http://schemas.microsoft.com/office/drawing/2014/main" id="{52571103-7714-4AFF-7618-942EFE6D2116}"/>
+              </a:ext>
+            </a:extLst>
+          </p:cNvPr>
+          <p:cNvGraphicFramePr>
+            <a:graphicFrameLocks noGrp="1"/>
+          </p:cNvGraphicFramePr>
+          <p:nvPr>
+            <p:ph idx="1"/>
+            <p:extLst>
+              <p:ext uri="{D42A27DB-BD31-4B8C-83A1-F6EECF244321}">
+                <p14:modId xmlns:p14="http://schemas.microsoft.com/office/powerpoint/2010/main" val="1063487185"/>
+              </p:ext>
+            </p:extLst>
+          </p:nvPr>
+        </p:nvGraphicFramePr>
+        <p:xfrm>
+          <a:off x="498291" y="2383913"/>
+          <a:ext cx="11195417" cy="1854200"/>
+        </p:xfrm>
+        <a:graphic>
+          <a:graphicData uri="http://schemas.openxmlformats.org/drawingml/2006/table">
+            <a:tbl>
+              <a:tblPr firstRow="1" bandRow="1">
+                <a:tableStyleId>{5C22544A-7EE6-4342-B048-85BDC9FD1C3A}</a:tableStyleId>
+              </a:tblPr>
+              <a:tblGrid>
+                <a:gridCol w="1390968">
+                  <a:extLst>
+                    <a:ext uri="{9D8B030D-6E8A-4147-A177-3AD203B41FA5}">
+                      <a16:colId xmlns:a16="http://schemas.microsoft.com/office/drawing/2014/main" val="1973084016"/>
+                    </a:ext>
+                  </a:extLst>
+                </a:gridCol>
+                <a:gridCol w="8053705">
+                  <a:extLst>
+                    <a:ext uri="{9D8B030D-6E8A-4147-A177-3AD203B41FA5}">
+                      <a16:colId xmlns:a16="http://schemas.microsoft.com/office/drawing/2014/main" val="3310996438"/>
+                    </a:ext>
+                  </a:extLst>
+                </a:gridCol>
+                <a:gridCol w="1750744">
+                  <a:extLst>
+                    <a:ext uri="{9D8B030D-6E8A-4147-A177-3AD203B41FA5}">
+                      <a16:colId xmlns:a16="http://schemas.microsoft.com/office/drawing/2014/main" val="2781371058"/>
+                    </a:ext>
+                  </a:extLst>
+                </a:gridCol>
+              </a:tblGrid>
+              <a:tr h="370840">
+                <a:tc>
+                  <a:txBody>
+                    <a:bodyPr/>
+                    <a:lstStyle/>
+                    <a:p>
+                      <a:r>
+                        <a:rPr kumimoji="1" lang="ja-JP" altLang="en-US" sz="1600" dirty="0"/>
+                        <a:t>パラメータ</a:t>
+                      </a:r>
+                    </a:p>
+                  </a:txBody>
+                  <a:tcPr/>
+                </a:tc>
+                <a:tc>
+                  <a:txBody>
+                    <a:bodyPr/>
+                    <a:lstStyle/>
+                    <a:p>
+                      <a:r>
+                        <a:rPr kumimoji="1" lang="ja-JP" altLang="en-US" sz="1600" dirty="0"/>
+                        <a:t>概要</a:t>
+                      </a:r>
+                    </a:p>
+                  </a:txBody>
+                  <a:tcPr/>
+                </a:tc>
+                <a:tc>
+                  <a:txBody>
+                    <a:bodyPr/>
+                    <a:lstStyle/>
+                    <a:p>
+                      <a:r>
+                        <a:rPr kumimoji="1" lang="ja-JP" altLang="en-US" sz="1600" dirty="0"/>
+                        <a:t>正規分布の場合</a:t>
+                      </a:r>
+                    </a:p>
+                  </a:txBody>
+                  <a:tcPr/>
+                </a:tc>
+                <a:extLst>
+                  <a:ext uri="{0D108BD9-81ED-4DB2-BD59-A6C34878D82A}">
+                    <a16:rowId xmlns:a16="http://schemas.microsoft.com/office/drawing/2014/main" val="1634034848"/>
+                  </a:ext>
+                </a:extLst>
+              </a:tr>
+              <a:tr h="370840">
+                <a:tc>
+                  <a:txBody>
+                    <a:bodyPr/>
+                    <a:lstStyle/>
+                    <a:p>
+                      <a:pPr algn="ctr"/>
+                      <a:r>
+                        <a:rPr kumimoji="1" lang="en-US" altLang="ja-JP" sz="1600" dirty="0"/>
+                        <a:t>α</a:t>
+                      </a:r>
+                      <a:endParaRPr kumimoji="1" lang="ja-JP" altLang="en-US" sz="1600" dirty="0"/>
+                    </a:p>
+                  </a:txBody>
+                  <a:tcPr/>
+                </a:tc>
+                <a:tc>
+                  <a:txBody>
+                    <a:bodyPr/>
+                    <a:lstStyle/>
+                    <a:p>
+                      <a:r>
+                        <a:rPr kumimoji="1" lang="ja-JP" altLang="en-US" sz="1600" dirty="0"/>
+                        <a:t>安定性指数。分布の形状を決定するパラメータ。</a:t>
+                      </a:r>
+                      <a:r>
+                        <a:rPr kumimoji="1" lang="en-US" altLang="ja-JP" sz="1600" dirty="0"/>
+                        <a:t>0 &lt; α ≤ 2 </a:t>
+                      </a:r>
+                      <a:r>
+                        <a:rPr kumimoji="1" lang="ja-JP" altLang="en-US" sz="1600" dirty="0"/>
+                        <a:t>の範囲を取る。</a:t>
+                      </a:r>
+                    </a:p>
+                  </a:txBody>
+                  <a:tcPr/>
+                </a:tc>
+                <a:tc>
+                  <a:txBody>
+                    <a:bodyPr/>
+                    <a:lstStyle/>
+                    <a:p>
+                      <a:r>
+                        <a:rPr kumimoji="1" lang="en-US" altLang="ja-JP" sz="1600" dirty="0"/>
+                        <a:t>2</a:t>
+                      </a:r>
+                      <a:endParaRPr kumimoji="1" lang="ja-JP" altLang="en-US" sz="1600" dirty="0"/>
+                    </a:p>
+                  </a:txBody>
+                  <a:tcPr/>
+                </a:tc>
+                <a:extLst>
+                  <a:ext uri="{0D108BD9-81ED-4DB2-BD59-A6C34878D82A}">
+                    <a16:rowId xmlns:a16="http://schemas.microsoft.com/office/drawing/2014/main" val="1090838928"/>
+                  </a:ext>
+                </a:extLst>
+              </a:tr>
+              <a:tr h="370840">
+                <a:tc>
+                  <a:txBody>
+                    <a:bodyPr/>
+                    <a:lstStyle/>
+                    <a:p>
+                      <a:pPr algn="ctr"/>
+                      <a:r>
+                        <a:rPr kumimoji="1" lang="en-US" altLang="ja-JP" sz="1600" dirty="0"/>
+                        <a:t>β</a:t>
+                      </a:r>
+                      <a:endParaRPr kumimoji="1" lang="ja-JP" altLang="en-US" sz="1600" dirty="0"/>
+                    </a:p>
+                  </a:txBody>
+                  <a:tcPr/>
+                </a:tc>
+                <a:tc>
+                  <a:txBody>
+                    <a:bodyPr/>
+                    <a:lstStyle/>
+                    <a:p>
+                      <a:r>
+                        <a:rPr kumimoji="1" lang="ja-JP" altLang="en-US" sz="1600" dirty="0"/>
+                        <a:t>歪度パラメータ。分布の対称性を決定するパラメータで、</a:t>
+                      </a:r>
+                      <a:r>
+                        <a:rPr kumimoji="1" lang="en-US" altLang="ja-JP" sz="1600" dirty="0"/>
+                        <a:t>-1 ≤ β ≤ 1 </a:t>
+                      </a:r>
+                      <a:r>
+                        <a:rPr kumimoji="1" lang="ja-JP" altLang="en-US" sz="1600" dirty="0"/>
+                        <a:t>の範囲を取る。</a:t>
+                      </a:r>
+                    </a:p>
+                  </a:txBody>
+                  <a:tcPr/>
+                </a:tc>
+                <a:tc>
+                  <a:txBody>
+                    <a:bodyPr/>
+                    <a:lstStyle/>
+                    <a:p>
+                      <a:r>
+                        <a:rPr kumimoji="1" lang="ja-JP" altLang="en-US" sz="1600" dirty="0"/>
+                        <a:t>関係ない</a:t>
+                      </a:r>
+                    </a:p>
+                  </a:txBody>
+                  <a:tcPr/>
+                </a:tc>
+                <a:extLst>
+                  <a:ext uri="{0D108BD9-81ED-4DB2-BD59-A6C34878D82A}">
+                    <a16:rowId xmlns:a16="http://schemas.microsoft.com/office/drawing/2014/main" val="1559008052"/>
+                  </a:ext>
+                </a:extLst>
+              </a:tr>
+              <a:tr h="370840">
+                <a:tc>
+                  <a:txBody>
+                    <a:bodyPr/>
+                    <a:lstStyle/>
+                    <a:p>
+                      <a:pPr algn="ctr"/>
+                      <a:r>
+                        <a:rPr kumimoji="1" lang="en-US" altLang="ja-JP" sz="1600" dirty="0"/>
+                        <a:t>γ</a:t>
+                      </a:r>
+                      <a:endParaRPr kumimoji="1" lang="ja-JP" altLang="en-US" sz="1600" dirty="0"/>
+                    </a:p>
+                  </a:txBody>
+                  <a:tcPr/>
+                </a:tc>
+                <a:tc>
+                  <a:txBody>
+                    <a:bodyPr/>
+                    <a:lstStyle/>
+                    <a:p>
+                      <a:r>
+                        <a:rPr kumimoji="1" lang="ja-JP" altLang="en-US" sz="1600" dirty="0"/>
+                        <a:t>スケールパラメータ。分布の広がりを決定するパラメータ。</a:t>
+                      </a:r>
+                      <a:r>
+                        <a:rPr kumimoji="1" lang="en-US" altLang="ja-JP" sz="1600" dirty="0"/>
+                        <a:t>γ &gt; 0 </a:t>
+                      </a:r>
+                      <a:endParaRPr kumimoji="1" lang="ja-JP" altLang="en-US" sz="1600" dirty="0"/>
+                    </a:p>
+                  </a:txBody>
+                  <a:tcPr/>
+                </a:tc>
+                <a:tc>
+                  <a:txBody>
+                    <a:bodyPr/>
+                    <a:lstStyle/>
+                    <a:p>
+                      <a:r>
+                        <a:rPr kumimoji="1" lang="ja-JP" altLang="en-US" sz="1600" dirty="0"/>
+                        <a:t>標準偏差</a:t>
+                      </a:r>
+                    </a:p>
+                  </a:txBody>
+                  <a:tcPr/>
+                </a:tc>
+                <a:extLst>
+                  <a:ext uri="{0D108BD9-81ED-4DB2-BD59-A6C34878D82A}">
+                    <a16:rowId xmlns:a16="http://schemas.microsoft.com/office/drawing/2014/main" val="2811657290"/>
+                  </a:ext>
+                </a:extLst>
+              </a:tr>
+              <a:tr h="370840">
+                <a:tc>
+                  <a:txBody>
+                    <a:bodyPr/>
+                    <a:lstStyle/>
+                    <a:p>
+                      <a:pPr algn="ctr"/>
+                      <a:r>
+                        <a:rPr kumimoji="1" lang="en-US" altLang="ja-JP" sz="1600" dirty="0"/>
+                        <a:t>δ</a:t>
+                      </a:r>
+                      <a:endParaRPr kumimoji="1" lang="ja-JP" altLang="en-US" sz="1600" dirty="0"/>
+                    </a:p>
+                  </a:txBody>
+                  <a:tcPr/>
+                </a:tc>
+                <a:tc>
+                  <a:txBody>
+                    <a:bodyPr/>
+                    <a:lstStyle/>
+                    <a:p>
+                      <a:r>
+                        <a:rPr kumimoji="1" lang="ja-JP" altLang="en-US" sz="1600" dirty="0"/>
+                        <a:t>位置パラメータ。分布の中心を決定するパラメータ。</a:t>
+                      </a:r>
+                    </a:p>
+                  </a:txBody>
+                  <a:tcPr/>
+                </a:tc>
+                <a:tc>
+                  <a:txBody>
+                    <a:bodyPr/>
+                    <a:lstStyle/>
+                    <a:p>
+                      <a:r>
+                        <a:rPr kumimoji="1" lang="ja-JP" altLang="en-US" sz="1600" dirty="0"/>
+                        <a:t>平均値</a:t>
+                      </a:r>
+                    </a:p>
+                  </a:txBody>
+                  <a:tcPr/>
+                </a:tc>
+                <a:extLst>
+                  <a:ext uri="{0D108BD9-81ED-4DB2-BD59-A6C34878D82A}">
+                    <a16:rowId xmlns:a16="http://schemas.microsoft.com/office/drawing/2014/main" val="1223409595"/>
+                  </a:ext>
+                </a:extLst>
+              </a:tr>
+            </a:tbl>
+          </a:graphicData>
+        </a:graphic>
+      </p:graphicFrame>
+      <p:sp>
+        <p:nvSpPr>
+          <p:cNvPr id="5" name="テキスト ボックス 4">
+            <a:extLst>
+              <a:ext uri="{FF2B5EF4-FFF2-40B4-BE49-F238E27FC236}">
+                <a16:creationId xmlns:a16="http://schemas.microsoft.com/office/drawing/2014/main" id="{914B3288-88E5-3B35-B5FC-C4EB7891BFE5}"/>
+              </a:ext>
+            </a:extLst>
+          </p:cNvPr>
+          <p:cNvSpPr txBox="1"/>
+          <p:nvPr/>
+        </p:nvSpPr>
+        <p:spPr>
+          <a:xfrm>
+            <a:off x="500701" y="1308877"/>
+            <a:ext cx="10123054" cy="461665"/>
+          </a:xfrm>
+          <a:prstGeom prst="rect">
+            <a:avLst/>
+          </a:prstGeom>
+          <a:noFill/>
+        </p:spPr>
+        <p:txBody>
+          <a:bodyPr wrap="square" rtlCol="0">
+            <a:spAutoFit/>
+          </a:bodyPr>
+          <a:lstStyle/>
+          <a:p>
+            <a:pPr marL="285750" indent="-285750">
+              <a:buFont typeface="Arial" panose="020B0604020202020204" pitchFamily="34" charset="0"/>
+              <a:buChar char="•"/>
+            </a:pPr>
+            <a:r>
+              <a:rPr kumimoji="1" lang="ja-JP" altLang="en-US" sz="2400" dirty="0"/>
+              <a:t>非対称性やファットテール性を表現できる分布</a:t>
+            </a:r>
+            <a:endParaRPr kumimoji="1" lang="en-US" altLang="ja-JP" sz="2400" dirty="0"/>
+          </a:p>
+        </p:txBody>
+      </p:sp>
+    </p:spTree>
+    <p:extLst>
+      <p:ext uri="{BB962C8B-B14F-4D97-AF65-F5344CB8AC3E}">
+        <p14:creationId xmlns:p14="http://schemas.microsoft.com/office/powerpoint/2010/main" val="1533125040"/>
       </p:ext>
     </p:extLst>
   </p:cSld>
@@ -6638,11 +7295,20 @@
             <p:ph type="title"/>
           </p:nvPr>
         </p:nvSpPr>
-        <p:spPr/>
+        <p:spPr>
+          <a:xfrm>
+            <a:off x="145473" y="136526"/>
+            <a:ext cx="11723254" cy="632241"/>
+          </a:xfrm>
+        </p:spPr>
         <p:txBody>
           <a:bodyPr/>
           <a:lstStyle/>
           <a:p>
+            <a:r>
+              <a:rPr lang="ja-JP" altLang="en-US" dirty="0"/>
+              <a:t>②</a:t>
+            </a:r>
             <a:r>
               <a:rPr kumimoji="1" lang="ja-JP" altLang="en-US" dirty="0"/>
               <a:t>分布の比較</a:t>
@@ -6668,17 +7334,27 @@
         </p:nvSpPr>
         <p:spPr>
           <a:xfrm>
-            <a:off x="145472" y="1132897"/>
-            <a:ext cx="11723253" cy="548419"/>
+            <a:off x="145474" y="824247"/>
+            <a:ext cx="11723253" cy="954460"/>
           </a:xfrm>
         </p:spPr>
         <p:txBody>
-          <a:bodyPr/>
+          <a:bodyPr>
+            <a:normAutofit/>
+          </a:bodyPr>
           <a:lstStyle/>
           <a:p>
             <a:r>
               <a:rPr lang="ja-JP" altLang="en-US" dirty="0"/>
-              <a:t>リターンの分布をみると似ている？（本当は一致させたかった）</a:t>
+              <a:t>リターンの分布をみると似ている？（テールは再現できている）</a:t>
+            </a:r>
+            <a:endParaRPr lang="en-US" altLang="ja-JP" dirty="0"/>
+          </a:p>
+          <a:p>
+            <a:pPr lvl="1"/>
+            <a:r>
+              <a:rPr lang="ja-JP" altLang="en-US" dirty="0"/>
+              <a:t>本当は一致させたかったが、パラメータ推定がうまくいかず断念</a:t>
             </a:r>
             <a:endParaRPr kumimoji="1" lang="ja-JP" altLang="en-US" dirty="0"/>
           </a:p>
@@ -6713,8 +7389,12 @@
           <a:lstStyle/>
           <a:p>
             <a:r>
+              <a:rPr lang="ja-JP" altLang="en-US" dirty="0"/>
+              <a:t>安定分布から</a:t>
+            </a:r>
+            <a:r>
               <a:rPr kumimoji="1" lang="ja-JP" altLang="en-US" dirty="0"/>
-              <a:t>正規乱数で発生させたリターン</a:t>
+              <a:t>発生させたリターン（抽出）</a:t>
             </a:r>
           </a:p>
         </p:txBody>
@@ -6753,7 +7433,7 @@
             </a:r>
             <a:r>
               <a:rPr kumimoji="1" lang="ja-JP" altLang="en-US" dirty="0"/>
-              <a:t>リターン</a:t>
+              <a:t>リターン（抽出）</a:t>
             </a:r>
           </a:p>
         </p:txBody>
@@ -6854,10 +7534,10 @@
       </p:pic>
       <p:pic>
         <p:nvPicPr>
-          <p:cNvPr id="8200" name="Picture 8">
-            <a:extLst>
-              <a:ext uri="{FF2B5EF4-FFF2-40B4-BE49-F238E27FC236}">
-                <a16:creationId xmlns:a16="http://schemas.microsoft.com/office/drawing/2014/main" id="{82849AD1-233F-CC39-E070-03F706874621}"/>
+          <p:cNvPr id="2050" name="Picture 2">
+            <a:extLst>
+              <a:ext uri="{FF2B5EF4-FFF2-40B4-BE49-F238E27FC236}">
+                <a16:creationId xmlns:a16="http://schemas.microsoft.com/office/drawing/2014/main" id="{EE70D9F2-00B6-9443-F575-A939ADBCF859}"/>
               </a:ext>
             </a:extLst>
           </p:cNvPr>
@@ -6881,8 +7561,8 @@
         </p:blipFill>
         <p:spPr bwMode="auto">
           <a:xfrm>
-            <a:off x="6007098" y="2241435"/>
-            <a:ext cx="5505450" cy="4191000"/>
+            <a:off x="5879690" y="2158459"/>
+            <a:ext cx="5721760" cy="4355665"/>
           </a:xfrm>
           <a:prstGeom prst="rect">
             <a:avLst/>
@@ -6951,6 +7631,10 @@
           <a:lstStyle/>
           <a:p>
             <a:r>
+              <a:rPr lang="ja-JP" altLang="en-US" dirty="0"/>
+              <a:t>②</a:t>
+            </a:r>
+            <a:r>
               <a:rPr kumimoji="1" lang="ja-JP" altLang="en-US" dirty="0"/>
               <a:t>自己相関</a:t>
             </a:r>
@@ -7318,7 +8002,7 @@
         </p:blipFill>
         <p:spPr bwMode="auto">
           <a:xfrm>
-            <a:off x="227333" y="1506957"/>
+            <a:off x="275303" y="2098049"/>
             <a:ext cx="11641394" cy="3844085"/>
           </a:xfrm>
           <a:prstGeom prst="rect">
@@ -7352,7 +8036,7 @@
         </p:nvSpPr>
         <p:spPr>
           <a:xfrm>
-            <a:off x="694402" y="5891887"/>
+            <a:off x="586247" y="6104350"/>
             <a:ext cx="10331247" cy="561708"/>
           </a:xfrm>
           <a:prstGeom prst="rect">
@@ -7538,6 +8222,65 @@
           </a:p>
         </p:txBody>
       </p:sp>
+      <p:sp>
+        <p:nvSpPr>
+          <p:cNvPr id="3" name="テキスト ボックス 2">
+            <a:extLst>
+              <a:ext uri="{FF2B5EF4-FFF2-40B4-BE49-F238E27FC236}">
+                <a16:creationId xmlns:a16="http://schemas.microsoft.com/office/drawing/2014/main" id="{0DE71900-B6CF-A382-CE83-906859B99015}"/>
+              </a:ext>
+            </a:extLst>
+          </p:cNvPr>
+          <p:cNvSpPr txBox="1"/>
+          <p:nvPr/>
+        </p:nvSpPr>
+        <p:spPr>
+          <a:xfrm>
+            <a:off x="501443" y="1172531"/>
+            <a:ext cx="11277601" cy="707886"/>
+          </a:xfrm>
+          <a:prstGeom prst="rect">
+            <a:avLst/>
+          </a:prstGeom>
+          <a:noFill/>
+        </p:spPr>
+        <p:txBody>
+          <a:bodyPr wrap="square" rtlCol="0">
+            <a:spAutoFit/>
+          </a:bodyPr>
+          <a:lstStyle/>
+          <a:p>
+            <a:r>
+              <a:rPr kumimoji="1" lang="ja-JP" altLang="en-US" sz="2000" dirty="0"/>
+              <a:t>図：実際のリターンからある長さ</a:t>
+            </a:r>
+            <a:r>
+              <a:rPr kumimoji="1" lang="en-US" altLang="ja-JP" sz="2000" dirty="0"/>
+              <a:t>1,000</a:t>
+            </a:r>
+            <a:r>
+              <a:rPr kumimoji="1" lang="ja-JP" altLang="en-US" sz="2000" dirty="0"/>
+              <a:t>のリターンを抜き出したものと、フィットさせた</a:t>
+            </a:r>
+            <a:r>
+              <a:rPr lang="en-US" altLang="ja-JP" sz="2000" dirty="0"/>
+              <a:t>GARCH(1,1)</a:t>
+            </a:r>
+            <a:r>
+              <a:rPr kumimoji="1" lang="ja-JP" altLang="en-US" sz="2000" dirty="0"/>
+              <a:t>で発生させたリターン（どちらもスタートを</a:t>
+            </a:r>
+            <a:r>
+              <a:rPr kumimoji="1" lang="en-US" altLang="ja-JP" sz="2000" dirty="0"/>
+              <a:t>100</a:t>
+            </a:r>
+            <a:r>
+              <a:rPr kumimoji="1" lang="ja-JP" altLang="en-US" sz="2000" dirty="0"/>
+              <a:t>として累積リターンに変換）</a:t>
+            </a:r>
+          </a:p>
+        </p:txBody>
+      </p:sp>
     </p:spTree>
     <p:extLst>
       <p:ext uri="{BB962C8B-B14F-4D97-AF65-F5344CB8AC3E}">
@@ -7590,6 +8333,10 @@
           <a:lstStyle/>
           <a:p>
             <a:r>
+              <a:rPr lang="ja-JP" altLang="en-US" dirty="0"/>
+              <a:t>③</a:t>
+            </a:r>
+            <a:r>
               <a:rPr kumimoji="1" lang="ja-JP" altLang="en-US" dirty="0"/>
               <a:t>分布の比較</a:t>
             </a:r>
@@ -7614,7 +8361,7 @@
         </p:nvSpPr>
         <p:spPr>
           <a:xfrm>
-            <a:off x="145472" y="1132897"/>
+            <a:off x="145474" y="1052843"/>
             <a:ext cx="11723253" cy="548419"/>
           </a:xfrm>
         </p:spPr>
@@ -7624,7 +8371,7 @@
           <a:p>
             <a:r>
               <a:rPr kumimoji="1" lang="ja-JP" altLang="en-US" dirty="0"/>
-              <a:t>裾野広がりが</a:t>
+              <a:t>正規分布より裾野は広いが、実際の分布からはずれている</a:t>
             </a:r>
           </a:p>
         </p:txBody>
@@ -7643,7 +8390,7 @@
         </p:nvSpPr>
         <p:spPr>
           <a:xfrm>
-            <a:off x="406332" y="1872103"/>
+            <a:off x="406332" y="2039252"/>
             <a:ext cx="5237383" cy="369332"/>
           </a:xfrm>
           <a:prstGeom prst="rect">
@@ -7658,9 +8405,18 @@
           <a:lstStyle/>
           <a:p>
             <a:r>
+              <a:rPr lang="en-US" altLang="ja-JP" dirty="0"/>
+              <a:t>GARCH(1,1)</a:t>
+            </a:r>
+            <a:r>
               <a:rPr kumimoji="1" lang="ja-JP" altLang="en-US" dirty="0"/>
-              <a:t>正規乱数で発生させたリターン</a:t>
-            </a:r>
+              <a:t>で発生させたリターン</a:t>
+            </a:r>
+            <a:r>
+              <a:rPr lang="ja-JP" altLang="en-US" dirty="0"/>
+              <a:t>（抽出）</a:t>
+            </a:r>
+            <a:endParaRPr kumimoji="1" lang="ja-JP" altLang="en-US" dirty="0"/>
           </a:p>
         </p:txBody>
       </p:sp>
@@ -7678,7 +8434,7 @@
         </p:nvSpPr>
         <p:spPr>
           <a:xfrm>
-            <a:off x="406333" y="4281238"/>
+            <a:off x="406332" y="4477884"/>
             <a:ext cx="4060724" cy="369332"/>
           </a:xfrm>
           <a:prstGeom prst="rect">
@@ -7698,7 +8454,7 @@
             </a:r>
             <a:r>
               <a:rPr kumimoji="1" lang="ja-JP" altLang="en-US" dirty="0"/>
-              <a:t>リターン</a:t>
+              <a:t>リターン（抽出）</a:t>
             </a:r>
           </a:p>
         </p:txBody>
@@ -7779,7 +8535,7 @@
         </p:blipFill>
         <p:spPr bwMode="auto">
           <a:xfrm>
-            <a:off x="318319" y="2354444"/>
+            <a:off x="318319" y="2521593"/>
             <a:ext cx="5105400" cy="1885950"/>
           </a:xfrm>
           <a:prstGeom prst="rect">
@@ -7897,7 +8653,7 @@
           <a:p>
             <a:r>
               <a:rPr kumimoji="1" lang="ja-JP" altLang="en-US" dirty="0"/>
-              <a:t>自己相関</a:t>
+              <a:t>③自己相関</a:t>
             </a:r>
           </a:p>
         </p:txBody>
@@ -8263,7 +9019,7 @@
         </p:nvSpPr>
         <p:spPr>
           <a:xfrm>
-            <a:off x="694402" y="5891887"/>
+            <a:off x="625576" y="6039371"/>
             <a:ext cx="10331247" cy="561708"/>
           </a:xfrm>
           <a:prstGeom prst="rect">
@@ -8478,8 +9234,8 @@
         </p:blipFill>
         <p:spPr bwMode="auto">
           <a:xfrm>
-            <a:off x="145473" y="1493442"/>
-            <a:ext cx="11723254" cy="3871116"/>
+            <a:off x="283534" y="2062029"/>
+            <a:ext cx="11013730" cy="3636825"/>
           </a:xfrm>
           <a:prstGeom prst="rect">
             <a:avLst/>
@@ -8496,6 +9252,57 @@
           </a:extLst>
         </p:spPr>
       </p:pic>
+      <p:sp>
+        <p:nvSpPr>
+          <p:cNvPr id="3" name="テキスト ボックス 2">
+            <a:extLst>
+              <a:ext uri="{FF2B5EF4-FFF2-40B4-BE49-F238E27FC236}">
+                <a16:creationId xmlns:a16="http://schemas.microsoft.com/office/drawing/2014/main" id="{9BD03213-14F3-F375-D4EE-4D020F5A43ED}"/>
+              </a:ext>
+            </a:extLst>
+          </p:cNvPr>
+          <p:cNvSpPr txBox="1"/>
+          <p:nvPr/>
+        </p:nvSpPr>
+        <p:spPr>
+          <a:xfrm>
+            <a:off x="501444" y="1172531"/>
+            <a:ext cx="10331246" cy="707886"/>
+          </a:xfrm>
+          <a:prstGeom prst="rect">
+            <a:avLst/>
+          </a:prstGeom>
+          <a:noFill/>
+        </p:spPr>
+        <p:txBody>
+          <a:bodyPr wrap="square" rtlCol="0">
+            <a:spAutoFit/>
+          </a:bodyPr>
+          <a:lstStyle/>
+          <a:p>
+            <a:r>
+              <a:rPr kumimoji="1" lang="ja-JP" altLang="en-US" sz="2000" dirty="0"/>
+              <a:t>図：実際のリターンからある長さ</a:t>
+            </a:r>
+            <a:r>
+              <a:rPr kumimoji="1" lang="en-US" altLang="ja-JP" sz="2000" dirty="0"/>
+              <a:t>1,000</a:t>
+            </a:r>
+            <a:r>
+              <a:rPr kumimoji="1" lang="ja-JP" altLang="en-US" sz="2000" dirty="0"/>
+              <a:t>のリターンを抜き出したものと、隠れマルコフモデルで発生させたリターン（どちらもスタートを</a:t>
+            </a:r>
+            <a:r>
+              <a:rPr kumimoji="1" lang="en-US" altLang="ja-JP" sz="2000" dirty="0"/>
+              <a:t>100</a:t>
+            </a:r>
+            <a:r>
+              <a:rPr kumimoji="1" lang="ja-JP" altLang="en-US" sz="2000" dirty="0"/>
+              <a:t>として累積リターンに変換）</a:t>
+            </a:r>
+          </a:p>
+        </p:txBody>
+      </p:sp>
     </p:spTree>
     <p:extLst>
       <p:ext uri="{BB962C8B-B14F-4D97-AF65-F5344CB8AC3E}">
@@ -8549,7 +9356,7 @@
           <a:p>
             <a:r>
               <a:rPr kumimoji="1" lang="ja-JP" altLang="en-US" dirty="0"/>
-              <a:t>分布の比較</a:t>
+              <a:t>④分布の比較</a:t>
             </a:r>
           </a:p>
         </p:txBody>
@@ -8621,7 +9428,7 @@
             </a:r>
             <a:r>
               <a:rPr kumimoji="1" lang="ja-JP" altLang="en-US" dirty="0"/>
-              <a:t>で発生させたリターン</a:t>
+              <a:t>で発生させたリターン（抽出）</a:t>
             </a:r>
           </a:p>
         </p:txBody>
@@ -8640,7 +9447,7 @@
         </p:nvSpPr>
         <p:spPr>
           <a:xfrm>
-            <a:off x="406333" y="4281238"/>
+            <a:off x="406332" y="4281238"/>
             <a:ext cx="4060724" cy="369332"/>
           </a:xfrm>
           <a:prstGeom prst="rect">
@@ -8660,7 +9467,7 @@
             </a:r>
             <a:r>
               <a:rPr kumimoji="1" lang="ja-JP" altLang="en-US" dirty="0"/>
-              <a:t>リターン</a:t>
+              <a:t>リターン（抽出）</a:t>
             </a:r>
           </a:p>
         </p:txBody>
@@ -8899,7 +9706,7 @@
           <a:p>
             <a:r>
               <a:rPr kumimoji="1" lang="ja-JP" altLang="en-US" dirty="0"/>
-              <a:t>本物と同様の性質を持つ時系列を生成できれば、運用モデルのバックテストやリスク評価などへの活用が考えられる</a:t>
+              <a:t>本物と同様の性質を持つ時系列を生成できれば、運用モデルのバックテストシミュレーションやリスク評価などへの活用が考えられる</a:t>
             </a:r>
             <a:endParaRPr kumimoji="1" lang="en-US" altLang="ja-JP" dirty="0"/>
           </a:p>
@@ -8975,7 +9782,7 @@
           <a:p>
             <a:r>
               <a:rPr kumimoji="1" lang="ja-JP" altLang="en-US" dirty="0"/>
-              <a:t>自己相関</a:t>
+              <a:t>④自己相関</a:t>
             </a:r>
           </a:p>
         </p:txBody>
@@ -8995,7 +9802,7 @@
         <p:spPr>
           <a:xfrm>
             <a:off x="620202" y="2216232"/>
-            <a:ext cx="3588775" cy="369332"/>
+            <a:ext cx="3165217" cy="369332"/>
           </a:xfrm>
           <a:prstGeom prst="rect">
             <a:avLst/>
@@ -9350,8 +10157,8 @@
         </p:blipFill>
         <p:spPr bwMode="auto">
           <a:xfrm>
-            <a:off x="476250" y="1616715"/>
-            <a:ext cx="4851348" cy="3624570"/>
+            <a:off x="580102" y="2393939"/>
+            <a:ext cx="4823464" cy="3603737"/>
           </a:xfrm>
           <a:prstGeom prst="rect">
             <a:avLst/>
@@ -9397,7 +10204,7 @@
         </p:blipFill>
         <p:spPr bwMode="auto">
           <a:xfrm>
-            <a:off x="6096000" y="1082674"/>
+            <a:off x="6114880" y="835914"/>
             <a:ext cx="5619750" cy="5638800"/>
           </a:xfrm>
           <a:prstGeom prst="rect">
@@ -9429,8 +10236,8 @@
         </p:nvSpPr>
         <p:spPr>
           <a:xfrm>
-            <a:off x="589935" y="5460877"/>
-            <a:ext cx="5123698" cy="646331"/>
+            <a:off x="504178" y="1415456"/>
+            <a:ext cx="5251998" cy="646331"/>
           </a:xfrm>
           <a:prstGeom prst="rect">
             <a:avLst/>
@@ -9493,7 +10300,7 @@
           <p:cNvPr id="2" name="タイトル 1">
             <a:extLst>
               <a:ext uri="{FF2B5EF4-FFF2-40B4-BE49-F238E27FC236}">
-                <a16:creationId xmlns:a16="http://schemas.microsoft.com/office/drawing/2014/main" id="{1B9E413C-985D-0990-D2D1-39A89951828F}"/>
+                <a16:creationId xmlns:a16="http://schemas.microsoft.com/office/drawing/2014/main" id="{7EA9ED98-4C73-4D62-4F25-FDA03D5F9ACB}"/>
               </a:ext>
             </a:extLst>
           </p:cNvPr>
@@ -9504,24 +10311,43 @@
             <p:ph type="title"/>
           </p:nvPr>
         </p:nvSpPr>
-        <p:spPr/>
+        <p:spPr>
+          <a:xfrm>
+            <a:off x="240891" y="263175"/>
+            <a:ext cx="10515600" cy="568940"/>
+          </a:xfrm>
+        </p:spPr>
         <p:txBody>
-          <a:bodyPr/>
+          <a:bodyPr>
+            <a:noAutofit/>
+          </a:bodyPr>
           <a:lstStyle/>
           <a:p>
             <a:r>
-              <a:rPr kumimoji="1" lang="ja-JP" altLang="en-US" dirty="0"/>
-              <a:t>まとめ</a:t>
+              <a:rPr kumimoji="1" lang="en-US" altLang="ja-JP" sz="3600" dirty="0"/>
+              <a:t>(</a:t>
+            </a:r>
+            <a:r>
+              <a:rPr kumimoji="1" lang="ja-JP" altLang="en-US" sz="3600" dirty="0"/>
+              <a:t>参考</a:t>
+            </a:r>
+            <a:r>
+              <a:rPr kumimoji="1" lang="en-US" altLang="ja-JP" sz="3600" dirty="0"/>
+              <a:t>)</a:t>
+            </a:r>
+            <a:r>
+              <a:rPr kumimoji="1" lang="ja-JP" altLang="en-US" sz="3600" dirty="0"/>
+              <a:t>各状態の情報</a:t>
             </a:r>
           </a:p>
         </p:txBody>
       </p:sp>
       <p:graphicFrame>
         <p:nvGraphicFramePr>
-          <p:cNvPr id="4" name="コンテンツ プレースホルダー 3">
-            <a:extLst>
-              <a:ext uri="{FF2B5EF4-FFF2-40B4-BE49-F238E27FC236}">
-                <a16:creationId xmlns:a16="http://schemas.microsoft.com/office/drawing/2014/main" id="{D85B2679-E7AF-8840-3FEF-A9D59E8BC188}"/>
+          <p:cNvPr id="3" name="表 2">
+            <a:extLst>
+              <a:ext uri="{FF2B5EF4-FFF2-40B4-BE49-F238E27FC236}">
+                <a16:creationId xmlns:a16="http://schemas.microsoft.com/office/drawing/2014/main" id="{2E999C6C-EB43-0C51-B35E-AFB88B637773}"/>
               </a:ext>
             </a:extLst>
           </p:cNvPr>
@@ -9529,17 +10355,571 @@
             <a:graphicFrameLocks noGrp="1"/>
           </p:cNvGraphicFramePr>
           <p:nvPr>
-            <p:ph idx="1"/>
             <p:extLst>
               <p:ext uri="{D42A27DB-BD31-4B8C-83A1-F6EECF244321}">
-                <p14:modId xmlns:p14="http://schemas.microsoft.com/office/powerpoint/2010/main" val="1919055188"/>
+                <p14:modId xmlns:p14="http://schemas.microsoft.com/office/powerpoint/2010/main" val="2320376630"/>
               </p:ext>
             </p:extLst>
           </p:nvPr>
         </p:nvGraphicFramePr>
         <p:xfrm>
-          <a:off x="2752007" y="1973989"/>
-          <a:ext cx="5019360" cy="2286000"/>
+          <a:off x="6096000" y="2672253"/>
+          <a:ext cx="4912990" cy="1828800"/>
+        </p:xfrm>
+        <a:graphic>
+          <a:graphicData uri="http://schemas.openxmlformats.org/drawingml/2006/table">
+            <a:tbl>
+              <a:tblPr>
+                <a:tableStyleId>{8799B23B-EC83-4686-B30A-512413B5E67A}</a:tableStyleId>
+              </a:tblPr>
+              <a:tblGrid>
+                <a:gridCol w="982598">
+                  <a:extLst>
+                    <a:ext uri="{9D8B030D-6E8A-4147-A177-3AD203B41FA5}">
+                      <a16:colId xmlns:a16="http://schemas.microsoft.com/office/drawing/2014/main" val="1277169930"/>
+                    </a:ext>
+                  </a:extLst>
+                </a:gridCol>
+                <a:gridCol w="982598">
+                  <a:extLst>
+                    <a:ext uri="{9D8B030D-6E8A-4147-A177-3AD203B41FA5}">
+                      <a16:colId xmlns:a16="http://schemas.microsoft.com/office/drawing/2014/main" val="1066873007"/>
+                    </a:ext>
+                  </a:extLst>
+                </a:gridCol>
+                <a:gridCol w="982598">
+                  <a:extLst>
+                    <a:ext uri="{9D8B030D-6E8A-4147-A177-3AD203B41FA5}">
+                      <a16:colId xmlns:a16="http://schemas.microsoft.com/office/drawing/2014/main" val="1726876298"/>
+                    </a:ext>
+                  </a:extLst>
+                </a:gridCol>
+                <a:gridCol w="982598">
+                  <a:extLst>
+                    <a:ext uri="{9D8B030D-6E8A-4147-A177-3AD203B41FA5}">
+                      <a16:colId xmlns:a16="http://schemas.microsoft.com/office/drawing/2014/main" val="3287665282"/>
+                    </a:ext>
+                  </a:extLst>
+                </a:gridCol>
+                <a:gridCol w="982598">
+                  <a:extLst>
+                    <a:ext uri="{9D8B030D-6E8A-4147-A177-3AD203B41FA5}">
+                      <a16:colId xmlns:a16="http://schemas.microsoft.com/office/drawing/2014/main" val="2923054328"/>
+                    </a:ext>
+                  </a:extLst>
+                </a:gridCol>
+              </a:tblGrid>
+              <a:tr h="0">
+                <a:tc>
+                  <a:txBody>
+                    <a:bodyPr/>
+                    <a:lstStyle/>
+                    <a:p>
+                      <a:pPr algn="r"/>
+                      <a:endParaRPr lang="en-US" altLang="ja-JP" b="1" dirty="0">
+                        <a:effectLst/>
+                      </a:endParaRPr>
+                    </a:p>
+                  </a:txBody>
+                  <a:tcPr anchor="ctr"/>
+                </a:tc>
+                <a:tc>
+                  <a:txBody>
+                    <a:bodyPr/>
+                    <a:lstStyle/>
+                    <a:p>
+                      <a:pPr algn="ctr"/>
+                      <a:r>
+                        <a:rPr lang="en-US" altLang="ja-JP" b="1" dirty="0">
+                          <a:effectLst/>
+                        </a:rPr>
+                        <a:t>0</a:t>
+                      </a:r>
+                    </a:p>
+                  </a:txBody>
+                  <a:tcPr anchor="ctr"/>
+                </a:tc>
+                <a:tc>
+                  <a:txBody>
+                    <a:bodyPr/>
+                    <a:lstStyle/>
+                    <a:p>
+                      <a:pPr algn="ctr"/>
+                      <a:r>
+                        <a:rPr lang="en-US" altLang="ja-JP" b="1" dirty="0">
+                          <a:effectLst/>
+                        </a:rPr>
+                        <a:t>1</a:t>
+                      </a:r>
+                    </a:p>
+                  </a:txBody>
+                  <a:tcPr anchor="ctr"/>
+                </a:tc>
+                <a:tc>
+                  <a:txBody>
+                    <a:bodyPr/>
+                    <a:lstStyle/>
+                    <a:p>
+                      <a:pPr algn="ctr"/>
+                      <a:r>
+                        <a:rPr lang="en-US" altLang="ja-JP" b="1" dirty="0">
+                          <a:effectLst/>
+                        </a:rPr>
+                        <a:t>2</a:t>
+                      </a:r>
+                    </a:p>
+                  </a:txBody>
+                  <a:tcPr anchor="ctr"/>
+                </a:tc>
+                <a:tc>
+                  <a:txBody>
+                    <a:bodyPr/>
+                    <a:lstStyle/>
+                    <a:p>
+                      <a:pPr marL="0" marR="0" lvl="0" indent="0" algn="ctr" defTabSz="914400" rtl="0" eaLnBrk="1" fontAlgn="auto" latinLnBrk="0" hangingPunct="1">
+                        <a:lnSpc>
+                          <a:spcPct val="100000"/>
+                        </a:lnSpc>
+                        <a:spcBef>
+                          <a:spcPts val="0"/>
+                        </a:spcBef>
+                        <a:spcAft>
+                          <a:spcPts val="0"/>
+                        </a:spcAft>
+                        <a:buClrTx/>
+                        <a:buSzTx/>
+                        <a:buFontTx/>
+                        <a:buNone/>
+                        <a:tabLst/>
+                        <a:defRPr/>
+                      </a:pPr>
+                      <a:r>
+                        <a:rPr lang="en-US" altLang="ja-JP" b="1" dirty="0">
+                          <a:effectLst/>
+                        </a:rPr>
+                        <a:t>3</a:t>
+                      </a:r>
+                    </a:p>
+                  </a:txBody>
+                  <a:tcPr anchor="ctr"/>
+                </a:tc>
+                <a:extLst>
+                  <a:ext uri="{0D108BD9-81ED-4DB2-BD59-A6C34878D82A}">
+                    <a16:rowId xmlns:a16="http://schemas.microsoft.com/office/drawing/2014/main" val="2618473639"/>
+                  </a:ext>
+                </a:extLst>
+              </a:tr>
+              <a:tr h="328800">
+                <a:tc>
+                  <a:txBody>
+                    <a:bodyPr/>
+                    <a:lstStyle/>
+                    <a:p>
+                      <a:pPr algn="ctr" fontAlgn="ctr"/>
+                      <a:r>
+                        <a:rPr lang="en-US" altLang="ja-JP" b="1" dirty="0">
+                          <a:effectLst/>
+                        </a:rPr>
+                        <a:t>0</a:t>
+                      </a:r>
+                    </a:p>
+                  </a:txBody>
+                  <a:tcPr anchor="ctr"/>
+                </a:tc>
+                <a:tc>
+                  <a:txBody>
+                    <a:bodyPr/>
+                    <a:lstStyle/>
+                    <a:p>
+                      <a:pPr algn="ctr"/>
+                      <a:r>
+                        <a:rPr lang="en-US" altLang="ja-JP" dirty="0">
+                          <a:effectLst/>
+                        </a:rPr>
+                        <a:t>0.96</a:t>
+                      </a:r>
+                    </a:p>
+                  </a:txBody>
+                  <a:tcPr anchor="ctr"/>
+                </a:tc>
+                <a:tc>
+                  <a:txBody>
+                    <a:bodyPr/>
+                    <a:lstStyle/>
+                    <a:p>
+                      <a:pPr algn="ctr"/>
+                      <a:r>
+                        <a:rPr lang="en-US" altLang="ja-JP" dirty="0">
+                          <a:effectLst/>
+                        </a:rPr>
+                        <a:t>0.03</a:t>
+                      </a:r>
+                    </a:p>
+                  </a:txBody>
+                  <a:tcPr anchor="ctr"/>
+                </a:tc>
+                <a:tc>
+                  <a:txBody>
+                    <a:bodyPr/>
+                    <a:lstStyle/>
+                    <a:p>
+                      <a:pPr algn="ctr"/>
+                      <a:r>
+                        <a:rPr lang="en-US" altLang="ja-JP" dirty="0">
+                          <a:effectLst/>
+                        </a:rPr>
+                        <a:t>0.01</a:t>
+                      </a:r>
+                    </a:p>
+                  </a:txBody>
+                  <a:tcPr anchor="ctr"/>
+                </a:tc>
+                <a:tc>
+                  <a:txBody>
+                    <a:bodyPr/>
+                    <a:lstStyle/>
+                    <a:p>
+                      <a:pPr algn="ctr"/>
+                      <a:r>
+                        <a:rPr lang="en-US" altLang="ja-JP">
+                          <a:effectLst/>
+                        </a:rPr>
+                        <a:t>0.00</a:t>
+                      </a:r>
+                    </a:p>
+                  </a:txBody>
+                  <a:tcPr anchor="ctr"/>
+                </a:tc>
+                <a:extLst>
+                  <a:ext uri="{0D108BD9-81ED-4DB2-BD59-A6C34878D82A}">
+                    <a16:rowId xmlns:a16="http://schemas.microsoft.com/office/drawing/2014/main" val="293933115"/>
+                  </a:ext>
+                </a:extLst>
+              </a:tr>
+              <a:tr h="328800">
+                <a:tc>
+                  <a:txBody>
+                    <a:bodyPr/>
+                    <a:lstStyle/>
+                    <a:p>
+                      <a:pPr algn="ctr" fontAlgn="ctr"/>
+                      <a:r>
+                        <a:rPr lang="en-US" altLang="ja-JP" b="1" dirty="0">
+                          <a:effectLst/>
+                        </a:rPr>
+                        <a:t>1</a:t>
+                      </a:r>
+                    </a:p>
+                  </a:txBody>
+                  <a:tcPr anchor="ctr"/>
+                </a:tc>
+                <a:tc>
+                  <a:txBody>
+                    <a:bodyPr/>
+                    <a:lstStyle/>
+                    <a:p>
+                      <a:pPr algn="ctr"/>
+                      <a:r>
+                        <a:rPr lang="en-US" altLang="ja-JP">
+                          <a:effectLst/>
+                        </a:rPr>
+                        <a:t>0.01</a:t>
+                      </a:r>
+                    </a:p>
+                  </a:txBody>
+                  <a:tcPr anchor="ctr"/>
+                </a:tc>
+                <a:tc>
+                  <a:txBody>
+                    <a:bodyPr/>
+                    <a:lstStyle/>
+                    <a:p>
+                      <a:pPr algn="ctr"/>
+                      <a:r>
+                        <a:rPr lang="en-US" altLang="ja-JP" dirty="0">
+                          <a:effectLst/>
+                        </a:rPr>
+                        <a:t>0.97</a:t>
+                      </a:r>
+                    </a:p>
+                  </a:txBody>
+                  <a:tcPr anchor="ctr"/>
+                </a:tc>
+                <a:tc>
+                  <a:txBody>
+                    <a:bodyPr/>
+                    <a:lstStyle/>
+                    <a:p>
+                      <a:pPr algn="ctr"/>
+                      <a:r>
+                        <a:rPr lang="en-US" altLang="ja-JP" dirty="0">
+                          <a:effectLst/>
+                        </a:rPr>
+                        <a:t>0.00</a:t>
+                      </a:r>
+                    </a:p>
+                  </a:txBody>
+                  <a:tcPr anchor="ctr"/>
+                </a:tc>
+                <a:tc>
+                  <a:txBody>
+                    <a:bodyPr/>
+                    <a:lstStyle/>
+                    <a:p>
+                      <a:pPr algn="ctr"/>
+                      <a:r>
+                        <a:rPr lang="en-US" altLang="ja-JP">
+                          <a:effectLst/>
+                        </a:rPr>
+                        <a:t>0.02</a:t>
+                      </a:r>
+                    </a:p>
+                  </a:txBody>
+                  <a:tcPr anchor="ctr"/>
+                </a:tc>
+                <a:extLst>
+                  <a:ext uri="{0D108BD9-81ED-4DB2-BD59-A6C34878D82A}">
+                    <a16:rowId xmlns:a16="http://schemas.microsoft.com/office/drawing/2014/main" val="3353422947"/>
+                  </a:ext>
+                </a:extLst>
+              </a:tr>
+              <a:tr h="328800">
+                <a:tc>
+                  <a:txBody>
+                    <a:bodyPr/>
+                    <a:lstStyle/>
+                    <a:p>
+                      <a:pPr algn="ctr" fontAlgn="ctr"/>
+                      <a:r>
+                        <a:rPr lang="en-US" altLang="ja-JP" b="1" dirty="0">
+                          <a:effectLst/>
+                        </a:rPr>
+                        <a:t>2</a:t>
+                      </a:r>
+                    </a:p>
+                  </a:txBody>
+                  <a:tcPr anchor="ctr"/>
+                </a:tc>
+                <a:tc>
+                  <a:txBody>
+                    <a:bodyPr/>
+                    <a:lstStyle/>
+                    <a:p>
+                      <a:pPr algn="ctr"/>
+                      <a:r>
+                        <a:rPr lang="en-US" altLang="ja-JP">
+                          <a:effectLst/>
+                        </a:rPr>
+                        <a:t>0.06</a:t>
+                      </a:r>
+                    </a:p>
+                  </a:txBody>
+                  <a:tcPr anchor="ctr"/>
+                </a:tc>
+                <a:tc>
+                  <a:txBody>
+                    <a:bodyPr/>
+                    <a:lstStyle/>
+                    <a:p>
+                      <a:pPr algn="ctr"/>
+                      <a:r>
+                        <a:rPr lang="en-US" altLang="ja-JP" dirty="0">
+                          <a:effectLst/>
+                        </a:rPr>
+                        <a:t>0.00</a:t>
+                      </a:r>
+                    </a:p>
+                  </a:txBody>
+                  <a:tcPr anchor="ctr"/>
+                </a:tc>
+                <a:tc>
+                  <a:txBody>
+                    <a:bodyPr/>
+                    <a:lstStyle/>
+                    <a:p>
+                      <a:pPr algn="ctr"/>
+                      <a:r>
+                        <a:rPr lang="en-US" altLang="ja-JP" dirty="0">
+                          <a:effectLst/>
+                        </a:rPr>
+                        <a:t>0.94</a:t>
+                      </a:r>
+                    </a:p>
+                  </a:txBody>
+                  <a:tcPr anchor="ctr"/>
+                </a:tc>
+                <a:tc>
+                  <a:txBody>
+                    <a:bodyPr/>
+                    <a:lstStyle/>
+                    <a:p>
+                      <a:pPr algn="ctr"/>
+                      <a:r>
+                        <a:rPr lang="en-US" altLang="ja-JP" dirty="0">
+                          <a:effectLst/>
+                        </a:rPr>
+                        <a:t>0.00</a:t>
+                      </a:r>
+                    </a:p>
+                  </a:txBody>
+                  <a:tcPr anchor="ctr"/>
+                </a:tc>
+                <a:extLst>
+                  <a:ext uri="{0D108BD9-81ED-4DB2-BD59-A6C34878D82A}">
+                    <a16:rowId xmlns:a16="http://schemas.microsoft.com/office/drawing/2014/main" val="2607931870"/>
+                  </a:ext>
+                </a:extLst>
+              </a:tr>
+              <a:tr h="328800">
+                <a:tc>
+                  <a:txBody>
+                    <a:bodyPr/>
+                    <a:lstStyle/>
+                    <a:p>
+                      <a:pPr algn="ctr" fontAlgn="ctr"/>
+                      <a:r>
+                        <a:rPr lang="en-US" altLang="ja-JP" b="1" dirty="0">
+                          <a:effectLst/>
+                        </a:rPr>
+                        <a:t>3</a:t>
+                      </a:r>
+                    </a:p>
+                  </a:txBody>
+                  <a:tcPr anchor="ctr"/>
+                </a:tc>
+                <a:tc>
+                  <a:txBody>
+                    <a:bodyPr/>
+                    <a:lstStyle/>
+                    <a:p>
+                      <a:pPr algn="ctr"/>
+                      <a:r>
+                        <a:rPr lang="en-US" altLang="ja-JP" dirty="0">
+                          <a:effectLst/>
+                        </a:rPr>
+                        <a:t>0.00</a:t>
+                      </a:r>
+                    </a:p>
+                  </a:txBody>
+                  <a:tcPr anchor="ctr"/>
+                </a:tc>
+                <a:tc>
+                  <a:txBody>
+                    <a:bodyPr/>
+                    <a:lstStyle/>
+                    <a:p>
+                      <a:pPr algn="ctr"/>
+                      <a:r>
+                        <a:rPr lang="en-US" altLang="ja-JP" dirty="0">
+                          <a:effectLst/>
+                        </a:rPr>
+                        <a:t>0.02</a:t>
+                      </a:r>
+                    </a:p>
+                  </a:txBody>
+                  <a:tcPr anchor="ctr"/>
+                </a:tc>
+                <a:tc>
+                  <a:txBody>
+                    <a:bodyPr/>
+                    <a:lstStyle/>
+                    <a:p>
+                      <a:pPr algn="ctr"/>
+                      <a:r>
+                        <a:rPr lang="en-US" altLang="ja-JP" dirty="0">
+                          <a:effectLst/>
+                        </a:rPr>
+                        <a:t>0.00</a:t>
+                      </a:r>
+                    </a:p>
+                  </a:txBody>
+                  <a:tcPr anchor="ctr"/>
+                </a:tc>
+                <a:tc>
+                  <a:txBody>
+                    <a:bodyPr/>
+                    <a:lstStyle/>
+                    <a:p>
+                      <a:pPr algn="ctr"/>
+                      <a:r>
+                        <a:rPr lang="en-US" altLang="ja-JP" dirty="0">
+                          <a:effectLst/>
+                        </a:rPr>
+                        <a:t>0.98</a:t>
+                      </a:r>
+                    </a:p>
+                  </a:txBody>
+                  <a:tcPr anchor="ctr"/>
+                </a:tc>
+                <a:extLst>
+                  <a:ext uri="{0D108BD9-81ED-4DB2-BD59-A6C34878D82A}">
+                    <a16:rowId xmlns:a16="http://schemas.microsoft.com/office/drawing/2014/main" val="3284986568"/>
+                  </a:ext>
+                </a:extLst>
+              </a:tr>
+            </a:tbl>
+          </a:graphicData>
+        </a:graphic>
+      </p:graphicFrame>
+      <p:sp>
+        <p:nvSpPr>
+          <p:cNvPr id="4" name="テキスト ボックス 3">
+            <a:extLst>
+              <a:ext uri="{FF2B5EF4-FFF2-40B4-BE49-F238E27FC236}">
+                <a16:creationId xmlns:a16="http://schemas.microsoft.com/office/drawing/2014/main" id="{88D1E2D3-3D2E-8A1F-EBCC-6529B57144B6}"/>
+              </a:ext>
+            </a:extLst>
+          </p:cNvPr>
+          <p:cNvSpPr txBox="1"/>
+          <p:nvPr/>
+        </p:nvSpPr>
+        <p:spPr>
+          <a:xfrm>
+            <a:off x="5864738" y="2027618"/>
+            <a:ext cx="1814256" cy="369332"/>
+          </a:xfrm>
+          <a:prstGeom prst="rect">
+            <a:avLst/>
+          </a:prstGeom>
+          <a:noFill/>
+        </p:spPr>
+        <p:txBody>
+          <a:bodyPr wrap="square" rtlCol="0">
+            <a:spAutoFit/>
+          </a:bodyPr>
+          <a:lstStyle/>
+          <a:p>
+            <a:pPr algn="ctr"/>
+            <a:r>
+              <a:rPr kumimoji="1" lang="ja-JP" altLang="en-US" dirty="0"/>
+              <a:t>状態遷移行列</a:t>
+            </a:r>
+          </a:p>
+        </p:txBody>
+      </p:sp>
+      <p:graphicFrame>
+        <p:nvGraphicFramePr>
+          <p:cNvPr id="5" name="表 4">
+            <a:extLst>
+              <a:ext uri="{FF2B5EF4-FFF2-40B4-BE49-F238E27FC236}">
+                <a16:creationId xmlns:a16="http://schemas.microsoft.com/office/drawing/2014/main" id="{15C0D0D3-26F5-186D-6672-E910E310DF3A}"/>
+              </a:ext>
+            </a:extLst>
+          </p:cNvPr>
+          <p:cNvGraphicFramePr>
+            <a:graphicFrameLocks noGrp="1"/>
+          </p:cNvGraphicFramePr>
+          <p:nvPr>
+            <p:extLst>
+              <p:ext uri="{D42A27DB-BD31-4B8C-83A1-F6EECF244321}">
+                <p14:modId xmlns:p14="http://schemas.microsoft.com/office/powerpoint/2010/main" val="2259564806"/>
+              </p:ext>
+            </p:extLst>
+          </p:nvPr>
+        </p:nvGraphicFramePr>
+        <p:xfrm>
+          <a:off x="1300317" y="2672253"/>
+          <a:ext cx="3500284" cy="1854200"/>
         </p:xfrm>
         <a:graphic>
           <a:graphicData uri="http://schemas.openxmlformats.org/drawingml/2006/table">
@@ -9548,21 +10928,847 @@
                 <a:tableStyleId>{5C22544A-7EE6-4342-B048-85BDC9FD1C3A}</a:tableStyleId>
               </a:tblPr>
               <a:tblGrid>
-                <a:gridCol w="2098993">
+                <a:gridCol w="841693">
+                  <a:extLst>
+                    <a:ext uri="{9D8B030D-6E8A-4147-A177-3AD203B41FA5}">
+                      <a16:colId xmlns:a16="http://schemas.microsoft.com/office/drawing/2014/main" val="911800394"/>
+                    </a:ext>
+                  </a:extLst>
+                </a:gridCol>
+                <a:gridCol w="1081405">
+                  <a:extLst>
+                    <a:ext uri="{9D8B030D-6E8A-4147-A177-3AD203B41FA5}">
+                      <a16:colId xmlns:a16="http://schemas.microsoft.com/office/drawing/2014/main" val="4164488765"/>
+                    </a:ext>
+                  </a:extLst>
+                </a:gridCol>
+                <a:gridCol w="1577186">
+                  <a:extLst>
+                    <a:ext uri="{9D8B030D-6E8A-4147-A177-3AD203B41FA5}">
+                      <a16:colId xmlns:a16="http://schemas.microsoft.com/office/drawing/2014/main" val="21220596"/>
+                    </a:ext>
+                  </a:extLst>
+                </a:gridCol>
+              </a:tblGrid>
+              <a:tr h="370840">
+                <a:tc>
+                  <a:txBody>
+                    <a:bodyPr/>
+                    <a:lstStyle/>
+                    <a:p>
+                      <a:r>
+                        <a:rPr kumimoji="1" lang="en-US" altLang="ja-JP" dirty="0"/>
+                        <a:t>State</a:t>
+                      </a:r>
+                      <a:endParaRPr kumimoji="1" lang="ja-JP" altLang="en-US" dirty="0"/>
+                    </a:p>
+                  </a:txBody>
+                  <a:tcPr/>
+                </a:tc>
+                <a:tc>
+                  <a:txBody>
+                    <a:bodyPr/>
+                    <a:lstStyle/>
+                    <a:p>
+                      <a:r>
+                        <a:rPr kumimoji="1" lang="ja-JP" altLang="en-US" dirty="0"/>
+                        <a:t>平均</a:t>
+                      </a:r>
+                      <a:r>
+                        <a:rPr kumimoji="1" lang="en-US" altLang="ja-JP" dirty="0"/>
+                        <a:t>(%)</a:t>
+                      </a:r>
+                      <a:endParaRPr kumimoji="1" lang="ja-JP" altLang="en-US" dirty="0"/>
+                    </a:p>
+                  </a:txBody>
+                  <a:tcPr/>
+                </a:tc>
+                <a:tc>
+                  <a:txBody>
+                    <a:bodyPr/>
+                    <a:lstStyle/>
+                    <a:p>
+                      <a:r>
+                        <a:rPr kumimoji="1" lang="ja-JP" altLang="en-US" dirty="0"/>
+                        <a:t>標準偏差</a:t>
+                      </a:r>
+                      <a:r>
+                        <a:rPr kumimoji="1" lang="en-US" altLang="ja-JP" dirty="0"/>
+                        <a:t>(%)</a:t>
+                      </a:r>
+                      <a:endParaRPr kumimoji="1" lang="ja-JP" altLang="en-US" dirty="0"/>
+                    </a:p>
+                  </a:txBody>
+                  <a:tcPr/>
+                </a:tc>
+                <a:extLst>
+                  <a:ext uri="{0D108BD9-81ED-4DB2-BD59-A6C34878D82A}">
+                    <a16:rowId xmlns:a16="http://schemas.microsoft.com/office/drawing/2014/main" val="1656194049"/>
+                  </a:ext>
+                </a:extLst>
+              </a:tr>
+              <a:tr h="370840">
+                <a:tc>
+                  <a:txBody>
+                    <a:bodyPr/>
+                    <a:lstStyle/>
+                    <a:p>
+                      <a:pPr algn="ctr"/>
+                      <a:r>
+                        <a:rPr kumimoji="1" lang="en-US" altLang="ja-JP" dirty="0"/>
+                        <a:t>0</a:t>
+                      </a:r>
+                      <a:endParaRPr kumimoji="1" lang="ja-JP" altLang="en-US" dirty="0"/>
+                    </a:p>
+                  </a:txBody>
+                  <a:tcPr/>
+                </a:tc>
+                <a:tc>
+                  <a:txBody>
+                    <a:bodyPr/>
+                    <a:lstStyle/>
+                    <a:p>
+                      <a:pPr algn="ctr"/>
+                      <a:r>
+                        <a:rPr kumimoji="1" lang="en-US" altLang="ja-JP" dirty="0"/>
+                        <a:t>-0.07</a:t>
+                      </a:r>
+                      <a:endParaRPr kumimoji="1" lang="ja-JP" altLang="en-US" dirty="0"/>
+                    </a:p>
+                  </a:txBody>
+                  <a:tcPr/>
+                </a:tc>
+                <a:tc>
+                  <a:txBody>
+                    <a:bodyPr/>
+                    <a:lstStyle/>
+                    <a:p>
+                      <a:pPr algn="ctr"/>
+                      <a:r>
+                        <a:rPr kumimoji="1" lang="en-US" altLang="ja-JP" dirty="0"/>
+                        <a:t>1.59</a:t>
+                      </a:r>
+                      <a:endParaRPr kumimoji="1" lang="ja-JP" altLang="en-US" dirty="0"/>
+                    </a:p>
+                  </a:txBody>
+                  <a:tcPr/>
+                </a:tc>
+                <a:extLst>
+                  <a:ext uri="{0D108BD9-81ED-4DB2-BD59-A6C34878D82A}">
+                    <a16:rowId xmlns:a16="http://schemas.microsoft.com/office/drawing/2014/main" val="453914764"/>
+                  </a:ext>
+                </a:extLst>
+              </a:tr>
+              <a:tr h="370840">
+                <a:tc>
+                  <a:txBody>
+                    <a:bodyPr/>
+                    <a:lstStyle/>
+                    <a:p>
+                      <a:pPr algn="ctr"/>
+                      <a:r>
+                        <a:rPr kumimoji="1" lang="en-US" altLang="ja-JP" dirty="0"/>
+                        <a:t>1</a:t>
+                      </a:r>
+                      <a:endParaRPr kumimoji="1" lang="ja-JP" altLang="en-US" dirty="0"/>
+                    </a:p>
+                  </a:txBody>
+                  <a:tcPr/>
+                </a:tc>
+                <a:tc>
+                  <a:txBody>
+                    <a:bodyPr/>
+                    <a:lstStyle/>
+                    <a:p>
+                      <a:pPr algn="ctr"/>
+                      <a:r>
+                        <a:rPr kumimoji="1" lang="en-US" altLang="ja-JP" dirty="0"/>
+                        <a:t>0.04</a:t>
+                      </a:r>
+                      <a:endParaRPr kumimoji="1" lang="ja-JP" altLang="en-US" dirty="0"/>
+                    </a:p>
+                  </a:txBody>
+                  <a:tcPr/>
+                </a:tc>
+                <a:tc>
+                  <a:txBody>
+                    <a:bodyPr/>
+                    <a:lstStyle/>
+                    <a:p>
+                      <a:pPr algn="ctr"/>
+                      <a:r>
+                        <a:rPr kumimoji="1" lang="en-US" altLang="ja-JP" dirty="0"/>
+                        <a:t>0.91</a:t>
+                      </a:r>
+                      <a:endParaRPr kumimoji="1" lang="ja-JP" altLang="en-US" dirty="0"/>
+                    </a:p>
+                  </a:txBody>
+                  <a:tcPr/>
+                </a:tc>
+                <a:extLst>
+                  <a:ext uri="{0D108BD9-81ED-4DB2-BD59-A6C34878D82A}">
+                    <a16:rowId xmlns:a16="http://schemas.microsoft.com/office/drawing/2014/main" val="1186432334"/>
+                  </a:ext>
+                </a:extLst>
+              </a:tr>
+              <a:tr h="370840">
+                <a:tc>
+                  <a:txBody>
+                    <a:bodyPr/>
+                    <a:lstStyle/>
+                    <a:p>
+                      <a:pPr algn="ctr"/>
+                      <a:r>
+                        <a:rPr kumimoji="1" lang="en-US" altLang="ja-JP" dirty="0"/>
+                        <a:t>2</a:t>
+                      </a:r>
+                      <a:endParaRPr kumimoji="1" lang="ja-JP" altLang="en-US" dirty="0"/>
+                    </a:p>
+                  </a:txBody>
+                  <a:tcPr/>
+                </a:tc>
+                <a:tc>
+                  <a:txBody>
+                    <a:bodyPr/>
+                    <a:lstStyle/>
+                    <a:p>
+                      <a:pPr algn="ctr"/>
+                      <a:r>
+                        <a:rPr kumimoji="1" lang="en-US" altLang="ja-JP" dirty="0"/>
+                        <a:t>-0.25</a:t>
+                      </a:r>
+                      <a:endParaRPr kumimoji="1" lang="ja-JP" altLang="en-US" dirty="0"/>
+                    </a:p>
+                  </a:txBody>
+                  <a:tcPr/>
+                </a:tc>
+                <a:tc>
+                  <a:txBody>
+                    <a:bodyPr/>
+                    <a:lstStyle/>
+                    <a:p>
+                      <a:pPr algn="ctr"/>
+                      <a:r>
+                        <a:rPr kumimoji="1" lang="en-US" altLang="ja-JP" dirty="0"/>
+                        <a:t>3.84</a:t>
+                      </a:r>
+                      <a:endParaRPr kumimoji="1" lang="ja-JP" altLang="en-US" dirty="0"/>
+                    </a:p>
+                  </a:txBody>
+                  <a:tcPr/>
+                </a:tc>
+                <a:extLst>
+                  <a:ext uri="{0D108BD9-81ED-4DB2-BD59-A6C34878D82A}">
+                    <a16:rowId xmlns:a16="http://schemas.microsoft.com/office/drawing/2014/main" val="282254351"/>
+                  </a:ext>
+                </a:extLst>
+              </a:tr>
+              <a:tr h="370840">
+                <a:tc>
+                  <a:txBody>
+                    <a:bodyPr/>
+                    <a:lstStyle/>
+                    <a:p>
+                      <a:pPr algn="ctr"/>
+                      <a:r>
+                        <a:rPr kumimoji="1" lang="en-US" altLang="ja-JP" dirty="0"/>
+                        <a:t>3</a:t>
+                      </a:r>
+                      <a:endParaRPr kumimoji="1" lang="ja-JP" altLang="en-US" dirty="0"/>
+                    </a:p>
+                  </a:txBody>
+                  <a:tcPr/>
+                </a:tc>
+                <a:tc>
+                  <a:txBody>
+                    <a:bodyPr/>
+                    <a:lstStyle/>
+                    <a:p>
+                      <a:pPr algn="ctr"/>
+                      <a:r>
+                        <a:rPr kumimoji="1" lang="en-US" altLang="ja-JP" dirty="0"/>
+                        <a:t>0.08</a:t>
+                      </a:r>
+                      <a:endParaRPr kumimoji="1" lang="ja-JP" altLang="en-US" dirty="0"/>
+                    </a:p>
+                  </a:txBody>
+                  <a:tcPr/>
+                </a:tc>
+                <a:tc>
+                  <a:txBody>
+                    <a:bodyPr/>
+                    <a:lstStyle/>
+                    <a:p>
+                      <a:pPr algn="ctr"/>
+                      <a:r>
+                        <a:rPr kumimoji="1" lang="en-US" altLang="ja-JP" dirty="0"/>
+                        <a:t>0.52</a:t>
+                      </a:r>
+                      <a:endParaRPr kumimoji="1" lang="ja-JP" altLang="en-US" dirty="0"/>
+                    </a:p>
+                  </a:txBody>
+                  <a:tcPr/>
+                </a:tc>
+                <a:extLst>
+                  <a:ext uri="{0D108BD9-81ED-4DB2-BD59-A6C34878D82A}">
+                    <a16:rowId xmlns:a16="http://schemas.microsoft.com/office/drawing/2014/main" val="1270717161"/>
+                  </a:ext>
+                </a:extLst>
+              </a:tr>
+            </a:tbl>
+          </a:graphicData>
+        </a:graphic>
+      </p:graphicFrame>
+      <p:sp>
+        <p:nvSpPr>
+          <p:cNvPr id="6" name="テキスト ボックス 5">
+            <a:extLst>
+              <a:ext uri="{FF2B5EF4-FFF2-40B4-BE49-F238E27FC236}">
+                <a16:creationId xmlns:a16="http://schemas.microsoft.com/office/drawing/2014/main" id="{2B688642-6DF0-53BF-EBB4-93358A5E98AA}"/>
+              </a:ext>
+            </a:extLst>
+          </p:cNvPr>
+          <p:cNvSpPr txBox="1"/>
+          <p:nvPr/>
+        </p:nvSpPr>
+        <p:spPr>
+          <a:xfrm>
+            <a:off x="1081344" y="2027618"/>
+            <a:ext cx="3028539" cy="369332"/>
+          </a:xfrm>
+          <a:prstGeom prst="rect">
+            <a:avLst/>
+          </a:prstGeom>
+          <a:noFill/>
+        </p:spPr>
+        <p:txBody>
+          <a:bodyPr wrap="square" rtlCol="0">
+            <a:spAutoFit/>
+          </a:bodyPr>
+          <a:lstStyle/>
+          <a:p>
+            <a:pPr algn="ctr"/>
+            <a:r>
+              <a:rPr lang="ja-JP" altLang="en-US" dirty="0"/>
+              <a:t>各状態の平均と標準偏差</a:t>
+            </a:r>
+            <a:endParaRPr kumimoji="1" lang="ja-JP" altLang="en-US" dirty="0"/>
+          </a:p>
+        </p:txBody>
+      </p:sp>
+    </p:spTree>
+    <p:extLst>
+      <p:ext uri="{BB962C8B-B14F-4D97-AF65-F5344CB8AC3E}">
+        <p14:creationId xmlns:p14="http://schemas.microsoft.com/office/powerpoint/2010/main" val="783450776"/>
+      </p:ext>
+    </p:extLst>
+  </p:cSld>
+  <p:clrMapOvr>
+    <a:masterClrMapping/>
+  </p:clrMapOvr>
+</p:sld>
+</file>
+
+<file path=ppt/slides/slide23.xml><?xml version="1.0" encoding="utf-8"?>
+<p:sld xmlns:a="http://schemas.openxmlformats.org/drawingml/2006/main" xmlns:r="http://schemas.openxmlformats.org/officeDocument/2006/relationships" xmlns:p="http://schemas.openxmlformats.org/presentationml/2006/main">
+  <p:cSld>
+    <p:spTree>
+      <p:nvGrpSpPr>
+        <p:cNvPr id="1" name=""/>
+        <p:cNvGrpSpPr/>
+        <p:nvPr/>
+      </p:nvGrpSpPr>
+      <p:grpSpPr>
+        <a:xfrm>
+          <a:off x="0" y="0"/>
+          <a:ext cx="0" cy="0"/>
+          <a:chOff x="0" y="0"/>
+          <a:chExt cx="0" cy="0"/>
+        </a:xfrm>
+      </p:grpSpPr>
+      <p:pic>
+        <p:nvPicPr>
+          <p:cNvPr id="3076" name="Picture 4">
+            <a:extLst>
+              <a:ext uri="{FF2B5EF4-FFF2-40B4-BE49-F238E27FC236}">
+                <a16:creationId xmlns:a16="http://schemas.microsoft.com/office/drawing/2014/main" id="{4D7E6344-3D09-F653-F978-6F82E4AEB44B}"/>
+              </a:ext>
+            </a:extLst>
+          </p:cNvPr>
+          <p:cNvPicPr>
+            <a:picLocks noChangeAspect="1" noChangeArrowheads="1"/>
+          </p:cNvPicPr>
+          <p:nvPr/>
+        </p:nvPicPr>
+        <p:blipFill>
+          <a:blip r:embed="rId2">
+            <a:extLst>
+              <a:ext uri="{28A0092B-C50C-407E-A947-70E740481C1C}">
+                <a14:useLocalDpi xmlns:a14="http://schemas.microsoft.com/office/drawing/2010/main" val="0"/>
+              </a:ext>
+            </a:extLst>
+          </a:blip>
+          <a:srcRect/>
+          <a:stretch>
+            <a:fillRect/>
+          </a:stretch>
+        </p:blipFill>
+        <p:spPr bwMode="auto">
+          <a:xfrm>
+            <a:off x="816077" y="602252"/>
+            <a:ext cx="10240295" cy="2826748"/>
+          </a:xfrm>
+          <a:prstGeom prst="rect">
+            <a:avLst/>
+          </a:prstGeom>
+          <a:noFill/>
+          <a:extLst>
+            <a:ext uri="{909E8E84-426E-40DD-AFC4-6F175D3DCCD1}">
+              <a14:hiddenFill xmlns:a14="http://schemas.microsoft.com/office/drawing/2010/main">
+                <a:solidFill>
+                  <a:srgbClr val="FFFFFF"/>
+                </a:solidFill>
+              </a14:hiddenFill>
+            </a:ext>
+          </a:extLst>
+        </p:spPr>
+      </p:pic>
+      <p:pic>
+        <p:nvPicPr>
+          <p:cNvPr id="3078" name="Picture 6">
+            <a:extLst>
+              <a:ext uri="{FF2B5EF4-FFF2-40B4-BE49-F238E27FC236}">
+                <a16:creationId xmlns:a16="http://schemas.microsoft.com/office/drawing/2014/main" id="{5B582FBC-0A8F-159F-FF1A-7D1F3D004615}"/>
+              </a:ext>
+            </a:extLst>
+          </p:cNvPr>
+          <p:cNvPicPr>
+            <a:picLocks noChangeAspect="1" noChangeArrowheads="1"/>
+          </p:cNvPicPr>
+          <p:nvPr/>
+        </p:nvPicPr>
+        <p:blipFill>
+          <a:blip r:embed="rId3">
+            <a:extLst>
+              <a:ext uri="{28A0092B-C50C-407E-A947-70E740481C1C}">
+                <a14:useLocalDpi xmlns:a14="http://schemas.microsoft.com/office/drawing/2010/main" val="0"/>
+              </a:ext>
+            </a:extLst>
+          </a:blip>
+          <a:srcRect/>
+          <a:stretch>
+            <a:fillRect/>
+          </a:stretch>
+        </p:blipFill>
+        <p:spPr bwMode="auto">
+          <a:xfrm>
+            <a:off x="816077" y="3928583"/>
+            <a:ext cx="10240295" cy="2929417"/>
+          </a:xfrm>
+          <a:prstGeom prst="rect">
+            <a:avLst/>
+          </a:prstGeom>
+          <a:noFill/>
+          <a:extLst>
+            <a:ext uri="{909E8E84-426E-40DD-AFC4-6F175D3DCCD1}">
+              <a14:hiddenFill xmlns:a14="http://schemas.microsoft.com/office/drawing/2010/main">
+                <a:solidFill>
+                  <a:srgbClr val="FFFFFF"/>
+                </a:solidFill>
+              </a14:hiddenFill>
+            </a:ext>
+          </a:extLst>
+        </p:spPr>
+      </p:pic>
+      <p:sp>
+        <p:nvSpPr>
+          <p:cNvPr id="4" name="テキスト ボックス 3">
+            <a:extLst>
+              <a:ext uri="{FF2B5EF4-FFF2-40B4-BE49-F238E27FC236}">
+                <a16:creationId xmlns:a16="http://schemas.microsoft.com/office/drawing/2014/main" id="{E8D01939-C814-D500-813E-F4A7CD4D71BD}"/>
+              </a:ext>
+            </a:extLst>
+          </p:cNvPr>
+          <p:cNvSpPr txBox="1"/>
+          <p:nvPr/>
+        </p:nvSpPr>
+        <p:spPr>
+          <a:xfrm>
+            <a:off x="1104422" y="3494125"/>
+            <a:ext cx="2808817" cy="369332"/>
+          </a:xfrm>
+          <a:prstGeom prst="rect">
+            <a:avLst/>
+          </a:prstGeom>
+          <a:noFill/>
+        </p:spPr>
+        <p:txBody>
+          <a:bodyPr wrap="square" rtlCol="0">
+            <a:spAutoFit/>
+          </a:bodyPr>
+          <a:lstStyle/>
+          <a:p>
+            <a:r>
+              <a:rPr lang="en-US" altLang="ja-JP" dirty="0"/>
+              <a:t>HMM</a:t>
+            </a:r>
+            <a:r>
+              <a:rPr kumimoji="1" lang="ja-JP" altLang="en-US" dirty="0"/>
+              <a:t>で発生させた系列</a:t>
+            </a:r>
+          </a:p>
+        </p:txBody>
+      </p:sp>
+      <p:sp>
+        <p:nvSpPr>
+          <p:cNvPr id="5" name="テキスト ボックス 4">
+            <a:extLst>
+              <a:ext uri="{FF2B5EF4-FFF2-40B4-BE49-F238E27FC236}">
+                <a16:creationId xmlns:a16="http://schemas.microsoft.com/office/drawing/2014/main" id="{70BE5864-F103-21EB-59A8-5072D9F9DBE7}"/>
+              </a:ext>
+            </a:extLst>
+          </p:cNvPr>
+          <p:cNvSpPr txBox="1"/>
+          <p:nvPr/>
+        </p:nvSpPr>
+        <p:spPr>
+          <a:xfrm>
+            <a:off x="922525" y="167794"/>
+            <a:ext cx="2808817" cy="369332"/>
+          </a:xfrm>
+          <a:prstGeom prst="rect">
+            <a:avLst/>
+          </a:prstGeom>
+          <a:noFill/>
+        </p:spPr>
+        <p:txBody>
+          <a:bodyPr wrap="square" rtlCol="0">
+            <a:spAutoFit/>
+          </a:bodyPr>
+          <a:lstStyle/>
+          <a:p>
+            <a:r>
+              <a:rPr lang="ja-JP" altLang="en-US" dirty="0"/>
+              <a:t>実際の系列</a:t>
+            </a:r>
+            <a:endParaRPr kumimoji="1" lang="ja-JP" altLang="en-US" dirty="0"/>
+          </a:p>
+        </p:txBody>
+      </p:sp>
+    </p:spTree>
+    <p:extLst>
+      <p:ext uri="{BB962C8B-B14F-4D97-AF65-F5344CB8AC3E}">
+        <p14:creationId xmlns:p14="http://schemas.microsoft.com/office/powerpoint/2010/main" val="2287798328"/>
+      </p:ext>
+    </p:extLst>
+  </p:cSld>
+  <p:clrMapOvr>
+    <a:masterClrMapping/>
+  </p:clrMapOvr>
+</p:sld>
+</file>
+
+<file path=ppt/slides/slide24.xml><?xml version="1.0" encoding="utf-8"?>
+<p:sld xmlns:a="http://schemas.openxmlformats.org/drawingml/2006/main" xmlns:r="http://schemas.openxmlformats.org/officeDocument/2006/relationships" xmlns:p="http://schemas.openxmlformats.org/presentationml/2006/main">
+  <p:cSld>
+    <p:spTree>
+      <p:nvGrpSpPr>
+        <p:cNvPr id="1" name=""/>
+        <p:cNvGrpSpPr/>
+        <p:nvPr/>
+      </p:nvGrpSpPr>
+      <p:grpSpPr>
+        <a:xfrm>
+          <a:off x="0" y="0"/>
+          <a:ext cx="0" cy="0"/>
+          <a:chOff x="0" y="0"/>
+          <a:chExt cx="0" cy="0"/>
+        </a:xfrm>
+      </p:grpSpPr>
+      <p:pic>
+        <p:nvPicPr>
+          <p:cNvPr id="5122" name="Picture 2">
+            <a:extLst>
+              <a:ext uri="{FF2B5EF4-FFF2-40B4-BE49-F238E27FC236}">
+                <a16:creationId xmlns:a16="http://schemas.microsoft.com/office/drawing/2014/main" id="{D3306D67-E442-40C3-6E80-5C0ECF4F0B36}"/>
+              </a:ext>
+            </a:extLst>
+          </p:cNvPr>
+          <p:cNvPicPr>
+            <a:picLocks noChangeAspect="1" noChangeArrowheads="1"/>
+          </p:cNvPicPr>
+          <p:nvPr/>
+        </p:nvPicPr>
+        <p:blipFill>
+          <a:blip r:embed="rId2">
+            <a:extLst>
+              <a:ext uri="{28A0092B-C50C-407E-A947-70E740481C1C}">
+                <a14:useLocalDpi xmlns:a14="http://schemas.microsoft.com/office/drawing/2010/main" val="0"/>
+              </a:ext>
+            </a:extLst>
+          </a:blip>
+          <a:srcRect/>
+          <a:stretch>
+            <a:fillRect/>
+          </a:stretch>
+        </p:blipFill>
+        <p:spPr bwMode="auto">
+          <a:xfrm>
+            <a:off x="162232" y="1791033"/>
+            <a:ext cx="11867535" cy="3275934"/>
+          </a:xfrm>
+          <a:prstGeom prst="rect">
+            <a:avLst/>
+          </a:prstGeom>
+          <a:noFill/>
+          <a:extLst>
+            <a:ext uri="{909E8E84-426E-40DD-AFC4-6F175D3DCCD1}">
+              <a14:hiddenFill xmlns:a14="http://schemas.microsoft.com/office/drawing/2010/main">
+                <a:solidFill>
+                  <a:srgbClr val="FFFFFF"/>
+                </a:solidFill>
+              </a14:hiddenFill>
+            </a:ext>
+          </a:extLst>
+        </p:spPr>
+      </p:pic>
+      <p:sp>
+        <p:nvSpPr>
+          <p:cNvPr id="3" name="テキスト ボックス 2">
+            <a:extLst>
+              <a:ext uri="{FF2B5EF4-FFF2-40B4-BE49-F238E27FC236}">
+                <a16:creationId xmlns:a16="http://schemas.microsoft.com/office/drawing/2014/main" id="{CDB94706-E382-2372-8C63-0F178AE85A01}"/>
+              </a:ext>
+            </a:extLst>
+          </p:cNvPr>
+          <p:cNvSpPr txBox="1"/>
+          <p:nvPr/>
+        </p:nvSpPr>
+        <p:spPr>
+          <a:xfrm>
+            <a:off x="362086" y="972181"/>
+            <a:ext cx="7552882" cy="461665"/>
+          </a:xfrm>
+          <a:prstGeom prst="rect">
+            <a:avLst/>
+          </a:prstGeom>
+          <a:noFill/>
+        </p:spPr>
+        <p:txBody>
+          <a:bodyPr wrap="square" rtlCol="0">
+            <a:spAutoFit/>
+          </a:bodyPr>
+          <a:lstStyle/>
+          <a:p>
+            <a:r>
+              <a:rPr lang="ja-JP" altLang="en-US" sz="2400" dirty="0"/>
+              <a:t>実際の系列と推定された状態（直近を拡大）</a:t>
+            </a:r>
+            <a:endParaRPr kumimoji="1" lang="ja-JP" altLang="en-US" sz="2400" dirty="0"/>
+          </a:p>
+        </p:txBody>
+      </p:sp>
+    </p:spTree>
+    <p:extLst>
+      <p:ext uri="{BB962C8B-B14F-4D97-AF65-F5344CB8AC3E}">
+        <p14:creationId xmlns:p14="http://schemas.microsoft.com/office/powerpoint/2010/main" val="3277995823"/>
+      </p:ext>
+    </p:extLst>
+  </p:cSld>
+  <p:clrMapOvr>
+    <a:masterClrMapping/>
+  </p:clrMapOvr>
+</p:sld>
+</file>
+
+<file path=ppt/slides/slide25.xml><?xml version="1.0" encoding="utf-8"?>
+<p:sld xmlns:a="http://schemas.openxmlformats.org/drawingml/2006/main" xmlns:r="http://schemas.openxmlformats.org/officeDocument/2006/relationships" xmlns:p="http://schemas.openxmlformats.org/presentationml/2006/main">
+  <p:cSld>
+    <p:spTree>
+      <p:nvGrpSpPr>
+        <p:cNvPr id="1" name=""/>
+        <p:cNvGrpSpPr/>
+        <p:nvPr/>
+      </p:nvGrpSpPr>
+      <p:grpSpPr>
+        <a:xfrm>
+          <a:off x="0" y="0"/>
+          <a:ext cx="0" cy="0"/>
+          <a:chOff x="0" y="0"/>
+          <a:chExt cx="0" cy="0"/>
+        </a:xfrm>
+      </p:grpSpPr>
+      <p:sp>
+        <p:nvSpPr>
+          <p:cNvPr id="2" name="タイトル 1">
+            <a:extLst>
+              <a:ext uri="{FF2B5EF4-FFF2-40B4-BE49-F238E27FC236}">
+                <a16:creationId xmlns:a16="http://schemas.microsoft.com/office/drawing/2014/main" id="{A6156CF8-E729-7BAC-A7A0-AF7AD15D62D5}"/>
+              </a:ext>
+            </a:extLst>
+          </p:cNvPr>
+          <p:cNvSpPr>
+            <a:spLocks noGrp="1"/>
+          </p:cNvSpPr>
+          <p:nvPr>
+            <p:ph type="title"/>
+          </p:nvPr>
+        </p:nvSpPr>
+        <p:spPr>
+          <a:xfrm>
+            <a:off x="394520" y="138983"/>
+            <a:ext cx="4590436" cy="795081"/>
+          </a:xfrm>
+        </p:spPr>
+        <p:txBody>
+          <a:bodyPr>
+            <a:normAutofit/>
+          </a:bodyPr>
+          <a:lstStyle/>
+          <a:p>
+            <a:r>
+              <a:rPr lang="ja-JP" altLang="en-US" sz="2800" u="sng" dirty="0"/>
+              <a:t>まとめ</a:t>
+            </a:r>
+            <a:endParaRPr kumimoji="1" lang="ja-JP" altLang="en-US" sz="2800" u="sng" dirty="0"/>
+          </a:p>
+        </p:txBody>
+      </p:sp>
+      <p:sp>
+        <p:nvSpPr>
+          <p:cNvPr id="3" name="コンテンツ プレースホルダー 2">
+            <a:extLst>
+              <a:ext uri="{FF2B5EF4-FFF2-40B4-BE49-F238E27FC236}">
+                <a16:creationId xmlns:a16="http://schemas.microsoft.com/office/drawing/2014/main" id="{4363BC86-9F09-60D6-9DAD-197484D9DC21}"/>
+              </a:ext>
+            </a:extLst>
+          </p:cNvPr>
+          <p:cNvSpPr>
+            <a:spLocks noGrp="1"/>
+          </p:cNvSpPr>
+          <p:nvPr>
+            <p:ph idx="1"/>
+          </p:nvPr>
+        </p:nvSpPr>
+        <p:spPr>
+          <a:xfrm>
+            <a:off x="394520" y="3603523"/>
+            <a:ext cx="11217378" cy="2912806"/>
+          </a:xfrm>
+        </p:spPr>
+        <p:txBody>
+          <a:bodyPr>
+            <a:normAutofit/>
+          </a:bodyPr>
+          <a:lstStyle/>
+          <a:p>
+            <a:pPr marL="0" indent="0">
+              <a:buNone/>
+            </a:pPr>
+            <a:r>
+              <a:rPr kumimoji="1" lang="ja-JP" altLang="en-US" u="sng" dirty="0"/>
+              <a:t>今後の課題</a:t>
+            </a:r>
+            <a:endParaRPr kumimoji="1" lang="en-US" altLang="ja-JP" u="sng" dirty="0"/>
+          </a:p>
+          <a:p>
+            <a:pPr lvl="1"/>
+            <a:r>
+              <a:rPr kumimoji="1" lang="ja-JP" altLang="en-US" dirty="0"/>
+              <a:t>先行研究の調査</a:t>
+            </a:r>
+            <a:endParaRPr kumimoji="1" lang="en-US" altLang="ja-JP" dirty="0"/>
+          </a:p>
+          <a:p>
+            <a:pPr lvl="1"/>
+            <a:r>
+              <a:rPr lang="ja-JP" altLang="en-US" dirty="0"/>
+              <a:t>先端</a:t>
+            </a:r>
+            <a:r>
+              <a:rPr kumimoji="1" lang="ja-JP" altLang="en-US" dirty="0"/>
+              <a:t>モデルでの時系列生成</a:t>
+            </a:r>
+            <a:endParaRPr kumimoji="1" lang="en-US" altLang="ja-JP" dirty="0"/>
+          </a:p>
+          <a:p>
+            <a:pPr lvl="2"/>
+            <a:r>
+              <a:rPr lang="en-US" altLang="ja-JP" sz="2400" dirty="0"/>
+              <a:t>VAE</a:t>
+            </a:r>
+          </a:p>
+          <a:p>
+            <a:pPr lvl="2"/>
+            <a:r>
+              <a:rPr kumimoji="1" lang="en-US" altLang="ja-JP" sz="2400" dirty="0"/>
+              <a:t>GAN</a:t>
+            </a:r>
+          </a:p>
+          <a:p>
+            <a:pPr lvl="2"/>
+            <a:r>
+              <a:rPr lang="ja-JP" altLang="en-US" sz="2400" dirty="0"/>
+              <a:t>拡散モデル</a:t>
+            </a:r>
+            <a:endParaRPr kumimoji="1" lang="en-US" altLang="ja-JP" sz="2400" dirty="0"/>
+          </a:p>
+          <a:p>
+            <a:pPr lvl="1"/>
+            <a:r>
+              <a:rPr lang="ja-JP" altLang="en-US" dirty="0"/>
+              <a:t>相関のある複数系列の生成</a:t>
+            </a:r>
+            <a:endParaRPr kumimoji="1" lang="ja-JP" altLang="en-US" dirty="0"/>
+          </a:p>
+        </p:txBody>
+      </p:sp>
+      <p:graphicFrame>
+        <p:nvGraphicFramePr>
+          <p:cNvPr id="4" name="コンテンツ プレースホルダー 3">
+            <a:extLst>
+              <a:ext uri="{FF2B5EF4-FFF2-40B4-BE49-F238E27FC236}">
+                <a16:creationId xmlns:a16="http://schemas.microsoft.com/office/drawing/2014/main" id="{B4339C99-B2C5-740B-60FF-DA9A6BA7355A}"/>
+              </a:ext>
+            </a:extLst>
+          </p:cNvPr>
+          <p:cNvGraphicFramePr>
+            <a:graphicFrameLocks/>
+          </p:cNvGraphicFramePr>
+          <p:nvPr>
+            <p:extLst>
+              <p:ext uri="{D42A27DB-BD31-4B8C-83A1-F6EECF244321}">
+                <p14:modId xmlns:p14="http://schemas.microsoft.com/office/powerpoint/2010/main" val="4191140754"/>
+              </p:ext>
+            </p:extLst>
+          </p:nvPr>
+        </p:nvGraphicFramePr>
+        <p:xfrm>
+          <a:off x="2594689" y="739878"/>
+          <a:ext cx="5625077" cy="2286000"/>
+        </p:xfrm>
+        <a:graphic>
+          <a:graphicData uri="http://schemas.openxmlformats.org/drawingml/2006/table">
+            <a:tbl>
+              <a:tblPr firstRow="1" bandRow="1">
+                <a:tableStyleId>{5C22544A-7EE6-4342-B048-85BDC9FD1C3A}</a:tableStyleId>
+              </a:tblPr>
+              <a:tblGrid>
+                <a:gridCol w="2352291">
                   <a:extLst>
                     <a:ext uri="{9D8B030D-6E8A-4147-A177-3AD203B41FA5}">
                       <a16:colId xmlns:a16="http://schemas.microsoft.com/office/drawing/2014/main" val="4029581210"/>
                     </a:ext>
                   </a:extLst>
                 </a:gridCol>
-                <a:gridCol w="1284329">
+                <a:gridCol w="1439317">
                   <a:extLst>
                     <a:ext uri="{9D8B030D-6E8A-4147-A177-3AD203B41FA5}">
                       <a16:colId xmlns:a16="http://schemas.microsoft.com/office/drawing/2014/main" val="4083907131"/>
                     </a:ext>
                   </a:extLst>
                 </a:gridCol>
-                <a:gridCol w="1636038">
+                <a:gridCol w="1833469">
                   <a:extLst>
                     <a:ext uri="{9D8B030D-6E8A-4147-A177-3AD203B41FA5}">
                       <a16:colId xmlns:a16="http://schemas.microsoft.com/office/drawing/2014/main" val="3210307963"/>
@@ -9624,7 +11830,7 @@
                     <a:p>
                       <a:r>
                         <a:rPr kumimoji="1" lang="ja-JP" altLang="en-US" sz="2400" dirty="0"/>
-                        <a:t>正規乱数</a:t>
+                        <a:t>①正規乱数</a:t>
                       </a:r>
                     </a:p>
                   </a:txBody>
@@ -9674,7 +11880,7 @@
                     <a:p>
                       <a:r>
                         <a:rPr kumimoji="1" lang="ja-JP" altLang="en-US" sz="2400" dirty="0"/>
-                        <a:t>安定分布</a:t>
+                        <a:t>②安定分布</a:t>
                       </a:r>
                     </a:p>
                   </a:txBody>
@@ -9721,6 +11927,10 @@
                     <a:bodyPr/>
                     <a:lstStyle/>
                     <a:p>
+                      <a:r>
+                        <a:rPr kumimoji="1" lang="ja-JP" altLang="en-US" sz="2400" dirty="0"/>
+                        <a:t>③</a:t>
+                      </a:r>
                       <a:r>
                         <a:rPr kumimoji="1" lang="en-US" altLang="ja-JP" sz="2400" dirty="0"/>
                         <a:t>GARCH(1,1)</a:t>
@@ -9772,7 +11982,7 @@
                     <a:p>
                       <a:r>
                         <a:rPr kumimoji="1" lang="ja-JP" altLang="en-US" sz="2400" dirty="0"/>
-                        <a:t>隠れマルコフ</a:t>
+                        <a:t>④隠れマルコフ</a:t>
                       </a:r>
                     </a:p>
                   </a:txBody>
@@ -9819,139 +12029,6 @@
     </p:spTree>
     <p:extLst>
       <p:ext uri="{BB962C8B-B14F-4D97-AF65-F5344CB8AC3E}">
-        <p14:creationId xmlns:p14="http://schemas.microsoft.com/office/powerpoint/2010/main" val="1984776337"/>
-      </p:ext>
-    </p:extLst>
-  </p:cSld>
-  <p:clrMapOvr>
-    <a:masterClrMapping/>
-  </p:clrMapOvr>
-</p:sld>
-</file>
-
-<file path=ppt/slides/slide23.xml><?xml version="1.0" encoding="utf-8"?>
-<p:sld xmlns:a="http://schemas.openxmlformats.org/drawingml/2006/main" xmlns:r="http://schemas.openxmlformats.org/officeDocument/2006/relationships" xmlns:p="http://schemas.openxmlformats.org/presentationml/2006/main">
-  <p:cSld>
-    <p:spTree>
-      <p:nvGrpSpPr>
-        <p:cNvPr id="1" name=""/>
-        <p:cNvGrpSpPr/>
-        <p:nvPr/>
-      </p:nvGrpSpPr>
-      <p:grpSpPr>
-        <a:xfrm>
-          <a:off x="0" y="0"/>
-          <a:ext cx="0" cy="0"/>
-          <a:chOff x="0" y="0"/>
-          <a:chExt cx="0" cy="0"/>
-        </a:xfrm>
-      </p:grpSpPr>
-      <p:sp>
-        <p:nvSpPr>
-          <p:cNvPr id="2" name="タイトル 1">
-            <a:extLst>
-              <a:ext uri="{FF2B5EF4-FFF2-40B4-BE49-F238E27FC236}">
-                <a16:creationId xmlns:a16="http://schemas.microsoft.com/office/drawing/2014/main" id="{A6156CF8-E729-7BAC-A7A0-AF7AD15D62D5}"/>
-              </a:ext>
-            </a:extLst>
-          </p:cNvPr>
-          <p:cNvSpPr>
-            <a:spLocks noGrp="1"/>
-          </p:cNvSpPr>
-          <p:nvPr>
-            <p:ph type="title"/>
-          </p:nvPr>
-        </p:nvSpPr>
-        <p:spPr>
-          <a:xfrm>
-            <a:off x="169607" y="138983"/>
-            <a:ext cx="10515600" cy="795081"/>
-          </a:xfrm>
-        </p:spPr>
-        <p:txBody>
-          <a:bodyPr>
-            <a:normAutofit/>
-          </a:bodyPr>
-          <a:lstStyle/>
-          <a:p>
-            <a:r>
-              <a:rPr lang="ja-JP" altLang="en-US" sz="3600" dirty="0"/>
-              <a:t>課題</a:t>
-            </a:r>
-            <a:endParaRPr kumimoji="1" lang="ja-JP" altLang="en-US" sz="3600" dirty="0"/>
-          </a:p>
-        </p:txBody>
-      </p:sp>
-      <p:sp>
-        <p:nvSpPr>
-          <p:cNvPr id="3" name="コンテンツ プレースホルダー 2">
-            <a:extLst>
-              <a:ext uri="{FF2B5EF4-FFF2-40B4-BE49-F238E27FC236}">
-                <a16:creationId xmlns:a16="http://schemas.microsoft.com/office/drawing/2014/main" id="{4363BC86-9F09-60D6-9DAD-197484D9DC21}"/>
-              </a:ext>
-            </a:extLst>
-          </p:cNvPr>
-          <p:cNvSpPr>
-            <a:spLocks noGrp="1"/>
-          </p:cNvSpPr>
-          <p:nvPr>
-            <p:ph idx="1"/>
-          </p:nvPr>
-        </p:nvSpPr>
-        <p:spPr>
-          <a:xfrm>
-            <a:off x="287592" y="1166864"/>
-            <a:ext cx="11383297" cy="5302762"/>
-          </a:xfrm>
-        </p:spPr>
-        <p:txBody>
-          <a:bodyPr/>
-          <a:lstStyle/>
-          <a:p>
-            <a:r>
-              <a:rPr kumimoji="1" lang="ja-JP" altLang="en-US" dirty="0"/>
-              <a:t>先行研究の調査</a:t>
-            </a:r>
-            <a:endParaRPr kumimoji="1" lang="en-US" altLang="ja-JP" dirty="0"/>
-          </a:p>
-          <a:p>
-            <a:pPr lvl="1"/>
-            <a:r>
-              <a:rPr lang="en-US" altLang="ja-JP" dirty="0"/>
-              <a:t>VAE</a:t>
-            </a:r>
-          </a:p>
-          <a:p>
-            <a:pPr lvl="1"/>
-            <a:r>
-              <a:rPr kumimoji="1" lang="en-US" altLang="ja-JP" dirty="0"/>
-              <a:t>GAN</a:t>
-            </a:r>
-          </a:p>
-          <a:p>
-            <a:pPr lvl="1"/>
-            <a:r>
-              <a:rPr lang="ja-JP" altLang="en-US" dirty="0"/>
-              <a:t>拡散モデル</a:t>
-            </a:r>
-            <a:endParaRPr lang="en-US" altLang="ja-JP" dirty="0"/>
-          </a:p>
-          <a:p>
-            <a:pPr lvl="1"/>
-            <a:endParaRPr kumimoji="1" lang="en-US" altLang="ja-JP" dirty="0"/>
-          </a:p>
-          <a:p>
-            <a:r>
-              <a:rPr lang="ja-JP" altLang="en-US" dirty="0"/>
-              <a:t>相関のある複数系列の生成</a:t>
-            </a:r>
-            <a:endParaRPr kumimoji="1" lang="ja-JP" altLang="en-US" dirty="0"/>
-          </a:p>
-        </p:txBody>
-      </p:sp>
-    </p:spTree>
-    <p:extLst>
-      <p:ext uri="{BB962C8B-B14F-4D97-AF65-F5344CB8AC3E}">
         <p14:creationId xmlns:p14="http://schemas.microsoft.com/office/powerpoint/2010/main" val="1435461346"/>
       </p:ext>
     </p:extLst>
@@ -9997,7 +12074,7 @@
         </p:nvSpPr>
         <p:spPr>
           <a:xfrm>
-            <a:off x="71284" y="129151"/>
+            <a:off x="149942" y="110679"/>
             <a:ext cx="10515600" cy="873739"/>
           </a:xfrm>
         </p:spPr>
@@ -10037,7 +12114,7 @@
         </p:nvSpPr>
         <p:spPr>
           <a:xfrm>
-            <a:off x="149942" y="1228572"/>
+            <a:off x="149942" y="1237809"/>
             <a:ext cx="11658600" cy="5014912"/>
           </a:xfrm>
         </p:spPr>
@@ -10099,6 +12176,21 @@
           </a:p>
           <a:p>
             <a:pPr lvl="1"/>
+            <a:endParaRPr lang="en-US" altLang="ja-JP" dirty="0"/>
+          </a:p>
+          <a:p>
+            <a:r>
+              <a:rPr lang="ja-JP" altLang="en-US" dirty="0"/>
+              <a:t>非対称性</a:t>
+            </a:r>
+            <a:endParaRPr lang="en-US" altLang="ja-JP" dirty="0"/>
+          </a:p>
+          <a:p>
+            <a:pPr lvl="1"/>
+            <a:r>
+              <a:rPr lang="ja-JP" altLang="en-US" dirty="0"/>
+              <a:t>上昇と下落が非対称（下落の方が急激であることが多い）</a:t>
+            </a:r>
             <a:endParaRPr lang="en-US" altLang="ja-JP" dirty="0"/>
           </a:p>
           <a:p>
@@ -10173,10 +12265,6 @@
               <a:rPr lang="en-US" altLang="ja-JP" dirty="0"/>
               <a:t>S&amp;P500</a:t>
             </a:r>
-            <a:r>
-              <a:rPr lang="ja-JP" altLang="en-US" dirty="0"/>
-              <a:t>の日次リターン</a:t>
-            </a:r>
             <a:endParaRPr kumimoji="1" lang="ja-JP" altLang="en-US" dirty="0"/>
           </a:p>
         </p:txBody>
@@ -10197,7 +12285,366 @@
         </p:nvSpPr>
         <p:spPr>
           <a:xfrm>
-            <a:off x="238432" y="1339362"/>
+            <a:off x="238432" y="1113220"/>
+            <a:ext cx="10515600" cy="598437"/>
+          </a:xfrm>
+          <a:prstGeom prst="rect">
+            <a:avLst/>
+          </a:prstGeom>
+        </p:spPr>
+        <p:txBody>
+          <a:bodyPr vert="horz" lIns="91440" tIns="45720" rIns="91440" bIns="45720" rtlCol="0">
+            <a:normAutofit/>
+          </a:bodyPr>
+          <a:lstStyle>
+            <a:lvl1pPr marL="228600" indent="-228600" algn="l" defTabSz="914400" rtl="0" eaLnBrk="1" latinLnBrk="0" hangingPunct="1">
+              <a:lnSpc>
+                <a:spcPct val="90000"/>
+              </a:lnSpc>
+              <a:spcBef>
+                <a:spcPts val="1000"/>
+              </a:spcBef>
+              <a:buFont typeface="Arial" panose="020B0604020202020204" pitchFamily="34" charset="0"/>
+              <a:buChar char="•"/>
+              <a:defRPr kumimoji="1" sz="2800" kern="1200">
+                <a:solidFill>
+                  <a:schemeClr val="tx1"/>
+                </a:solidFill>
+                <a:latin typeface="+mn-lt"/>
+                <a:ea typeface="+mn-ea"/>
+                <a:cs typeface="+mn-cs"/>
+              </a:defRPr>
+            </a:lvl1pPr>
+            <a:lvl2pPr marL="685800" indent="-228600" algn="l" defTabSz="914400" rtl="0" eaLnBrk="1" latinLnBrk="0" hangingPunct="1">
+              <a:lnSpc>
+                <a:spcPct val="90000"/>
+              </a:lnSpc>
+              <a:spcBef>
+                <a:spcPts val="500"/>
+              </a:spcBef>
+              <a:buFont typeface="Arial" panose="020B0604020202020204" pitchFamily="34" charset="0"/>
+              <a:buChar char="•"/>
+              <a:defRPr kumimoji="1" sz="2400" kern="1200">
+                <a:solidFill>
+                  <a:schemeClr val="tx1"/>
+                </a:solidFill>
+                <a:latin typeface="+mn-lt"/>
+                <a:ea typeface="+mn-ea"/>
+                <a:cs typeface="+mn-cs"/>
+              </a:defRPr>
+            </a:lvl2pPr>
+            <a:lvl3pPr marL="1143000" indent="-228600" algn="l" defTabSz="914400" rtl="0" eaLnBrk="1" latinLnBrk="0" hangingPunct="1">
+              <a:lnSpc>
+                <a:spcPct val="90000"/>
+              </a:lnSpc>
+              <a:spcBef>
+                <a:spcPts val="500"/>
+              </a:spcBef>
+              <a:buFont typeface="Arial" panose="020B0604020202020204" pitchFamily="34" charset="0"/>
+              <a:buChar char="•"/>
+              <a:defRPr kumimoji="1" sz="2000" kern="1200">
+                <a:solidFill>
+                  <a:schemeClr val="tx1"/>
+                </a:solidFill>
+                <a:latin typeface="+mn-lt"/>
+                <a:ea typeface="+mn-ea"/>
+                <a:cs typeface="+mn-cs"/>
+              </a:defRPr>
+            </a:lvl3pPr>
+            <a:lvl4pPr marL="1600200" indent="-228600" algn="l" defTabSz="914400" rtl="0" eaLnBrk="1" latinLnBrk="0" hangingPunct="1">
+              <a:lnSpc>
+                <a:spcPct val="90000"/>
+              </a:lnSpc>
+              <a:spcBef>
+                <a:spcPts val="500"/>
+              </a:spcBef>
+              <a:buFont typeface="Arial" panose="020B0604020202020204" pitchFamily="34" charset="0"/>
+              <a:buChar char="•"/>
+              <a:defRPr kumimoji="1" sz="1800" kern="1200">
+                <a:solidFill>
+                  <a:schemeClr val="tx1"/>
+                </a:solidFill>
+                <a:latin typeface="+mn-lt"/>
+                <a:ea typeface="+mn-ea"/>
+                <a:cs typeface="+mn-cs"/>
+              </a:defRPr>
+            </a:lvl4pPr>
+            <a:lvl5pPr marL="2057400" indent="-228600" algn="l" defTabSz="914400" rtl="0" eaLnBrk="1" latinLnBrk="0" hangingPunct="1">
+              <a:lnSpc>
+                <a:spcPct val="90000"/>
+              </a:lnSpc>
+              <a:spcBef>
+                <a:spcPts val="500"/>
+              </a:spcBef>
+              <a:buFont typeface="Arial" panose="020B0604020202020204" pitchFamily="34" charset="0"/>
+              <a:buChar char="•"/>
+              <a:defRPr kumimoji="1" sz="1800" kern="1200">
+                <a:solidFill>
+                  <a:schemeClr val="tx1"/>
+                </a:solidFill>
+                <a:latin typeface="+mn-lt"/>
+                <a:ea typeface="+mn-ea"/>
+                <a:cs typeface="+mn-cs"/>
+              </a:defRPr>
+            </a:lvl5pPr>
+            <a:lvl6pPr marL="2514600" indent="-228600" algn="l" defTabSz="914400" rtl="0" eaLnBrk="1" latinLnBrk="0" hangingPunct="1">
+              <a:lnSpc>
+                <a:spcPct val="90000"/>
+              </a:lnSpc>
+              <a:spcBef>
+                <a:spcPts val="500"/>
+              </a:spcBef>
+              <a:buFont typeface="Arial" panose="020B0604020202020204" pitchFamily="34" charset="0"/>
+              <a:buChar char="•"/>
+              <a:defRPr kumimoji="1" sz="1800" kern="1200">
+                <a:solidFill>
+                  <a:schemeClr val="tx1"/>
+                </a:solidFill>
+                <a:latin typeface="+mn-lt"/>
+                <a:ea typeface="+mn-ea"/>
+                <a:cs typeface="+mn-cs"/>
+              </a:defRPr>
+            </a:lvl6pPr>
+            <a:lvl7pPr marL="2971800" indent="-228600" algn="l" defTabSz="914400" rtl="0" eaLnBrk="1" latinLnBrk="0" hangingPunct="1">
+              <a:lnSpc>
+                <a:spcPct val="90000"/>
+              </a:lnSpc>
+              <a:spcBef>
+                <a:spcPts val="500"/>
+              </a:spcBef>
+              <a:buFont typeface="Arial" panose="020B0604020202020204" pitchFamily="34" charset="0"/>
+              <a:buChar char="•"/>
+              <a:defRPr kumimoji="1" sz="1800" kern="1200">
+                <a:solidFill>
+                  <a:schemeClr val="tx1"/>
+                </a:solidFill>
+                <a:latin typeface="+mn-lt"/>
+                <a:ea typeface="+mn-ea"/>
+                <a:cs typeface="+mn-cs"/>
+              </a:defRPr>
+            </a:lvl7pPr>
+            <a:lvl8pPr marL="3429000" indent="-228600" algn="l" defTabSz="914400" rtl="0" eaLnBrk="1" latinLnBrk="0" hangingPunct="1">
+              <a:lnSpc>
+                <a:spcPct val="90000"/>
+              </a:lnSpc>
+              <a:spcBef>
+                <a:spcPts val="500"/>
+              </a:spcBef>
+              <a:buFont typeface="Arial" panose="020B0604020202020204" pitchFamily="34" charset="0"/>
+              <a:buChar char="•"/>
+              <a:defRPr kumimoji="1" sz="1800" kern="1200">
+                <a:solidFill>
+                  <a:schemeClr val="tx1"/>
+                </a:solidFill>
+                <a:latin typeface="+mn-lt"/>
+                <a:ea typeface="+mn-ea"/>
+                <a:cs typeface="+mn-cs"/>
+              </a:defRPr>
+            </a:lvl8pPr>
+            <a:lvl9pPr marL="3886200" indent="-228600" algn="l" defTabSz="914400" rtl="0" eaLnBrk="1" latinLnBrk="0" hangingPunct="1">
+              <a:lnSpc>
+                <a:spcPct val="90000"/>
+              </a:lnSpc>
+              <a:spcBef>
+                <a:spcPts val="500"/>
+              </a:spcBef>
+              <a:buFont typeface="Arial" panose="020B0604020202020204" pitchFamily="34" charset="0"/>
+              <a:buChar char="•"/>
+              <a:defRPr kumimoji="1" sz="1800" kern="1200">
+                <a:solidFill>
+                  <a:schemeClr val="tx1"/>
+                </a:solidFill>
+                <a:latin typeface="+mn-lt"/>
+                <a:ea typeface="+mn-ea"/>
+                <a:cs typeface="+mn-cs"/>
+              </a:defRPr>
+            </a:lvl9pPr>
+          </a:lstStyle>
+          <a:p>
+            <a:r>
+              <a:rPr lang="en-US" altLang="ja-JP" dirty="0"/>
+              <a:t>S&amp;P500</a:t>
+            </a:r>
+            <a:r>
+              <a:rPr lang="ja-JP" altLang="en-US" dirty="0"/>
+              <a:t>の</a:t>
+            </a:r>
+            <a:r>
+              <a:rPr lang="en-US" altLang="ja-JP" dirty="0"/>
+              <a:t>1928/1</a:t>
+            </a:r>
+            <a:r>
+              <a:rPr lang="ja-JP" altLang="en-US" dirty="0"/>
+              <a:t>～</a:t>
+            </a:r>
+            <a:r>
+              <a:rPr lang="en-US" altLang="ja-JP" dirty="0"/>
+              <a:t>2024/5</a:t>
+            </a:r>
+            <a:r>
+              <a:rPr lang="ja-JP" altLang="en-US" dirty="0"/>
+              <a:t> </a:t>
+            </a:r>
+            <a:r>
+              <a:rPr lang="en-US" altLang="ja-JP" dirty="0"/>
+              <a:t>(</a:t>
+            </a:r>
+            <a:r>
+              <a:rPr lang="ja-JP" altLang="en-US" dirty="0"/>
+              <a:t>約</a:t>
+            </a:r>
+            <a:r>
+              <a:rPr lang="en-US" altLang="ja-JP" dirty="0"/>
+              <a:t>24,000</a:t>
+            </a:r>
+            <a:r>
+              <a:rPr lang="ja-JP" altLang="en-US" dirty="0"/>
+              <a:t>日</a:t>
+            </a:r>
+            <a:r>
+              <a:rPr lang="en-US" altLang="ja-JP" dirty="0"/>
+              <a:t>)</a:t>
+            </a:r>
+            <a:endParaRPr lang="ja-JP" altLang="en-US" dirty="0"/>
+          </a:p>
+        </p:txBody>
+      </p:sp>
+      <p:pic>
+        <p:nvPicPr>
+          <p:cNvPr id="1026" name="Picture 2">
+            <a:extLst>
+              <a:ext uri="{FF2B5EF4-FFF2-40B4-BE49-F238E27FC236}">
+                <a16:creationId xmlns:a16="http://schemas.microsoft.com/office/drawing/2014/main" id="{4C9750D3-11EF-BD58-511C-5AD170A10AF9}"/>
+              </a:ext>
+            </a:extLst>
+          </p:cNvPr>
+          <p:cNvPicPr>
+            <a:picLocks noChangeAspect="1" noChangeArrowheads="1"/>
+          </p:cNvPicPr>
+          <p:nvPr/>
+        </p:nvPicPr>
+        <p:blipFill>
+          <a:blip r:embed="rId2">
+            <a:extLst>
+              <a:ext uri="{28A0092B-C50C-407E-A947-70E740481C1C}">
+                <a14:useLocalDpi xmlns:a14="http://schemas.microsoft.com/office/drawing/2010/main" val="0"/>
+              </a:ext>
+            </a:extLst>
+          </a:blip>
+          <a:srcRect/>
+          <a:stretch>
+            <a:fillRect/>
+          </a:stretch>
+        </p:blipFill>
+        <p:spPr bwMode="auto">
+          <a:xfrm>
+            <a:off x="68826" y="1782657"/>
+            <a:ext cx="11818374" cy="3879442"/>
+          </a:xfrm>
+          <a:prstGeom prst="rect">
+            <a:avLst/>
+          </a:prstGeom>
+          <a:noFill/>
+          <a:extLst>
+            <a:ext uri="{909E8E84-426E-40DD-AFC4-6F175D3DCCD1}">
+              <a14:hiddenFill xmlns:a14="http://schemas.microsoft.com/office/drawing/2010/main">
+                <a:solidFill>
+                  <a:srgbClr val="FFFFFF"/>
+                </a:solidFill>
+              </a14:hiddenFill>
+            </a:ext>
+          </a:extLst>
+        </p:spPr>
+      </p:pic>
+    </p:spTree>
+    <p:extLst>
+      <p:ext uri="{BB962C8B-B14F-4D97-AF65-F5344CB8AC3E}">
+        <p14:creationId xmlns:p14="http://schemas.microsoft.com/office/powerpoint/2010/main" val="2186268134"/>
+      </p:ext>
+    </p:extLst>
+  </p:cSld>
+  <p:clrMapOvr>
+    <a:masterClrMapping/>
+  </p:clrMapOvr>
+</p:sld>
+</file>
+
+<file path=ppt/slides/slide5.xml><?xml version="1.0" encoding="utf-8"?>
+<p:sld xmlns:a="http://schemas.openxmlformats.org/drawingml/2006/main" xmlns:r="http://schemas.openxmlformats.org/officeDocument/2006/relationships" xmlns:p="http://schemas.openxmlformats.org/presentationml/2006/main">
+  <p:cSld>
+    <p:spTree>
+      <p:nvGrpSpPr>
+        <p:cNvPr id="1" name=""/>
+        <p:cNvGrpSpPr/>
+        <p:nvPr/>
+      </p:nvGrpSpPr>
+      <p:grpSpPr>
+        <a:xfrm>
+          <a:off x="0" y="0"/>
+          <a:ext cx="0" cy="0"/>
+          <a:chOff x="0" y="0"/>
+          <a:chExt cx="0" cy="0"/>
+        </a:xfrm>
+      </p:grpSpPr>
+      <p:sp>
+        <p:nvSpPr>
+          <p:cNvPr id="2" name="タイトル 1">
+            <a:extLst>
+              <a:ext uri="{FF2B5EF4-FFF2-40B4-BE49-F238E27FC236}">
+                <a16:creationId xmlns:a16="http://schemas.microsoft.com/office/drawing/2014/main" id="{EF5AE442-EB78-756E-ABA2-6E6BE9706635}"/>
+              </a:ext>
+            </a:extLst>
+          </p:cNvPr>
+          <p:cNvSpPr>
+            <a:spLocks noGrp="1"/>
+          </p:cNvSpPr>
+          <p:nvPr>
+            <p:ph type="title"/>
+          </p:nvPr>
+        </p:nvSpPr>
+        <p:spPr>
+          <a:xfrm>
+            <a:off x="238432" y="148816"/>
+            <a:ext cx="10515600" cy="598436"/>
+          </a:xfrm>
+        </p:spPr>
+        <p:txBody>
+          <a:bodyPr/>
+          <a:lstStyle/>
+          <a:p>
+            <a:r>
+              <a:rPr lang="ja-JP" altLang="en-US" dirty="0"/>
+              <a:t>例：</a:t>
+            </a:r>
+            <a:r>
+              <a:rPr lang="en-US" altLang="ja-JP" dirty="0"/>
+              <a:t>S&amp;P500</a:t>
+            </a:r>
+            <a:r>
+              <a:rPr lang="ja-JP" altLang="en-US" dirty="0"/>
+              <a:t>の日次リターン</a:t>
+            </a:r>
+            <a:endParaRPr kumimoji="1" lang="ja-JP" altLang="en-US" dirty="0"/>
+          </a:p>
+        </p:txBody>
+      </p:sp>
+      <p:sp>
+        <p:nvSpPr>
+          <p:cNvPr id="4" name="コンテンツ プレースホルダー 2">
+            <a:extLst>
+              <a:ext uri="{FF2B5EF4-FFF2-40B4-BE49-F238E27FC236}">
+                <a16:creationId xmlns:a16="http://schemas.microsoft.com/office/drawing/2014/main" id="{828D2467-2794-592A-5AF5-718578364077}"/>
+              </a:ext>
+            </a:extLst>
+          </p:cNvPr>
+          <p:cNvSpPr txBox="1">
+            <a:spLocks/>
+          </p:cNvSpPr>
+          <p:nvPr/>
+        </p:nvSpPr>
+        <p:spPr>
+          <a:xfrm>
+            <a:off x="238432" y="1191878"/>
             <a:ext cx="10515600" cy="1079373"/>
           </a:xfrm>
           <a:prstGeom prst="rect">
@@ -10458,8 +12905,8 @@
         </p:blipFill>
         <p:spPr bwMode="auto">
           <a:xfrm>
-            <a:off x="995516" y="2493565"/>
-            <a:ext cx="8868573" cy="3891401"/>
+            <a:off x="985684" y="2369574"/>
+            <a:ext cx="9397638" cy="4123547"/>
           </a:xfrm>
           <a:prstGeom prst="rect">
             <a:avLst/>
@@ -10489,7 +12936,7 @@
 </p:sld>
 </file>
 
-<file path=ppt/slides/slide5.xml><?xml version="1.0" encoding="utf-8"?>
+<file path=ppt/slides/slide6.xml><?xml version="1.0" encoding="utf-8"?>
 <p:sld xmlns:a="http://schemas.openxmlformats.org/drawingml/2006/main" xmlns:r="http://schemas.openxmlformats.org/officeDocument/2006/relationships" xmlns:p="http://schemas.openxmlformats.org/presentationml/2006/main">
   <p:cSld>
     <p:spTree>
@@ -10571,7 +13018,7 @@
         </p:blipFill>
         <p:spPr bwMode="auto">
           <a:xfrm>
-            <a:off x="362258" y="894735"/>
+            <a:off x="283600" y="1192766"/>
             <a:ext cx="5353050" cy="4114800"/>
           </a:xfrm>
           <a:prstGeom prst="rect">
@@ -10618,7 +13065,7 @@
         </p:blipFill>
         <p:spPr bwMode="auto">
           <a:xfrm>
-            <a:off x="6096000" y="818535"/>
+            <a:off x="6096000" y="1116566"/>
             <a:ext cx="5505450" cy="4191000"/>
           </a:xfrm>
           <a:prstGeom prst="rect">
@@ -10652,8 +13099,8 @@
         </p:nvSpPr>
         <p:spPr>
           <a:xfrm>
-            <a:off x="455509" y="5284716"/>
-            <a:ext cx="11006905" cy="867735"/>
+            <a:off x="414182" y="6259744"/>
+            <a:ext cx="11006905" cy="471949"/>
           </a:xfrm>
           <a:prstGeom prst="rect">
             <a:avLst/>
@@ -10852,8 +13299,8 @@
         </p:nvSpPr>
         <p:spPr>
           <a:xfrm>
-            <a:off x="6575323" y="254127"/>
-            <a:ext cx="5179142" cy="369332"/>
+            <a:off x="6584559" y="663902"/>
+            <a:ext cx="5016891" cy="369332"/>
           </a:xfrm>
           <a:prstGeom prst="rect">
             <a:avLst/>
@@ -10877,6 +13324,263 @@
           </a:p>
         </p:txBody>
       </p:sp>
+      <p:sp>
+        <p:nvSpPr>
+          <p:cNvPr id="3" name="テキスト ボックス 2">
+            <a:extLst>
+              <a:ext uri="{FF2B5EF4-FFF2-40B4-BE49-F238E27FC236}">
+                <a16:creationId xmlns:a16="http://schemas.microsoft.com/office/drawing/2014/main" id="{F4CD1171-83B4-50B3-A3DF-810305250B1D}"/>
+              </a:ext>
+            </a:extLst>
+          </p:cNvPr>
+          <p:cNvSpPr txBox="1"/>
+          <p:nvPr/>
+        </p:nvSpPr>
+        <p:spPr>
+          <a:xfrm>
+            <a:off x="5907495" y="5539663"/>
+            <a:ext cx="2076299" cy="646331"/>
+          </a:xfrm>
+          <a:prstGeom prst="rect">
+            <a:avLst/>
+          </a:prstGeom>
+          <a:noFill/>
+        </p:spPr>
+        <p:txBody>
+          <a:bodyPr wrap="square" rtlCol="0">
+            <a:spAutoFit/>
+          </a:bodyPr>
+          <a:lstStyle/>
+          <a:p>
+            <a:r>
+              <a:rPr kumimoji="1" lang="ja-JP" altLang="en-US" dirty="0"/>
+              <a:t>ブラックマンデー</a:t>
+            </a:r>
+            <a:endParaRPr kumimoji="1" lang="en-US" altLang="ja-JP" dirty="0"/>
+          </a:p>
+          <a:p>
+            <a:pPr algn="ctr"/>
+            <a:r>
+              <a:rPr kumimoji="1" lang="en-US" altLang="ja-JP" dirty="0"/>
+              <a:t>1987/10</a:t>
+            </a:r>
+            <a:endParaRPr kumimoji="1" lang="ja-JP" altLang="en-US" dirty="0"/>
+          </a:p>
+        </p:txBody>
+      </p:sp>
+      <p:cxnSp>
+        <p:nvCxnSpPr>
+          <p:cNvPr id="7" name="直線矢印コネクタ 6">
+            <a:extLst>
+              <a:ext uri="{FF2B5EF4-FFF2-40B4-BE49-F238E27FC236}">
+                <a16:creationId xmlns:a16="http://schemas.microsoft.com/office/drawing/2014/main" id="{FB00AD0A-AA95-1C96-8950-02763B658A0B}"/>
+              </a:ext>
+            </a:extLst>
+          </p:cNvPr>
+          <p:cNvCxnSpPr>
+            <a:cxnSpLocks/>
+            <a:stCxn id="3" idx="0"/>
+          </p:cNvCxnSpPr>
+          <p:nvPr/>
+        </p:nvCxnSpPr>
+        <p:spPr>
+          <a:xfrm flipV="1">
+            <a:off x="6945645" y="4906297"/>
+            <a:ext cx="467878" cy="633366"/>
+          </a:xfrm>
+          <a:prstGeom prst="straightConnector1">
+            <a:avLst/>
+          </a:prstGeom>
+          <a:ln>
+            <a:tailEnd type="triangle"/>
+          </a:ln>
+        </p:spPr>
+        <p:style>
+          <a:lnRef idx="2">
+            <a:schemeClr val="accent1"/>
+          </a:lnRef>
+          <a:fillRef idx="0">
+            <a:schemeClr val="accent1"/>
+          </a:fillRef>
+          <a:effectRef idx="1">
+            <a:schemeClr val="accent1"/>
+          </a:effectRef>
+          <a:fontRef idx="minor">
+            <a:schemeClr val="tx1"/>
+          </a:fontRef>
+        </p:style>
+      </p:cxnSp>
+      <p:sp>
+        <p:nvSpPr>
+          <p:cNvPr id="11" name="テキスト ボックス 10">
+            <a:extLst>
+              <a:ext uri="{FF2B5EF4-FFF2-40B4-BE49-F238E27FC236}">
+                <a16:creationId xmlns:a16="http://schemas.microsoft.com/office/drawing/2014/main" id="{7A9D487B-D86F-F600-8846-82313DEBB532}"/>
+              </a:ext>
+            </a:extLst>
+          </p:cNvPr>
+          <p:cNvSpPr txBox="1"/>
+          <p:nvPr/>
+        </p:nvSpPr>
+        <p:spPr>
+          <a:xfrm>
+            <a:off x="7955602" y="5460490"/>
+            <a:ext cx="2076299" cy="646331"/>
+          </a:xfrm>
+          <a:prstGeom prst="rect">
+            <a:avLst/>
+          </a:prstGeom>
+          <a:noFill/>
+        </p:spPr>
+        <p:txBody>
+          <a:bodyPr wrap="square" rtlCol="0">
+            <a:spAutoFit/>
+          </a:bodyPr>
+          <a:lstStyle/>
+          <a:p>
+            <a:r>
+              <a:rPr kumimoji="1" lang="ja-JP" altLang="en-US" dirty="0"/>
+              <a:t>ウォール街大暴落</a:t>
+            </a:r>
+            <a:endParaRPr kumimoji="1" lang="en-US" altLang="ja-JP" dirty="0"/>
+          </a:p>
+          <a:p>
+            <a:pPr algn="ctr"/>
+            <a:r>
+              <a:rPr kumimoji="1" lang="en-US" altLang="ja-JP" dirty="0"/>
+              <a:t>1928/10</a:t>
+            </a:r>
+            <a:endParaRPr kumimoji="1" lang="ja-JP" altLang="en-US" dirty="0"/>
+          </a:p>
+        </p:txBody>
+      </p:sp>
+      <p:cxnSp>
+        <p:nvCxnSpPr>
+          <p:cNvPr id="13" name="直線矢印コネクタ 12">
+            <a:extLst>
+              <a:ext uri="{FF2B5EF4-FFF2-40B4-BE49-F238E27FC236}">
+                <a16:creationId xmlns:a16="http://schemas.microsoft.com/office/drawing/2014/main" id="{41557AB3-D658-57D7-7F1E-DC4F1D131556}"/>
+              </a:ext>
+            </a:extLst>
+          </p:cNvPr>
+          <p:cNvCxnSpPr>
+            <a:cxnSpLocks/>
+            <a:stCxn id="11" idx="0"/>
+          </p:cNvCxnSpPr>
+          <p:nvPr/>
+        </p:nvCxnSpPr>
+        <p:spPr>
+          <a:xfrm flipH="1" flipV="1">
+            <a:off x="8131277" y="4906297"/>
+            <a:ext cx="862475" cy="554193"/>
+          </a:xfrm>
+          <a:prstGeom prst="straightConnector1">
+            <a:avLst/>
+          </a:prstGeom>
+          <a:ln>
+            <a:tailEnd type="triangle"/>
+          </a:ln>
+        </p:spPr>
+        <p:style>
+          <a:lnRef idx="2">
+            <a:schemeClr val="accent1"/>
+          </a:lnRef>
+          <a:fillRef idx="0">
+            <a:schemeClr val="accent1"/>
+          </a:fillRef>
+          <a:effectRef idx="1">
+            <a:schemeClr val="accent1"/>
+          </a:effectRef>
+          <a:fontRef idx="minor">
+            <a:schemeClr val="tx1"/>
+          </a:fontRef>
+        </p:style>
+      </p:cxnSp>
+      <p:sp>
+        <p:nvSpPr>
+          <p:cNvPr id="18" name="テキスト ボックス 17">
+            <a:extLst>
+              <a:ext uri="{FF2B5EF4-FFF2-40B4-BE49-F238E27FC236}">
+                <a16:creationId xmlns:a16="http://schemas.microsoft.com/office/drawing/2014/main" id="{10D68DE9-90A6-3899-73C9-23A558371F8A}"/>
+              </a:ext>
+            </a:extLst>
+          </p:cNvPr>
+          <p:cNvSpPr txBox="1"/>
+          <p:nvPr/>
+        </p:nvSpPr>
+        <p:spPr>
+          <a:xfrm>
+            <a:off x="10003709" y="5460490"/>
+            <a:ext cx="2076299" cy="646331"/>
+          </a:xfrm>
+          <a:prstGeom prst="rect">
+            <a:avLst/>
+          </a:prstGeom>
+          <a:noFill/>
+        </p:spPr>
+        <p:txBody>
+          <a:bodyPr wrap="square" rtlCol="0">
+            <a:spAutoFit/>
+          </a:bodyPr>
+          <a:lstStyle/>
+          <a:p>
+            <a:pPr algn="ctr"/>
+            <a:r>
+              <a:rPr kumimoji="1" lang="en-US" altLang="ja-JP" dirty="0"/>
+              <a:t>?</a:t>
+            </a:r>
+          </a:p>
+          <a:p>
+            <a:pPr algn="ctr"/>
+            <a:r>
+              <a:rPr kumimoji="1" lang="en-US" altLang="ja-JP" dirty="0"/>
+              <a:t>1933/3</a:t>
+            </a:r>
+            <a:endParaRPr kumimoji="1" lang="ja-JP" altLang="en-US" dirty="0"/>
+          </a:p>
+        </p:txBody>
+      </p:sp>
+      <p:cxnSp>
+        <p:nvCxnSpPr>
+          <p:cNvPr id="19" name="直線矢印コネクタ 18">
+            <a:extLst>
+              <a:ext uri="{FF2B5EF4-FFF2-40B4-BE49-F238E27FC236}">
+                <a16:creationId xmlns:a16="http://schemas.microsoft.com/office/drawing/2014/main" id="{65139120-272D-6DC2-B1B8-E405687E46EF}"/>
+              </a:ext>
+            </a:extLst>
+          </p:cNvPr>
+          <p:cNvCxnSpPr>
+            <a:cxnSpLocks/>
+          </p:cNvCxnSpPr>
+          <p:nvPr/>
+        </p:nvCxnSpPr>
+        <p:spPr>
+          <a:xfrm flipH="1" flipV="1">
+            <a:off x="10255045" y="4906297"/>
+            <a:ext cx="685727" cy="517317"/>
+          </a:xfrm>
+          <a:prstGeom prst="straightConnector1">
+            <a:avLst/>
+          </a:prstGeom>
+          <a:ln>
+            <a:tailEnd type="triangle"/>
+          </a:ln>
+        </p:spPr>
+        <p:style>
+          <a:lnRef idx="2">
+            <a:schemeClr val="accent1"/>
+          </a:lnRef>
+          <a:fillRef idx="0">
+            <a:schemeClr val="accent1"/>
+          </a:fillRef>
+          <a:effectRef idx="1">
+            <a:schemeClr val="accent1"/>
+          </a:effectRef>
+          <a:fontRef idx="minor">
+            <a:schemeClr val="tx1"/>
+          </a:fontRef>
+        </p:style>
+      </p:cxnSp>
     </p:spTree>
     <p:extLst>
       <p:ext uri="{BB962C8B-B14F-4D97-AF65-F5344CB8AC3E}">
@@ -10890,7 +13594,350 @@
 </p:sld>
 </file>
 
-<file path=ppt/slides/slide6.xml><?xml version="1.0" encoding="utf-8"?>
+<file path=ppt/slides/slide7.xml><?xml version="1.0" encoding="utf-8"?>
+<p:sld xmlns:a="http://schemas.openxmlformats.org/drawingml/2006/main" xmlns:r="http://schemas.openxmlformats.org/officeDocument/2006/relationships" xmlns:p="http://schemas.openxmlformats.org/presentationml/2006/main">
+  <p:cSld>
+    <p:spTree>
+      <p:nvGrpSpPr>
+        <p:cNvPr id="1" name=""/>
+        <p:cNvGrpSpPr/>
+        <p:nvPr/>
+      </p:nvGrpSpPr>
+      <p:grpSpPr>
+        <a:xfrm>
+          <a:off x="0" y="0"/>
+          <a:ext cx="0" cy="0"/>
+          <a:chOff x="0" y="0"/>
+          <a:chExt cx="0" cy="0"/>
+        </a:xfrm>
+      </p:grpSpPr>
+      <p:sp>
+        <p:nvSpPr>
+          <p:cNvPr id="2" name="タイトル 1">
+            <a:extLst>
+              <a:ext uri="{FF2B5EF4-FFF2-40B4-BE49-F238E27FC236}">
+                <a16:creationId xmlns:a16="http://schemas.microsoft.com/office/drawing/2014/main" id="{0047E1AA-F39F-0B48-36E7-E69E9B653F97}"/>
+              </a:ext>
+            </a:extLst>
+          </p:cNvPr>
+          <p:cNvSpPr>
+            <a:spLocks noGrp="1"/>
+          </p:cNvSpPr>
+          <p:nvPr>
+            <p:ph type="title"/>
+          </p:nvPr>
+        </p:nvSpPr>
+        <p:spPr/>
+        <p:txBody>
+          <a:bodyPr/>
+          <a:lstStyle/>
+          <a:p>
+            <a:r>
+              <a:rPr kumimoji="1" lang="ja-JP" altLang="en-US" dirty="0"/>
+              <a:t>自己相関</a:t>
+            </a:r>
+          </a:p>
+        </p:txBody>
+      </p:sp>
+      <p:sp>
+        <p:nvSpPr>
+          <p:cNvPr id="5" name="テキスト ボックス 4">
+            <a:extLst>
+              <a:ext uri="{FF2B5EF4-FFF2-40B4-BE49-F238E27FC236}">
+                <a16:creationId xmlns:a16="http://schemas.microsoft.com/office/drawing/2014/main" id="{D5F1A3C1-F57E-5910-7051-AD4B14FCDF21}"/>
+              </a:ext>
+            </a:extLst>
+          </p:cNvPr>
+          <p:cNvSpPr txBox="1"/>
+          <p:nvPr/>
+        </p:nvSpPr>
+        <p:spPr>
+          <a:xfrm>
+            <a:off x="384228" y="2413013"/>
+            <a:ext cx="3293037" cy="369332"/>
+          </a:xfrm>
+          <a:prstGeom prst="rect">
+            <a:avLst/>
+          </a:prstGeom>
+          <a:noFill/>
+        </p:spPr>
+        <p:txBody>
+          <a:bodyPr wrap="square" rtlCol="0">
+            <a:spAutoFit/>
+          </a:bodyPr>
+          <a:lstStyle/>
+          <a:p>
+            <a:pPr algn="ctr"/>
+            <a:r>
+              <a:rPr kumimoji="1" lang="ja-JP" altLang="en-US" dirty="0"/>
+              <a:t>リターンの自己相関</a:t>
+            </a:r>
+          </a:p>
+        </p:txBody>
+      </p:sp>
+      <p:sp>
+        <p:nvSpPr>
+          <p:cNvPr id="6" name="テキスト ボックス 5">
+            <a:extLst>
+              <a:ext uri="{FF2B5EF4-FFF2-40B4-BE49-F238E27FC236}">
+                <a16:creationId xmlns:a16="http://schemas.microsoft.com/office/drawing/2014/main" id="{7F49B9D9-EE20-1F5F-D8C6-2BE13EC9C623}"/>
+              </a:ext>
+            </a:extLst>
+          </p:cNvPr>
+          <p:cNvSpPr txBox="1"/>
+          <p:nvPr/>
+        </p:nvSpPr>
+        <p:spPr>
+          <a:xfrm>
+            <a:off x="4394247" y="2409039"/>
+            <a:ext cx="3588775" cy="369332"/>
+          </a:xfrm>
+          <a:prstGeom prst="rect">
+            <a:avLst/>
+          </a:prstGeom>
+          <a:noFill/>
+        </p:spPr>
+        <p:txBody>
+          <a:bodyPr wrap="square" rtlCol="0">
+            <a:spAutoFit/>
+          </a:bodyPr>
+          <a:lstStyle/>
+          <a:p>
+            <a:pPr algn="ctr"/>
+            <a:r>
+              <a:rPr kumimoji="1" lang="ja-JP" altLang="en-US" dirty="0"/>
+              <a:t>リターンの絶対値の自己相関</a:t>
+            </a:r>
+          </a:p>
+        </p:txBody>
+      </p:sp>
+      <p:sp>
+        <p:nvSpPr>
+          <p:cNvPr id="7" name="テキスト ボックス 6">
+            <a:extLst>
+              <a:ext uri="{FF2B5EF4-FFF2-40B4-BE49-F238E27FC236}">
+                <a16:creationId xmlns:a16="http://schemas.microsoft.com/office/drawing/2014/main" id="{6C369B20-D9A2-30D8-E536-0EF3B2F98EC2}"/>
+              </a:ext>
+            </a:extLst>
+          </p:cNvPr>
+          <p:cNvSpPr txBox="1"/>
+          <p:nvPr/>
+        </p:nvSpPr>
+        <p:spPr>
+          <a:xfrm>
+            <a:off x="8483695" y="2393213"/>
+            <a:ext cx="3588775" cy="369332"/>
+          </a:xfrm>
+          <a:prstGeom prst="rect">
+            <a:avLst/>
+          </a:prstGeom>
+          <a:noFill/>
+        </p:spPr>
+        <p:txBody>
+          <a:bodyPr wrap="square" rtlCol="0">
+            <a:spAutoFit/>
+          </a:bodyPr>
+          <a:lstStyle/>
+          <a:p>
+            <a:pPr algn="ctr"/>
+            <a:r>
+              <a:rPr kumimoji="1" lang="ja-JP" altLang="en-US" dirty="0"/>
+              <a:t>リターンの２乗の自己相関</a:t>
+            </a:r>
+          </a:p>
+        </p:txBody>
+      </p:sp>
+      <p:sp>
+        <p:nvSpPr>
+          <p:cNvPr id="8" name="コンテンツ プレースホルダー 2">
+            <a:extLst>
+              <a:ext uri="{FF2B5EF4-FFF2-40B4-BE49-F238E27FC236}">
+                <a16:creationId xmlns:a16="http://schemas.microsoft.com/office/drawing/2014/main" id="{7C06F70E-54AE-0FDE-1F0F-16476EA5C472}"/>
+              </a:ext>
+            </a:extLst>
+          </p:cNvPr>
+          <p:cNvSpPr>
+            <a:spLocks noGrp="1"/>
+          </p:cNvSpPr>
+          <p:nvPr>
+            <p:ph idx="1"/>
+          </p:nvPr>
+        </p:nvSpPr>
+        <p:spPr>
+          <a:xfrm>
+            <a:off x="145472" y="1132897"/>
+            <a:ext cx="11723253" cy="931877"/>
+          </a:xfrm>
+        </p:spPr>
+        <p:txBody>
+          <a:bodyPr>
+            <a:normAutofit/>
+          </a:bodyPr>
+          <a:lstStyle/>
+          <a:p>
+            <a:r>
+              <a:rPr lang="ja-JP" altLang="en-US" dirty="0"/>
+              <a:t>リターンの自己相関はないが、リターンの絶対値や２乗の自己相関は長くの残る</a:t>
+            </a:r>
+            <a:endParaRPr kumimoji="1" lang="ja-JP" altLang="en-US" dirty="0"/>
+          </a:p>
+        </p:txBody>
+      </p:sp>
+      <p:pic>
+        <p:nvPicPr>
+          <p:cNvPr id="3" name="Picture 6">
+            <a:extLst>
+              <a:ext uri="{FF2B5EF4-FFF2-40B4-BE49-F238E27FC236}">
+                <a16:creationId xmlns:a16="http://schemas.microsoft.com/office/drawing/2014/main" id="{5F0E1253-0ADF-7DA2-CCEC-492D2D44F63C}"/>
+              </a:ext>
+            </a:extLst>
+          </p:cNvPr>
+          <p:cNvPicPr>
+            <a:picLocks noChangeAspect="1" noChangeArrowheads="1"/>
+          </p:cNvPicPr>
+          <p:nvPr/>
+        </p:nvPicPr>
+        <p:blipFill>
+          <a:blip r:embed="rId2">
+            <a:extLst>
+              <a:ext uri="{28A0092B-C50C-407E-A947-70E740481C1C}">
+                <a14:useLocalDpi xmlns:a14="http://schemas.microsoft.com/office/drawing/2010/main" val="0"/>
+              </a:ext>
+            </a:extLst>
+          </a:blip>
+          <a:srcRect/>
+          <a:stretch>
+            <a:fillRect/>
+          </a:stretch>
+        </p:blipFill>
+        <p:spPr bwMode="auto">
+          <a:xfrm>
+            <a:off x="29322" y="2938303"/>
+            <a:ext cx="3960564" cy="3069943"/>
+          </a:xfrm>
+          <a:prstGeom prst="rect">
+            <a:avLst/>
+          </a:prstGeom>
+          <a:noFill/>
+          <a:extLst>
+            <a:ext uri="{909E8E84-426E-40DD-AFC4-6F175D3DCCD1}">
+              <a14:hiddenFill xmlns:a14="http://schemas.microsoft.com/office/drawing/2010/main">
+                <a:solidFill>
+                  <a:srgbClr val="FFFFFF"/>
+                </a:solidFill>
+              </a14:hiddenFill>
+            </a:ext>
+          </a:extLst>
+        </p:spPr>
+      </p:pic>
+      <p:pic>
+        <p:nvPicPr>
+          <p:cNvPr id="9" name="Picture 4">
+            <a:extLst>
+              <a:ext uri="{FF2B5EF4-FFF2-40B4-BE49-F238E27FC236}">
+                <a16:creationId xmlns:a16="http://schemas.microsoft.com/office/drawing/2014/main" id="{F9E842DB-390A-2D9D-DE67-6EA87FF9B959}"/>
+              </a:ext>
+            </a:extLst>
+          </p:cNvPr>
+          <p:cNvPicPr>
+            <a:picLocks noChangeAspect="1" noChangeArrowheads="1"/>
+          </p:cNvPicPr>
+          <p:nvPr/>
+        </p:nvPicPr>
+        <p:blipFill>
+          <a:blip r:embed="rId3">
+            <a:extLst>
+              <a:ext uri="{28A0092B-C50C-407E-A947-70E740481C1C}">
+                <a14:useLocalDpi xmlns:a14="http://schemas.microsoft.com/office/drawing/2010/main" val="0"/>
+              </a:ext>
+            </a:extLst>
+          </a:blip>
+          <a:srcRect/>
+          <a:stretch>
+            <a:fillRect/>
+          </a:stretch>
+        </p:blipFill>
+        <p:spPr bwMode="auto">
+          <a:xfrm>
+            <a:off x="4026816" y="2957177"/>
+            <a:ext cx="3960564" cy="3069943"/>
+          </a:xfrm>
+          <a:prstGeom prst="rect">
+            <a:avLst/>
+          </a:prstGeom>
+          <a:noFill/>
+          <a:extLst>
+            <a:ext uri="{909E8E84-426E-40DD-AFC4-6F175D3DCCD1}">
+              <a14:hiddenFill xmlns:a14="http://schemas.microsoft.com/office/drawing/2010/main">
+                <a:solidFill>
+                  <a:srgbClr val="FFFFFF"/>
+                </a:solidFill>
+              </a14:hiddenFill>
+            </a:ext>
+          </a:extLst>
+        </p:spPr>
+      </p:pic>
+      <p:pic>
+        <p:nvPicPr>
+          <p:cNvPr id="10" name="Picture 4">
+            <a:extLst>
+              <a:ext uri="{FF2B5EF4-FFF2-40B4-BE49-F238E27FC236}">
+                <a16:creationId xmlns:a16="http://schemas.microsoft.com/office/drawing/2014/main" id="{F3DF532C-4AE1-07AE-43A2-B4E8206D9F48}"/>
+              </a:ext>
+            </a:extLst>
+          </p:cNvPr>
+          <p:cNvPicPr>
+            <a:picLocks noChangeAspect="1" noChangeArrowheads="1"/>
+          </p:cNvPicPr>
+          <p:nvPr/>
+        </p:nvPicPr>
+        <p:blipFill>
+          <a:blip r:embed="rId4">
+            <a:extLst>
+              <a:ext uri="{28A0092B-C50C-407E-A947-70E740481C1C}">
+                <a14:useLocalDpi xmlns:a14="http://schemas.microsoft.com/office/drawing/2010/main" val="0"/>
+              </a:ext>
+            </a:extLst>
+          </a:blip>
+          <a:srcRect/>
+          <a:stretch>
+            <a:fillRect/>
+          </a:stretch>
+        </p:blipFill>
+        <p:spPr bwMode="auto">
+          <a:xfrm>
+            <a:off x="8125109" y="2941351"/>
+            <a:ext cx="3960565" cy="3069944"/>
+          </a:xfrm>
+          <a:prstGeom prst="rect">
+            <a:avLst/>
+          </a:prstGeom>
+          <a:noFill/>
+          <a:extLst>
+            <a:ext uri="{909E8E84-426E-40DD-AFC4-6F175D3DCCD1}">
+              <a14:hiddenFill xmlns:a14="http://schemas.microsoft.com/office/drawing/2010/main">
+                <a:solidFill>
+                  <a:srgbClr val="FFFFFF"/>
+                </a:solidFill>
+              </a14:hiddenFill>
+            </a:ext>
+          </a:extLst>
+        </p:spPr>
+      </p:pic>
+    </p:spTree>
+    <p:extLst>
+      <p:ext uri="{BB962C8B-B14F-4D97-AF65-F5344CB8AC3E}">
+        <p14:creationId xmlns:p14="http://schemas.microsoft.com/office/powerpoint/2010/main" val="3911352148"/>
+      </p:ext>
+    </p:extLst>
+  </p:cSld>
+  <p:clrMapOvr>
+    <a:masterClrMapping/>
+  </p:clrMapOvr>
+</p:sld>
+</file>
+
+<file path=ppt/slides/slide8.xml><?xml version="1.0" encoding="utf-8"?>
 <p:sld xmlns:a="http://schemas.openxmlformats.org/drawingml/2006/main" xmlns:r="http://schemas.openxmlformats.org/officeDocument/2006/relationships" xmlns:p="http://schemas.openxmlformats.org/presentationml/2006/main">
   <p:cSld>
     <p:spTree>
@@ -11452,7 +14499,7 @@
 </p:sld>
 </file>
 
-<file path=ppt/slides/slide7.xml><?xml version="1.0" encoding="utf-8"?>
+<file path=ppt/slides/slide9.xml><?xml version="1.0" encoding="utf-8"?>
 <p:sld xmlns:a="http://schemas.openxmlformats.org/drawingml/2006/main" xmlns:r="http://schemas.openxmlformats.org/officeDocument/2006/relationships" xmlns:p="http://schemas.openxmlformats.org/presentationml/2006/main">
   <p:cSld>
     <p:spTree>
@@ -11492,7 +14539,7 @@
           <a:p>
             <a:r>
               <a:rPr kumimoji="1" lang="ja-JP" altLang="en-US" dirty="0"/>
-              <a:t>分布の比較</a:t>
+              <a:t>①分布の比較</a:t>
             </a:r>
           </a:p>
         </p:txBody>
@@ -11686,8 +14733,8 @@
         </p:nvSpPr>
         <p:spPr>
           <a:xfrm>
-            <a:off x="406333" y="1872103"/>
-            <a:ext cx="4060724" cy="369332"/>
+            <a:off x="406332" y="1872103"/>
+            <a:ext cx="4391809" cy="369332"/>
           </a:xfrm>
           <a:prstGeom prst="rect">
             <a:avLst/>
@@ -11702,7 +14749,7 @@
           <a:p>
             <a:r>
               <a:rPr kumimoji="1" lang="ja-JP" altLang="en-US" dirty="0"/>
-              <a:t>正規乱数で発生させたリターン</a:t>
+              <a:t>正規乱数で発生させたリターン（抽出）</a:t>
             </a:r>
           </a:p>
         </p:txBody>
@@ -11741,7 +14788,7 @@
             </a:r>
             <a:r>
               <a:rPr kumimoji="1" lang="ja-JP" altLang="en-US" dirty="0"/>
-              <a:t>リターン</a:t>
+              <a:t>リターン（抽出）</a:t>
             </a:r>
           </a:p>
         </p:txBody>
@@ -11750,528 +14797,6 @@
     <p:extLst>
       <p:ext uri="{BB962C8B-B14F-4D97-AF65-F5344CB8AC3E}">
         <p14:creationId xmlns:p14="http://schemas.microsoft.com/office/powerpoint/2010/main" val="1964924838"/>
-      </p:ext>
-    </p:extLst>
-  </p:cSld>
-  <p:clrMapOvr>
-    <a:masterClrMapping/>
-  </p:clrMapOvr>
-</p:sld>
-</file>
-
-<file path=ppt/slides/slide8.xml><?xml version="1.0" encoding="utf-8"?>
-<p:sld xmlns:a="http://schemas.openxmlformats.org/drawingml/2006/main" xmlns:r="http://schemas.openxmlformats.org/officeDocument/2006/relationships" xmlns:p="http://schemas.openxmlformats.org/presentationml/2006/main">
-  <p:cSld>
-    <p:spTree>
-      <p:nvGrpSpPr>
-        <p:cNvPr id="1" name=""/>
-        <p:cNvGrpSpPr/>
-        <p:nvPr/>
-      </p:nvGrpSpPr>
-      <p:grpSpPr>
-        <a:xfrm>
-          <a:off x="0" y="0"/>
-          <a:ext cx="0" cy="0"/>
-          <a:chOff x="0" y="0"/>
-          <a:chExt cx="0" cy="0"/>
-        </a:xfrm>
-      </p:grpSpPr>
-      <p:sp>
-        <p:nvSpPr>
-          <p:cNvPr id="2" name="タイトル 1">
-            <a:extLst>
-              <a:ext uri="{FF2B5EF4-FFF2-40B4-BE49-F238E27FC236}">
-                <a16:creationId xmlns:a16="http://schemas.microsoft.com/office/drawing/2014/main" id="{92E5476B-6FC9-33A0-C227-AE9C4732FE23}"/>
-              </a:ext>
-            </a:extLst>
-          </p:cNvPr>
-          <p:cNvSpPr>
-            <a:spLocks noGrp="1"/>
-          </p:cNvSpPr>
-          <p:nvPr>
-            <p:ph type="title"/>
-          </p:nvPr>
-        </p:nvSpPr>
-        <p:spPr/>
-        <p:txBody>
-          <a:bodyPr/>
-          <a:lstStyle/>
-          <a:p>
-            <a:r>
-              <a:rPr kumimoji="1" lang="ja-JP" altLang="en-US" dirty="0"/>
-              <a:t>自己相関</a:t>
-            </a:r>
-          </a:p>
-        </p:txBody>
-      </p:sp>
-      <p:sp>
-        <p:nvSpPr>
-          <p:cNvPr id="3" name="コンテンツ プレースホルダー 2">
-            <a:extLst>
-              <a:ext uri="{FF2B5EF4-FFF2-40B4-BE49-F238E27FC236}">
-                <a16:creationId xmlns:a16="http://schemas.microsoft.com/office/drawing/2014/main" id="{403299DD-96A4-8398-52F9-0F02C0CC086D}"/>
-              </a:ext>
-            </a:extLst>
-          </p:cNvPr>
-          <p:cNvSpPr>
-            <a:spLocks noGrp="1"/>
-          </p:cNvSpPr>
-          <p:nvPr>
-            <p:ph idx="1"/>
-          </p:nvPr>
-        </p:nvSpPr>
-        <p:spPr>
-          <a:xfrm>
-            <a:off x="145472" y="1044406"/>
-            <a:ext cx="11723253" cy="518923"/>
-          </a:xfrm>
-        </p:spPr>
-        <p:txBody>
-          <a:bodyPr/>
-          <a:lstStyle/>
-          <a:p>
-            <a:r>
-              <a:rPr kumimoji="1" lang="ja-JP" altLang="en-US" dirty="0"/>
-              <a:t>リターンの自己相関はどちらもない</a:t>
-            </a:r>
-          </a:p>
-        </p:txBody>
-      </p:sp>
-      <p:pic>
-        <p:nvPicPr>
-          <p:cNvPr id="5124" name="Picture 4">
-            <a:extLst>
-              <a:ext uri="{FF2B5EF4-FFF2-40B4-BE49-F238E27FC236}">
-                <a16:creationId xmlns:a16="http://schemas.microsoft.com/office/drawing/2014/main" id="{EBF0D6D2-4B2D-0526-9879-84D2AF29E439}"/>
-              </a:ext>
-            </a:extLst>
-          </p:cNvPr>
-          <p:cNvPicPr>
-            <a:picLocks noChangeAspect="1" noChangeArrowheads="1"/>
-          </p:cNvPicPr>
-          <p:nvPr/>
-        </p:nvPicPr>
-        <p:blipFill>
-          <a:blip r:embed="rId2">
-            <a:extLst>
-              <a:ext uri="{28A0092B-C50C-407E-A947-70E740481C1C}">
-                <a14:useLocalDpi xmlns:a14="http://schemas.microsoft.com/office/drawing/2010/main" val="0"/>
-              </a:ext>
-            </a:extLst>
-          </a:blip>
-          <a:srcRect/>
-          <a:stretch>
-            <a:fillRect/>
-          </a:stretch>
-        </p:blipFill>
-        <p:spPr bwMode="auto">
-          <a:xfrm>
-            <a:off x="429394" y="2481555"/>
-            <a:ext cx="5469961" cy="4239919"/>
-          </a:xfrm>
-          <a:prstGeom prst="rect">
-            <a:avLst/>
-          </a:prstGeom>
-          <a:noFill/>
-          <a:extLst>
-            <a:ext uri="{909E8E84-426E-40DD-AFC4-6F175D3DCCD1}">
-              <a14:hiddenFill xmlns:a14="http://schemas.microsoft.com/office/drawing/2010/main">
-                <a:solidFill>
-                  <a:srgbClr val="FFFFFF"/>
-                </a:solidFill>
-              </a14:hiddenFill>
-            </a:ext>
-          </a:extLst>
-        </p:spPr>
-      </p:pic>
-      <p:pic>
-        <p:nvPicPr>
-          <p:cNvPr id="5126" name="Picture 6">
-            <a:extLst>
-              <a:ext uri="{FF2B5EF4-FFF2-40B4-BE49-F238E27FC236}">
-                <a16:creationId xmlns:a16="http://schemas.microsoft.com/office/drawing/2014/main" id="{8B791856-F9EB-F8E1-143D-036349C20E55}"/>
-              </a:ext>
-            </a:extLst>
-          </p:cNvPr>
-          <p:cNvPicPr>
-            <a:picLocks noChangeAspect="1" noChangeArrowheads="1"/>
-          </p:cNvPicPr>
-          <p:nvPr/>
-        </p:nvPicPr>
-        <p:blipFill>
-          <a:blip r:embed="rId3">
-            <a:extLst>
-              <a:ext uri="{28A0092B-C50C-407E-A947-70E740481C1C}">
-                <a14:useLocalDpi xmlns:a14="http://schemas.microsoft.com/office/drawing/2010/main" val="0"/>
-              </a:ext>
-            </a:extLst>
-          </a:blip>
-          <a:srcRect/>
-          <a:stretch>
-            <a:fillRect/>
-          </a:stretch>
-        </p:blipFill>
-        <p:spPr bwMode="auto">
-          <a:xfrm>
-            <a:off x="6277550" y="2387599"/>
-            <a:ext cx="5591175" cy="4333875"/>
-          </a:xfrm>
-          <a:prstGeom prst="rect">
-            <a:avLst/>
-          </a:prstGeom>
-          <a:noFill/>
-          <a:extLst>
-            <a:ext uri="{909E8E84-426E-40DD-AFC4-6F175D3DCCD1}">
-              <a14:hiddenFill xmlns:a14="http://schemas.microsoft.com/office/drawing/2010/main">
-                <a:solidFill>
-                  <a:srgbClr val="FFFFFF"/>
-                </a:solidFill>
-              </a14:hiddenFill>
-            </a:ext>
-          </a:extLst>
-        </p:spPr>
-      </p:pic>
-      <p:sp>
-        <p:nvSpPr>
-          <p:cNvPr id="4" name="テキスト ボックス 3">
-            <a:extLst>
-              <a:ext uri="{FF2B5EF4-FFF2-40B4-BE49-F238E27FC236}">
-                <a16:creationId xmlns:a16="http://schemas.microsoft.com/office/drawing/2014/main" id="{D89DE2F5-D86D-ED6D-F76D-29946D60E933}"/>
-              </a:ext>
-            </a:extLst>
-          </p:cNvPr>
-          <p:cNvSpPr txBox="1"/>
-          <p:nvPr/>
-        </p:nvSpPr>
-        <p:spPr>
-          <a:xfrm>
-            <a:off x="1553495" y="1872103"/>
-            <a:ext cx="3588775" cy="369332"/>
-          </a:xfrm>
-          <a:prstGeom prst="rect">
-            <a:avLst/>
-          </a:prstGeom>
-          <a:noFill/>
-        </p:spPr>
-        <p:txBody>
-          <a:bodyPr wrap="square" rtlCol="0">
-            <a:spAutoFit/>
-          </a:bodyPr>
-          <a:lstStyle/>
-          <a:p>
-            <a:pPr algn="ctr"/>
-            <a:r>
-              <a:rPr kumimoji="1" lang="ja-JP" altLang="en-US" dirty="0"/>
-              <a:t>正規乱数で発生させたリターン</a:t>
-            </a:r>
-          </a:p>
-        </p:txBody>
-      </p:sp>
-      <p:sp>
-        <p:nvSpPr>
-          <p:cNvPr id="5" name="テキスト ボックス 4">
-            <a:extLst>
-              <a:ext uri="{FF2B5EF4-FFF2-40B4-BE49-F238E27FC236}">
-                <a16:creationId xmlns:a16="http://schemas.microsoft.com/office/drawing/2014/main" id="{5D68D7AC-30BC-ED12-4DEA-336AF19EE471}"/>
-              </a:ext>
-            </a:extLst>
-          </p:cNvPr>
-          <p:cNvSpPr txBox="1"/>
-          <p:nvPr/>
-        </p:nvSpPr>
-        <p:spPr>
-          <a:xfrm>
-            <a:off x="8016500" y="1872103"/>
-            <a:ext cx="2445022" cy="369332"/>
-          </a:xfrm>
-          <a:prstGeom prst="rect">
-            <a:avLst/>
-          </a:prstGeom>
-          <a:noFill/>
-        </p:spPr>
-        <p:txBody>
-          <a:bodyPr wrap="square" rtlCol="0">
-            <a:spAutoFit/>
-          </a:bodyPr>
-          <a:lstStyle/>
-          <a:p>
-            <a:pPr algn="ctr"/>
-            <a:r>
-              <a:rPr lang="ja-JP" altLang="en-US" dirty="0"/>
-              <a:t>実際の</a:t>
-            </a:r>
-            <a:r>
-              <a:rPr kumimoji="1" lang="ja-JP" altLang="en-US" dirty="0"/>
-              <a:t>リターン</a:t>
-            </a:r>
-          </a:p>
-        </p:txBody>
-      </p:sp>
-    </p:spTree>
-    <p:extLst>
-      <p:ext uri="{BB962C8B-B14F-4D97-AF65-F5344CB8AC3E}">
-        <p14:creationId xmlns:p14="http://schemas.microsoft.com/office/powerpoint/2010/main" val="3701654242"/>
-      </p:ext>
-    </p:extLst>
-  </p:cSld>
-  <p:clrMapOvr>
-    <a:masterClrMapping/>
-  </p:clrMapOvr>
-</p:sld>
-</file>
-
-<file path=ppt/slides/slide9.xml><?xml version="1.0" encoding="utf-8"?>
-<p:sld xmlns:a="http://schemas.openxmlformats.org/drawingml/2006/main" xmlns:r="http://schemas.openxmlformats.org/officeDocument/2006/relationships" xmlns:p="http://schemas.openxmlformats.org/presentationml/2006/main">
-  <p:cSld>
-    <p:spTree>
-      <p:nvGrpSpPr>
-        <p:cNvPr id="1" name=""/>
-        <p:cNvGrpSpPr/>
-        <p:nvPr/>
-      </p:nvGrpSpPr>
-      <p:grpSpPr>
-        <a:xfrm>
-          <a:off x="0" y="0"/>
-          <a:ext cx="0" cy="0"/>
-          <a:chOff x="0" y="0"/>
-          <a:chExt cx="0" cy="0"/>
-        </a:xfrm>
-      </p:grpSpPr>
-      <p:sp>
-        <p:nvSpPr>
-          <p:cNvPr id="2" name="タイトル 1">
-            <a:extLst>
-              <a:ext uri="{FF2B5EF4-FFF2-40B4-BE49-F238E27FC236}">
-                <a16:creationId xmlns:a16="http://schemas.microsoft.com/office/drawing/2014/main" id="{D1A491DF-B357-BEB1-FD55-2C834A20CF0F}"/>
-              </a:ext>
-            </a:extLst>
-          </p:cNvPr>
-          <p:cNvSpPr>
-            <a:spLocks noGrp="1"/>
-          </p:cNvSpPr>
-          <p:nvPr>
-            <p:ph type="title"/>
-          </p:nvPr>
-        </p:nvSpPr>
-        <p:spPr/>
-        <p:txBody>
-          <a:bodyPr/>
-          <a:lstStyle/>
-          <a:p>
-            <a:r>
-              <a:rPr kumimoji="1" lang="ja-JP" altLang="en-US" dirty="0"/>
-              <a:t>自己相関（リターンの絶対値）</a:t>
-            </a:r>
-          </a:p>
-        </p:txBody>
-      </p:sp>
-      <p:sp>
-        <p:nvSpPr>
-          <p:cNvPr id="3" name="コンテンツ プレースホルダー 2">
-            <a:extLst>
-              <a:ext uri="{FF2B5EF4-FFF2-40B4-BE49-F238E27FC236}">
-                <a16:creationId xmlns:a16="http://schemas.microsoft.com/office/drawing/2014/main" id="{B31C27A1-4F30-F76E-F4AE-479EC43A550D}"/>
-              </a:ext>
-            </a:extLst>
-          </p:cNvPr>
-          <p:cNvSpPr>
-            <a:spLocks noGrp="1"/>
-          </p:cNvSpPr>
-          <p:nvPr>
-            <p:ph idx="1"/>
-          </p:nvPr>
-        </p:nvSpPr>
-        <p:spPr>
-          <a:xfrm>
-            <a:off x="255639" y="1132897"/>
-            <a:ext cx="11613086" cy="607413"/>
-          </a:xfrm>
-        </p:spPr>
-        <p:txBody>
-          <a:bodyPr/>
-          <a:lstStyle/>
-          <a:p>
-            <a:r>
-              <a:rPr kumimoji="1" lang="ja-JP" altLang="en-US" dirty="0"/>
-              <a:t>リターンの絶対値の自己相関の性質は大きく異なる</a:t>
-            </a:r>
-          </a:p>
-        </p:txBody>
-      </p:sp>
-      <p:pic>
-        <p:nvPicPr>
-          <p:cNvPr id="6146" name="Picture 2">
-            <a:extLst>
-              <a:ext uri="{FF2B5EF4-FFF2-40B4-BE49-F238E27FC236}">
-                <a16:creationId xmlns:a16="http://schemas.microsoft.com/office/drawing/2014/main" id="{8D297FDA-B878-EAE3-05DD-83DB9F5CAF18}"/>
-              </a:ext>
-            </a:extLst>
-          </p:cNvPr>
-          <p:cNvPicPr>
-            <a:picLocks noChangeAspect="1" noChangeArrowheads="1"/>
-          </p:cNvPicPr>
-          <p:nvPr/>
-        </p:nvPicPr>
-        <p:blipFill>
-          <a:blip r:embed="rId2">
-            <a:extLst>
-              <a:ext uri="{28A0092B-C50C-407E-A947-70E740481C1C}">
-                <a14:useLocalDpi xmlns:a14="http://schemas.microsoft.com/office/drawing/2010/main" val="0"/>
-              </a:ext>
-            </a:extLst>
-          </a:blip>
-          <a:srcRect/>
-          <a:stretch>
-            <a:fillRect/>
-          </a:stretch>
-        </p:blipFill>
-        <p:spPr bwMode="auto">
-          <a:xfrm>
-            <a:off x="380232" y="2387599"/>
-            <a:ext cx="5591175" cy="4333875"/>
-          </a:xfrm>
-          <a:prstGeom prst="rect">
-            <a:avLst/>
-          </a:prstGeom>
-          <a:noFill/>
-          <a:extLst>
-            <a:ext uri="{909E8E84-426E-40DD-AFC4-6F175D3DCCD1}">
-              <a14:hiddenFill xmlns:a14="http://schemas.microsoft.com/office/drawing/2010/main">
-                <a:solidFill>
-                  <a:srgbClr val="FFFFFF"/>
-                </a:solidFill>
-              </a14:hiddenFill>
-            </a:ext>
-          </a:extLst>
-        </p:spPr>
-      </p:pic>
-      <p:pic>
-        <p:nvPicPr>
-          <p:cNvPr id="6148" name="Picture 4">
-            <a:extLst>
-              <a:ext uri="{FF2B5EF4-FFF2-40B4-BE49-F238E27FC236}">
-                <a16:creationId xmlns:a16="http://schemas.microsoft.com/office/drawing/2014/main" id="{A384FD9C-C5E2-990B-16B4-7D927A72B4F1}"/>
-              </a:ext>
-            </a:extLst>
-          </p:cNvPr>
-          <p:cNvPicPr>
-            <a:picLocks noChangeAspect="1" noChangeArrowheads="1"/>
-          </p:cNvPicPr>
-          <p:nvPr/>
-        </p:nvPicPr>
-        <p:blipFill>
-          <a:blip r:embed="rId3">
-            <a:extLst>
-              <a:ext uri="{28A0092B-C50C-407E-A947-70E740481C1C}">
-                <a14:useLocalDpi xmlns:a14="http://schemas.microsoft.com/office/drawing/2010/main" val="0"/>
-              </a:ext>
-            </a:extLst>
-          </a:blip>
-          <a:srcRect/>
-          <a:stretch>
-            <a:fillRect/>
-          </a:stretch>
-        </p:blipFill>
-        <p:spPr bwMode="auto">
-          <a:xfrm>
-            <a:off x="6377909" y="2387598"/>
-            <a:ext cx="5591175" cy="4333875"/>
-          </a:xfrm>
-          <a:prstGeom prst="rect">
-            <a:avLst/>
-          </a:prstGeom>
-          <a:noFill/>
-          <a:extLst>
-            <a:ext uri="{909E8E84-426E-40DD-AFC4-6F175D3DCCD1}">
-              <a14:hiddenFill xmlns:a14="http://schemas.microsoft.com/office/drawing/2010/main">
-                <a:solidFill>
-                  <a:srgbClr val="FFFFFF"/>
-                </a:solidFill>
-              </a14:hiddenFill>
-            </a:ext>
-          </a:extLst>
-        </p:spPr>
-      </p:pic>
-      <p:sp>
-        <p:nvSpPr>
-          <p:cNvPr id="4" name="テキスト ボックス 3">
-            <a:extLst>
-              <a:ext uri="{FF2B5EF4-FFF2-40B4-BE49-F238E27FC236}">
-                <a16:creationId xmlns:a16="http://schemas.microsoft.com/office/drawing/2014/main" id="{1C7010BD-F540-9A4B-8341-8D170E604A66}"/>
-              </a:ext>
-            </a:extLst>
-          </p:cNvPr>
-          <p:cNvSpPr txBox="1"/>
-          <p:nvPr/>
-        </p:nvSpPr>
-        <p:spPr>
-          <a:xfrm>
-            <a:off x="1553495" y="1872103"/>
-            <a:ext cx="3588775" cy="369332"/>
-          </a:xfrm>
-          <a:prstGeom prst="rect">
-            <a:avLst/>
-          </a:prstGeom>
-          <a:noFill/>
-        </p:spPr>
-        <p:txBody>
-          <a:bodyPr wrap="square" rtlCol="0">
-            <a:spAutoFit/>
-          </a:bodyPr>
-          <a:lstStyle/>
-          <a:p>
-            <a:pPr algn="ctr"/>
-            <a:r>
-              <a:rPr kumimoji="1" lang="ja-JP" altLang="en-US" dirty="0"/>
-              <a:t>正規乱数で発生させたリターン</a:t>
-            </a:r>
-          </a:p>
-        </p:txBody>
-      </p:sp>
-      <p:sp>
-        <p:nvSpPr>
-          <p:cNvPr id="5" name="テキスト ボックス 4">
-            <a:extLst>
-              <a:ext uri="{FF2B5EF4-FFF2-40B4-BE49-F238E27FC236}">
-                <a16:creationId xmlns:a16="http://schemas.microsoft.com/office/drawing/2014/main" id="{D5D0C696-CA6E-1914-5DB3-67930B627147}"/>
-              </a:ext>
-            </a:extLst>
-          </p:cNvPr>
-          <p:cNvSpPr txBox="1"/>
-          <p:nvPr/>
-        </p:nvSpPr>
-        <p:spPr>
-          <a:xfrm>
-            <a:off x="8016500" y="1872103"/>
-            <a:ext cx="2445022" cy="369332"/>
-          </a:xfrm>
-          <a:prstGeom prst="rect">
-            <a:avLst/>
-          </a:prstGeom>
-          <a:noFill/>
-        </p:spPr>
-        <p:txBody>
-          <a:bodyPr wrap="square" rtlCol="0">
-            <a:spAutoFit/>
-          </a:bodyPr>
-          <a:lstStyle/>
-          <a:p>
-            <a:pPr algn="ctr"/>
-            <a:r>
-              <a:rPr lang="ja-JP" altLang="en-US" dirty="0"/>
-              <a:t>実際の</a:t>
-            </a:r>
-            <a:r>
-              <a:rPr kumimoji="1" lang="ja-JP" altLang="en-US" dirty="0"/>
-              <a:t>リターン</a:t>
-            </a:r>
-          </a:p>
-        </p:txBody>
-      </p:sp>
-    </p:spTree>
-    <p:extLst>
-      <p:ext uri="{BB962C8B-B14F-4D97-AF65-F5344CB8AC3E}">
-        <p14:creationId xmlns:p14="http://schemas.microsoft.com/office/powerpoint/2010/main" val="3016165639"/>
       </p:ext>
     </p:extLst>
   </p:cSld>
